--- a/Doc/Manual Figures.pptx
+++ b/Doc/Manual Figures.pptx
@@ -7,6 +7,7 @@
   <p:sldIdLst>
     <p:sldId id="256" r:id="rId2"/>
     <p:sldId id="257" r:id="rId3"/>
+    <p:sldId id="258" r:id="rId4"/>
   </p:sldIdLst>
   <p:sldSz cx="12192000" cy="6858000"/>
   <p:notesSz cx="6858000" cy="9144000"/>
@@ -124,6 +125,5434 @@
 </p:presentation>
 </file>
 
+<file path=ppt/diagrams/colors1.xml><?xml version="1.0" encoding="utf-8"?>
+<dgm:colorsDef xmlns:dgm="http://schemas.openxmlformats.org/drawingml/2006/diagram" xmlns:a="http://schemas.openxmlformats.org/drawingml/2006/main" uniqueId="urn:microsoft.com/office/officeart/2005/8/colors/accent0_2">
+  <dgm:title val=""/>
+  <dgm:desc val=""/>
+  <dgm:catLst>
+    <dgm:cat type="mainScheme" pri="10200"/>
+  </dgm:catLst>
+  <dgm:styleLbl name="node0">
+    <dgm:fillClrLst meth="repeat">
+      <a:schemeClr val="lt1"/>
+    </dgm:fillClrLst>
+    <dgm:linClrLst meth="repeat">
+      <a:schemeClr val="dk2">
+        <a:shade val="80000"/>
+      </a:schemeClr>
+    </dgm:linClrLst>
+    <dgm:effectClrLst/>
+    <dgm:txLinClrLst/>
+    <dgm:txFillClrLst meth="repeat">
+      <a:schemeClr val="dk2"/>
+    </dgm:txFillClrLst>
+    <dgm:txEffectClrLst/>
+  </dgm:styleLbl>
+  <dgm:styleLbl name="node1">
+    <dgm:fillClrLst meth="repeat">
+      <a:schemeClr val="lt1"/>
+    </dgm:fillClrLst>
+    <dgm:linClrLst meth="repeat">
+      <a:schemeClr val="dk2">
+        <a:shade val="80000"/>
+      </a:schemeClr>
+    </dgm:linClrLst>
+    <dgm:effectClrLst/>
+    <dgm:txLinClrLst/>
+    <dgm:txFillClrLst meth="repeat">
+      <a:schemeClr val="dk2"/>
+    </dgm:txFillClrLst>
+    <dgm:txEffectClrLst/>
+  </dgm:styleLbl>
+  <dgm:styleLbl name="alignNode1">
+    <dgm:fillClrLst meth="repeat">
+      <a:schemeClr val="lt1"/>
+    </dgm:fillClrLst>
+    <dgm:linClrLst meth="repeat">
+      <a:schemeClr val="dk2">
+        <a:shade val="80000"/>
+      </a:schemeClr>
+    </dgm:linClrLst>
+    <dgm:effectClrLst/>
+    <dgm:txLinClrLst/>
+    <dgm:txFillClrLst meth="repeat">
+      <a:schemeClr val="dk2"/>
+    </dgm:txFillClrLst>
+    <dgm:txEffectClrLst/>
+  </dgm:styleLbl>
+  <dgm:styleLbl name="lnNode1">
+    <dgm:fillClrLst meth="repeat">
+      <a:schemeClr val="lt1"/>
+    </dgm:fillClrLst>
+    <dgm:linClrLst meth="repeat">
+      <a:schemeClr val="dk2">
+        <a:shade val="80000"/>
+      </a:schemeClr>
+    </dgm:linClrLst>
+    <dgm:effectClrLst/>
+    <dgm:txLinClrLst/>
+    <dgm:txFillClrLst meth="repeat">
+      <a:schemeClr val="dk2"/>
+    </dgm:txFillClrLst>
+    <dgm:txEffectClrLst/>
+  </dgm:styleLbl>
+  <dgm:styleLbl name="vennNode1">
+    <dgm:fillClrLst meth="repeat">
+      <a:schemeClr val="lt1">
+        <a:alpha val="50000"/>
+      </a:schemeClr>
+    </dgm:fillClrLst>
+    <dgm:linClrLst meth="repeat">
+      <a:schemeClr val="dk2">
+        <a:shade val="80000"/>
+      </a:schemeClr>
+    </dgm:linClrLst>
+    <dgm:effectClrLst/>
+    <dgm:txLinClrLst/>
+    <dgm:txFillClrLst/>
+    <dgm:txEffectClrLst/>
+  </dgm:styleLbl>
+  <dgm:styleLbl name="node2">
+    <dgm:fillClrLst meth="repeat">
+      <a:schemeClr val="lt1"/>
+    </dgm:fillClrLst>
+    <dgm:linClrLst meth="repeat">
+      <a:schemeClr val="dk2">
+        <a:shade val="80000"/>
+      </a:schemeClr>
+    </dgm:linClrLst>
+    <dgm:effectClrLst/>
+    <dgm:txLinClrLst/>
+    <dgm:txFillClrLst meth="repeat">
+      <a:schemeClr val="dk2"/>
+    </dgm:txFillClrLst>
+    <dgm:txEffectClrLst/>
+  </dgm:styleLbl>
+  <dgm:styleLbl name="node3">
+    <dgm:fillClrLst meth="repeat">
+      <a:schemeClr val="lt1"/>
+    </dgm:fillClrLst>
+    <dgm:linClrLst meth="repeat">
+      <a:schemeClr val="dk2">
+        <a:shade val="80000"/>
+      </a:schemeClr>
+    </dgm:linClrLst>
+    <dgm:effectClrLst/>
+    <dgm:txLinClrLst/>
+    <dgm:txFillClrLst meth="repeat">
+      <a:schemeClr val="dk2"/>
+    </dgm:txFillClrLst>
+    <dgm:txEffectClrLst/>
+  </dgm:styleLbl>
+  <dgm:styleLbl name="node4">
+    <dgm:fillClrLst meth="repeat">
+      <a:schemeClr val="lt1"/>
+    </dgm:fillClrLst>
+    <dgm:linClrLst meth="repeat">
+      <a:schemeClr val="dk2">
+        <a:shade val="80000"/>
+      </a:schemeClr>
+    </dgm:linClrLst>
+    <dgm:effectClrLst/>
+    <dgm:txLinClrLst/>
+    <dgm:txFillClrLst meth="repeat">
+      <a:schemeClr val="dk2"/>
+    </dgm:txFillClrLst>
+    <dgm:txEffectClrLst/>
+  </dgm:styleLbl>
+  <dgm:styleLbl name="fgImgPlace1">
+    <dgm:fillClrLst meth="repeat">
+      <a:schemeClr val="dk2">
+        <a:tint val="40000"/>
+      </a:schemeClr>
+    </dgm:fillClrLst>
+    <dgm:linClrLst meth="repeat">
+      <a:schemeClr val="dk2">
+        <a:shade val="80000"/>
+      </a:schemeClr>
+    </dgm:linClrLst>
+    <dgm:effectClrLst/>
+    <dgm:txLinClrLst/>
+    <dgm:txFillClrLst meth="repeat">
+      <a:schemeClr val="lt1"/>
+    </dgm:txFillClrLst>
+    <dgm:txEffectClrLst/>
+  </dgm:styleLbl>
+  <dgm:styleLbl name="alignImgPlace1">
+    <dgm:fillClrLst meth="repeat">
+      <a:schemeClr val="dk2">
+        <a:tint val="40000"/>
+      </a:schemeClr>
+    </dgm:fillClrLst>
+    <dgm:linClrLst meth="repeat">
+      <a:schemeClr val="dk2">
+        <a:shade val="80000"/>
+      </a:schemeClr>
+    </dgm:linClrLst>
+    <dgm:effectClrLst/>
+    <dgm:txLinClrLst/>
+    <dgm:txFillClrLst meth="repeat">
+      <a:schemeClr val="lt1"/>
+    </dgm:txFillClrLst>
+    <dgm:txEffectClrLst/>
+  </dgm:styleLbl>
+  <dgm:styleLbl name="bgImgPlace1">
+    <dgm:fillClrLst meth="repeat">
+      <a:schemeClr val="dk2">
+        <a:tint val="40000"/>
+      </a:schemeClr>
+    </dgm:fillClrLst>
+    <dgm:linClrLst meth="repeat">
+      <a:schemeClr val="dk2">
+        <a:shade val="80000"/>
+      </a:schemeClr>
+    </dgm:linClrLst>
+    <dgm:effectClrLst/>
+    <dgm:txLinClrLst/>
+    <dgm:txFillClrLst meth="repeat">
+      <a:schemeClr val="lt1"/>
+    </dgm:txFillClrLst>
+    <dgm:txEffectClrLst/>
+  </dgm:styleLbl>
+  <dgm:styleLbl name="sibTrans2D1">
+    <dgm:fillClrLst meth="repeat">
+      <a:schemeClr val="dk2">
+        <a:tint val="60000"/>
+      </a:schemeClr>
+    </dgm:fillClrLst>
+    <dgm:linClrLst meth="repeat">
+      <a:schemeClr val="dk2">
+        <a:tint val="60000"/>
+      </a:schemeClr>
+    </dgm:linClrLst>
+    <dgm:effectClrLst/>
+    <dgm:txLinClrLst/>
+    <dgm:txFillClrLst meth="repeat">
+      <a:schemeClr val="dk2"/>
+    </dgm:txFillClrLst>
+    <dgm:txEffectClrLst/>
+  </dgm:styleLbl>
+  <dgm:styleLbl name="fgSibTrans2D1">
+    <dgm:fillClrLst meth="repeat">
+      <a:schemeClr val="dk2">
+        <a:tint val="60000"/>
+      </a:schemeClr>
+    </dgm:fillClrLst>
+    <dgm:linClrLst meth="repeat">
+      <a:schemeClr val="dk2">
+        <a:tint val="60000"/>
+      </a:schemeClr>
+    </dgm:linClrLst>
+    <dgm:effectClrLst/>
+    <dgm:txLinClrLst/>
+    <dgm:txFillClrLst meth="repeat">
+      <a:schemeClr val="dk2"/>
+    </dgm:txFillClrLst>
+    <dgm:txEffectClrLst/>
+  </dgm:styleLbl>
+  <dgm:styleLbl name="bgSibTrans2D1">
+    <dgm:fillClrLst meth="repeat">
+      <a:schemeClr val="dk2">
+        <a:tint val="60000"/>
+      </a:schemeClr>
+    </dgm:fillClrLst>
+    <dgm:linClrLst meth="repeat">
+      <a:schemeClr val="dk2">
+        <a:tint val="60000"/>
+      </a:schemeClr>
+    </dgm:linClrLst>
+    <dgm:effectClrLst/>
+    <dgm:txLinClrLst/>
+    <dgm:txFillClrLst meth="repeat">
+      <a:schemeClr val="dk2"/>
+    </dgm:txFillClrLst>
+    <dgm:txEffectClrLst/>
+  </dgm:styleLbl>
+  <dgm:styleLbl name="sibTrans1D1">
+    <dgm:fillClrLst meth="repeat">
+      <a:schemeClr val="dk2"/>
+    </dgm:fillClrLst>
+    <dgm:linClrLst meth="repeat">
+      <a:schemeClr val="dk2"/>
+    </dgm:linClrLst>
+    <dgm:effectClrLst/>
+    <dgm:txLinClrLst/>
+    <dgm:txFillClrLst meth="repeat">
+      <a:schemeClr val="tx1"/>
+    </dgm:txFillClrLst>
+    <dgm:txEffectClrLst/>
+  </dgm:styleLbl>
+  <dgm:styleLbl name="callout">
+    <dgm:fillClrLst meth="repeat">
+      <a:schemeClr val="dk2"/>
+    </dgm:fillClrLst>
+    <dgm:linClrLst meth="repeat">
+      <a:schemeClr val="dk2"/>
+    </dgm:linClrLst>
+    <dgm:effectClrLst/>
+    <dgm:txLinClrLst/>
+    <dgm:txFillClrLst meth="repeat">
+      <a:schemeClr val="tx1"/>
+    </dgm:txFillClrLst>
+    <dgm:txEffectClrLst/>
+  </dgm:styleLbl>
+  <dgm:styleLbl name="asst0">
+    <dgm:fillClrLst meth="repeat">
+      <a:schemeClr val="lt1"/>
+    </dgm:fillClrLst>
+    <dgm:linClrLst meth="repeat">
+      <a:schemeClr val="dk2">
+        <a:shade val="80000"/>
+      </a:schemeClr>
+    </dgm:linClrLst>
+    <dgm:effectClrLst/>
+    <dgm:txLinClrLst/>
+    <dgm:txFillClrLst meth="repeat">
+      <a:schemeClr val="dk2"/>
+    </dgm:txFillClrLst>
+    <dgm:txEffectClrLst/>
+  </dgm:styleLbl>
+  <dgm:styleLbl name="asst1">
+    <dgm:fillClrLst meth="repeat">
+      <a:schemeClr val="lt1"/>
+    </dgm:fillClrLst>
+    <dgm:linClrLst meth="repeat">
+      <a:schemeClr val="dk2">
+        <a:shade val="80000"/>
+      </a:schemeClr>
+    </dgm:linClrLst>
+    <dgm:effectClrLst/>
+    <dgm:txLinClrLst/>
+    <dgm:txFillClrLst meth="repeat">
+      <a:schemeClr val="dk2"/>
+    </dgm:txFillClrLst>
+    <dgm:txEffectClrLst/>
+  </dgm:styleLbl>
+  <dgm:styleLbl name="asst2">
+    <dgm:fillClrLst meth="repeat">
+      <a:schemeClr val="lt1"/>
+    </dgm:fillClrLst>
+    <dgm:linClrLst meth="repeat">
+      <a:schemeClr val="dk2">
+        <a:shade val="80000"/>
+      </a:schemeClr>
+    </dgm:linClrLst>
+    <dgm:effectClrLst/>
+    <dgm:txLinClrLst/>
+    <dgm:txFillClrLst meth="repeat">
+      <a:schemeClr val="dk2"/>
+    </dgm:txFillClrLst>
+    <dgm:txEffectClrLst/>
+  </dgm:styleLbl>
+  <dgm:styleLbl name="asst3">
+    <dgm:fillClrLst meth="repeat">
+      <a:schemeClr val="lt1"/>
+    </dgm:fillClrLst>
+    <dgm:linClrLst meth="repeat">
+      <a:schemeClr val="dk2">
+        <a:shade val="80000"/>
+      </a:schemeClr>
+    </dgm:linClrLst>
+    <dgm:effectClrLst/>
+    <dgm:txLinClrLst/>
+    <dgm:txFillClrLst meth="repeat">
+      <a:schemeClr val="dk2"/>
+    </dgm:txFillClrLst>
+    <dgm:txEffectClrLst/>
+  </dgm:styleLbl>
+  <dgm:styleLbl name="asst4">
+    <dgm:fillClrLst meth="repeat">
+      <a:schemeClr val="lt1"/>
+    </dgm:fillClrLst>
+    <dgm:linClrLst meth="repeat">
+      <a:schemeClr val="dk2">
+        <a:shade val="80000"/>
+      </a:schemeClr>
+    </dgm:linClrLst>
+    <dgm:effectClrLst/>
+    <dgm:txLinClrLst/>
+    <dgm:txFillClrLst meth="repeat">
+      <a:schemeClr val="dk2"/>
+    </dgm:txFillClrLst>
+    <dgm:txEffectClrLst/>
+  </dgm:styleLbl>
+  <dgm:styleLbl name="parChTrans2D1">
+    <dgm:fillClrLst meth="repeat">
+      <a:schemeClr val="dk2">
+        <a:tint val="60000"/>
+      </a:schemeClr>
+    </dgm:fillClrLst>
+    <dgm:linClrLst meth="repeat">
+      <a:schemeClr val="dk2">
+        <a:tint val="60000"/>
+      </a:schemeClr>
+    </dgm:linClrLst>
+    <dgm:effectClrLst/>
+    <dgm:txLinClrLst/>
+    <dgm:txFillClrLst/>
+    <dgm:txEffectClrLst/>
+  </dgm:styleLbl>
+  <dgm:styleLbl name="parChTrans2D2">
+    <dgm:fillClrLst meth="repeat">
+      <a:schemeClr val="dk2"/>
+    </dgm:fillClrLst>
+    <dgm:linClrLst meth="repeat">
+      <a:schemeClr val="dk2"/>
+    </dgm:linClrLst>
+    <dgm:effectClrLst/>
+    <dgm:txLinClrLst/>
+    <dgm:txFillClrLst/>
+    <dgm:txEffectClrLst/>
+  </dgm:styleLbl>
+  <dgm:styleLbl name="parChTrans2D3">
+    <dgm:fillClrLst meth="repeat">
+      <a:schemeClr val="dk2"/>
+    </dgm:fillClrLst>
+    <dgm:linClrLst meth="repeat">
+      <a:schemeClr val="dk2"/>
+    </dgm:linClrLst>
+    <dgm:effectClrLst/>
+    <dgm:txLinClrLst/>
+    <dgm:txFillClrLst/>
+    <dgm:txEffectClrLst/>
+  </dgm:styleLbl>
+  <dgm:styleLbl name="parChTrans2D4">
+    <dgm:fillClrLst meth="repeat">
+      <a:schemeClr val="dk2"/>
+    </dgm:fillClrLst>
+    <dgm:linClrLst meth="repeat">
+      <a:schemeClr val="dk2"/>
+    </dgm:linClrLst>
+    <dgm:effectClrLst/>
+    <dgm:txLinClrLst/>
+    <dgm:txFillClrLst meth="repeat">
+      <a:schemeClr val="lt1"/>
+    </dgm:txFillClrLst>
+    <dgm:txEffectClrLst/>
+  </dgm:styleLbl>
+  <dgm:styleLbl name="parChTrans1D1">
+    <dgm:fillClrLst meth="repeat">
+      <a:schemeClr val="dk2"/>
+    </dgm:fillClrLst>
+    <dgm:linClrLst meth="repeat">
+      <a:schemeClr val="dk2">
+        <a:shade val="60000"/>
+      </a:schemeClr>
+    </dgm:linClrLst>
+    <dgm:effectClrLst/>
+    <dgm:txLinClrLst/>
+    <dgm:txFillClrLst meth="repeat">
+      <a:schemeClr val="tx1"/>
+    </dgm:txFillClrLst>
+    <dgm:txEffectClrLst/>
+  </dgm:styleLbl>
+  <dgm:styleLbl name="parChTrans1D2">
+    <dgm:fillClrLst meth="repeat">
+      <a:schemeClr val="dk2"/>
+    </dgm:fillClrLst>
+    <dgm:linClrLst meth="repeat">
+      <a:schemeClr val="dk2">
+        <a:shade val="60000"/>
+      </a:schemeClr>
+    </dgm:linClrLst>
+    <dgm:effectClrLst/>
+    <dgm:txLinClrLst/>
+    <dgm:txFillClrLst meth="repeat">
+      <a:schemeClr val="tx1"/>
+    </dgm:txFillClrLst>
+    <dgm:txEffectClrLst/>
+  </dgm:styleLbl>
+  <dgm:styleLbl name="parChTrans1D3">
+    <dgm:fillClrLst meth="repeat">
+      <a:schemeClr val="dk2"/>
+    </dgm:fillClrLst>
+    <dgm:linClrLst meth="repeat">
+      <a:schemeClr val="dk2">
+        <a:shade val="80000"/>
+      </a:schemeClr>
+    </dgm:linClrLst>
+    <dgm:effectClrLst/>
+    <dgm:txLinClrLst/>
+    <dgm:txFillClrLst meth="repeat">
+      <a:schemeClr val="tx1"/>
+    </dgm:txFillClrLst>
+    <dgm:txEffectClrLst/>
+  </dgm:styleLbl>
+  <dgm:styleLbl name="parChTrans1D4">
+    <dgm:fillClrLst meth="repeat">
+      <a:schemeClr val="dk2"/>
+    </dgm:fillClrLst>
+    <dgm:linClrLst meth="repeat">
+      <a:schemeClr val="dk2">
+        <a:shade val="80000"/>
+      </a:schemeClr>
+    </dgm:linClrLst>
+    <dgm:effectClrLst/>
+    <dgm:txLinClrLst/>
+    <dgm:txFillClrLst meth="repeat">
+      <a:schemeClr val="tx1"/>
+    </dgm:txFillClrLst>
+    <dgm:txEffectClrLst/>
+  </dgm:styleLbl>
+  <dgm:styleLbl name="fgAcc1">
+    <dgm:fillClrLst meth="repeat">
+      <a:schemeClr val="dk2">
+        <a:alpha val="90000"/>
+        <a:tint val="40000"/>
+      </a:schemeClr>
+    </dgm:fillClrLst>
+    <dgm:linClrLst meth="repeat">
+      <a:schemeClr val="dk2"/>
+    </dgm:linClrLst>
+    <dgm:effectClrLst/>
+    <dgm:txLinClrLst/>
+    <dgm:txFillClrLst meth="repeat">
+      <a:schemeClr val="dk2"/>
+    </dgm:txFillClrLst>
+    <dgm:txEffectClrLst/>
+  </dgm:styleLbl>
+  <dgm:styleLbl name="conFgAcc1">
+    <dgm:fillClrLst meth="repeat">
+      <a:schemeClr val="dk2">
+        <a:alpha val="90000"/>
+        <a:tint val="40000"/>
+      </a:schemeClr>
+    </dgm:fillClrLst>
+    <dgm:linClrLst meth="repeat">
+      <a:schemeClr val="dk2"/>
+    </dgm:linClrLst>
+    <dgm:effectClrLst/>
+    <dgm:txLinClrLst/>
+    <dgm:txFillClrLst meth="repeat">
+      <a:schemeClr val="dk2"/>
+    </dgm:txFillClrLst>
+    <dgm:txEffectClrLst/>
+  </dgm:styleLbl>
+  <dgm:styleLbl name="alignAcc1">
+    <dgm:fillClrLst meth="repeat">
+      <a:schemeClr val="dk2">
+        <a:alpha val="90000"/>
+        <a:tint val="40000"/>
+      </a:schemeClr>
+    </dgm:fillClrLst>
+    <dgm:linClrLst meth="repeat">
+      <a:schemeClr val="dk2"/>
+    </dgm:linClrLst>
+    <dgm:effectClrLst/>
+    <dgm:txLinClrLst/>
+    <dgm:txFillClrLst meth="repeat">
+      <a:schemeClr val="dk2"/>
+    </dgm:txFillClrLst>
+    <dgm:txEffectClrLst/>
+  </dgm:styleLbl>
+  <dgm:styleLbl name="trAlignAcc1">
+    <dgm:fillClrLst meth="repeat">
+      <a:schemeClr val="dk2">
+        <a:alpha val="40000"/>
+        <a:tint val="40000"/>
+      </a:schemeClr>
+    </dgm:fillClrLst>
+    <dgm:linClrLst meth="repeat">
+      <a:schemeClr val="dk2"/>
+    </dgm:linClrLst>
+    <dgm:effectClrLst/>
+    <dgm:txLinClrLst/>
+    <dgm:txFillClrLst meth="repeat">
+      <a:schemeClr val="dk2"/>
+    </dgm:txFillClrLst>
+    <dgm:txEffectClrLst/>
+  </dgm:styleLbl>
+  <dgm:styleLbl name="bgAcc1">
+    <dgm:fillClrLst meth="repeat">
+      <a:schemeClr val="dk2">
+        <a:alpha val="90000"/>
+        <a:tint val="40000"/>
+      </a:schemeClr>
+    </dgm:fillClrLst>
+    <dgm:linClrLst meth="repeat">
+      <a:schemeClr val="dk2"/>
+    </dgm:linClrLst>
+    <dgm:effectClrLst/>
+    <dgm:txLinClrLst/>
+    <dgm:txFillClrLst meth="repeat">
+      <a:schemeClr val="dk2"/>
+    </dgm:txFillClrLst>
+    <dgm:txEffectClrLst/>
+  </dgm:styleLbl>
+  <dgm:styleLbl name="solidFgAcc1">
+    <dgm:fillClrLst meth="repeat">
+      <a:schemeClr val="lt1"/>
+    </dgm:fillClrLst>
+    <dgm:linClrLst meth="repeat">
+      <a:schemeClr val="dk2"/>
+    </dgm:linClrLst>
+    <dgm:effectClrLst/>
+    <dgm:txLinClrLst/>
+    <dgm:txFillClrLst meth="repeat">
+      <a:schemeClr val="dk2"/>
+    </dgm:txFillClrLst>
+    <dgm:txEffectClrLst/>
+  </dgm:styleLbl>
+  <dgm:styleLbl name="solidAlignAcc1">
+    <dgm:fillClrLst meth="repeat">
+      <a:schemeClr val="lt1"/>
+    </dgm:fillClrLst>
+    <dgm:linClrLst meth="repeat">
+      <a:schemeClr val="dk2"/>
+    </dgm:linClrLst>
+    <dgm:effectClrLst/>
+    <dgm:txLinClrLst/>
+    <dgm:txFillClrLst meth="repeat">
+      <a:schemeClr val="dk2"/>
+    </dgm:txFillClrLst>
+    <dgm:txEffectClrLst/>
+  </dgm:styleLbl>
+  <dgm:styleLbl name="solidBgAcc1">
+    <dgm:fillClrLst meth="repeat">
+      <a:schemeClr val="lt1"/>
+    </dgm:fillClrLst>
+    <dgm:linClrLst meth="repeat">
+      <a:schemeClr val="dk2"/>
+    </dgm:linClrLst>
+    <dgm:effectClrLst/>
+    <dgm:txLinClrLst/>
+    <dgm:txFillClrLst meth="repeat">
+      <a:schemeClr val="dk2"/>
+    </dgm:txFillClrLst>
+    <dgm:txEffectClrLst/>
+  </dgm:styleLbl>
+  <dgm:styleLbl name="fgAccFollowNode1">
+    <dgm:fillClrLst meth="repeat">
+      <a:schemeClr val="lt1">
+        <a:alpha val="90000"/>
+        <a:tint val="40000"/>
+      </a:schemeClr>
+    </dgm:fillClrLst>
+    <dgm:linClrLst meth="repeat">
+      <a:schemeClr val="dk2">
+        <a:alpha val="90000"/>
+      </a:schemeClr>
+    </dgm:linClrLst>
+    <dgm:effectClrLst/>
+    <dgm:txLinClrLst/>
+    <dgm:txFillClrLst meth="repeat">
+      <a:schemeClr val="dk2"/>
+    </dgm:txFillClrLst>
+    <dgm:txEffectClrLst/>
+  </dgm:styleLbl>
+  <dgm:styleLbl name="alignAccFollowNode1">
+    <dgm:fillClrLst meth="repeat">
+      <a:schemeClr val="lt1">
+        <a:alpha val="90000"/>
+        <a:tint val="40000"/>
+      </a:schemeClr>
+    </dgm:fillClrLst>
+    <dgm:linClrLst meth="repeat">
+      <a:schemeClr val="dk2">
+        <a:alpha val="90000"/>
+      </a:schemeClr>
+    </dgm:linClrLst>
+    <dgm:effectClrLst/>
+    <dgm:txLinClrLst/>
+    <dgm:txFillClrLst meth="repeat">
+      <a:schemeClr val="dk2"/>
+    </dgm:txFillClrLst>
+    <dgm:txEffectClrLst/>
+  </dgm:styleLbl>
+  <dgm:styleLbl name="bgAccFollowNode1">
+    <dgm:fillClrLst meth="repeat">
+      <a:schemeClr val="lt1">
+        <a:alpha val="90000"/>
+        <a:tint val="40000"/>
+      </a:schemeClr>
+    </dgm:fillClrLst>
+    <dgm:linClrLst meth="repeat">
+      <a:schemeClr val="dk2">
+        <a:alpha val="90000"/>
+      </a:schemeClr>
+    </dgm:linClrLst>
+    <dgm:effectClrLst/>
+    <dgm:txLinClrLst/>
+    <dgm:txFillClrLst meth="repeat">
+      <a:schemeClr val="dk2"/>
+    </dgm:txFillClrLst>
+    <dgm:txEffectClrLst/>
+  </dgm:styleLbl>
+  <dgm:styleLbl name="fgAcc0">
+    <dgm:fillClrLst meth="repeat">
+      <a:schemeClr val="dk2">
+        <a:alpha val="90000"/>
+        <a:tint val="40000"/>
+      </a:schemeClr>
+    </dgm:fillClrLst>
+    <dgm:linClrLst meth="repeat">
+      <a:schemeClr val="dk2"/>
+    </dgm:linClrLst>
+    <dgm:effectClrLst/>
+    <dgm:txLinClrLst/>
+    <dgm:txFillClrLst meth="repeat">
+      <a:schemeClr val="dk2"/>
+    </dgm:txFillClrLst>
+    <dgm:txEffectClrLst/>
+  </dgm:styleLbl>
+  <dgm:styleLbl name="fgAcc2">
+    <dgm:fillClrLst meth="repeat">
+      <a:schemeClr val="dk2">
+        <a:alpha val="90000"/>
+        <a:tint val="40000"/>
+      </a:schemeClr>
+    </dgm:fillClrLst>
+    <dgm:linClrLst meth="repeat">
+      <a:schemeClr val="dk2"/>
+    </dgm:linClrLst>
+    <dgm:effectClrLst/>
+    <dgm:txLinClrLst/>
+    <dgm:txFillClrLst meth="repeat">
+      <a:schemeClr val="dk2"/>
+    </dgm:txFillClrLst>
+    <dgm:txEffectClrLst/>
+  </dgm:styleLbl>
+  <dgm:styleLbl name="fgAcc3">
+    <dgm:fillClrLst meth="repeat">
+      <a:schemeClr val="dk2">
+        <a:alpha val="90000"/>
+        <a:tint val="40000"/>
+      </a:schemeClr>
+    </dgm:fillClrLst>
+    <dgm:linClrLst meth="repeat">
+      <a:schemeClr val="dk2"/>
+    </dgm:linClrLst>
+    <dgm:effectClrLst/>
+    <dgm:txLinClrLst/>
+    <dgm:txFillClrLst meth="repeat">
+      <a:schemeClr val="dk2"/>
+    </dgm:txFillClrLst>
+    <dgm:txEffectClrLst/>
+  </dgm:styleLbl>
+  <dgm:styleLbl name="fgAcc4">
+    <dgm:fillClrLst meth="repeat">
+      <a:schemeClr val="dk2">
+        <a:alpha val="90000"/>
+        <a:tint val="40000"/>
+      </a:schemeClr>
+    </dgm:fillClrLst>
+    <dgm:linClrLst meth="repeat">
+      <a:schemeClr val="dk2"/>
+    </dgm:linClrLst>
+    <dgm:effectClrLst/>
+    <dgm:txLinClrLst/>
+    <dgm:txFillClrLst meth="repeat">
+      <a:schemeClr val="dk2"/>
+    </dgm:txFillClrLst>
+    <dgm:txEffectClrLst/>
+  </dgm:styleLbl>
+  <dgm:styleLbl name="bgShp">
+    <dgm:fillClrLst meth="repeat">
+      <a:schemeClr val="dk2">
+        <a:tint val="40000"/>
+      </a:schemeClr>
+    </dgm:fillClrLst>
+    <dgm:linClrLst meth="repeat">
+      <a:schemeClr val="dk2"/>
+    </dgm:linClrLst>
+    <dgm:effectClrLst/>
+    <dgm:txLinClrLst/>
+    <dgm:txFillClrLst meth="repeat">
+      <a:schemeClr val="dk1"/>
+    </dgm:txFillClrLst>
+    <dgm:txEffectClrLst/>
+  </dgm:styleLbl>
+  <dgm:styleLbl name="dkBgShp">
+    <dgm:fillClrLst meth="repeat">
+      <a:schemeClr val="dk2">
+        <a:shade val="80000"/>
+      </a:schemeClr>
+    </dgm:fillClrLst>
+    <dgm:linClrLst meth="repeat">
+      <a:schemeClr val="dk2"/>
+    </dgm:linClrLst>
+    <dgm:effectClrLst/>
+    <dgm:txLinClrLst/>
+    <dgm:txFillClrLst meth="repeat">
+      <a:schemeClr val="lt2"/>
+    </dgm:txFillClrLst>
+    <dgm:txEffectClrLst/>
+  </dgm:styleLbl>
+  <dgm:styleLbl name="trBgShp">
+    <dgm:fillClrLst meth="repeat">
+      <a:schemeClr val="dk2">
+        <a:tint val="50000"/>
+        <a:alpha val="40000"/>
+      </a:schemeClr>
+    </dgm:fillClrLst>
+    <dgm:linClrLst meth="repeat">
+      <a:schemeClr val="dk2"/>
+    </dgm:linClrLst>
+    <dgm:effectClrLst/>
+    <dgm:txLinClrLst/>
+    <dgm:txFillClrLst meth="repeat">
+      <a:schemeClr val="lt2"/>
+    </dgm:txFillClrLst>
+    <dgm:txEffectClrLst/>
+  </dgm:styleLbl>
+  <dgm:styleLbl name="fgShp">
+    <dgm:fillClrLst meth="repeat">
+      <a:schemeClr val="dk2">
+        <a:tint val="60000"/>
+      </a:schemeClr>
+    </dgm:fillClrLst>
+    <dgm:linClrLst meth="repeat">
+      <a:schemeClr val="lt1"/>
+    </dgm:linClrLst>
+    <dgm:effectClrLst/>
+    <dgm:txLinClrLst/>
+    <dgm:txFillClrLst meth="repeat">
+      <a:schemeClr val="dk2"/>
+    </dgm:txFillClrLst>
+    <dgm:txEffectClrLst/>
+  </dgm:styleLbl>
+  <dgm:styleLbl name="revTx">
+    <dgm:fillClrLst meth="repeat">
+      <a:schemeClr val="lt1">
+        <a:alpha val="0"/>
+      </a:schemeClr>
+    </dgm:fillClrLst>
+    <dgm:linClrLst meth="repeat">
+      <a:schemeClr val="dk2">
+        <a:alpha val="0"/>
+      </a:schemeClr>
+    </dgm:linClrLst>
+    <dgm:effectClrLst/>
+    <dgm:txLinClrLst/>
+    <dgm:txFillClrLst meth="repeat">
+      <a:schemeClr val="tx1"/>
+    </dgm:txFillClrLst>
+    <dgm:txEffectClrLst/>
+  </dgm:styleLbl>
+</dgm:colorsDef>
+</file>
+
+<file path=ppt/diagrams/data1.xml><?xml version="1.0" encoding="utf-8"?>
+<dgm:dataModel xmlns:dgm="http://schemas.openxmlformats.org/drawingml/2006/diagram" xmlns:a="http://schemas.openxmlformats.org/drawingml/2006/main">
+  <dgm:ptLst>
+    <dgm:pt modelId="{3DC0FE0E-E018-42C1-AD91-B2EB87EFC67A}" type="doc">
+      <dgm:prSet loTypeId="urn:microsoft.com/office/officeart/2009/3/layout/HorizontalOrganizationChart" loCatId="hierarchy" qsTypeId="urn:microsoft.com/office/officeart/2005/8/quickstyle/simple1" qsCatId="simple" csTypeId="urn:microsoft.com/office/officeart/2005/8/colors/accent0_2" csCatId="mainScheme" phldr="1"/>
+      <dgm:spPr/>
+      <dgm:t>
+        <a:bodyPr/>
+        <a:lstStyle/>
+        <a:p>
+          <a:endParaRPr lang="en-US"/>
+        </a:p>
+      </dgm:t>
+    </dgm:pt>
+    <dgm:pt modelId="{4C40BBD2-E81C-465C-A21F-5A48AD0C3271}">
+      <dgm:prSet phldrT="[Text]"/>
+      <dgm:spPr/>
+      <dgm:t>
+        <a:bodyPr/>
+        <a:lstStyle/>
+        <a:p>
+          <a:r>
+            <a:rPr lang="en-US" b="1" dirty="0" err="1"/>
+            <a:t>Arume</a:t>
+          </a:r>
+          <a:endParaRPr lang="en-US" b="1" dirty="0"/>
+        </a:p>
+        <a:p>
+          <a:endParaRPr lang="en-US" dirty="0"/>
+        </a:p>
+        <a:p>
+          <a:r>
+            <a:rPr lang="en-US" dirty="0"/>
+            <a:t>Main controller and public interface for all </a:t>
+          </a:r>
+          <a:r>
+            <a:rPr lang="en-US" dirty="0" err="1"/>
+            <a:t>arume</a:t>
+          </a:r>
+          <a:r>
+            <a:rPr lang="en-US" dirty="0"/>
+            <a:t> functions. Can be used in combination with UI</a:t>
+          </a:r>
+        </a:p>
+      </dgm:t>
+    </dgm:pt>
+    <dgm:pt modelId="{D8C2AB22-C84C-4EBE-A725-7707514A948C}" type="parTrans" cxnId="{9AC4D7A7-8F86-423B-A5F1-56C1E78358C9}">
+      <dgm:prSet/>
+      <dgm:spPr/>
+      <dgm:t>
+        <a:bodyPr/>
+        <a:lstStyle/>
+        <a:p>
+          <a:endParaRPr lang="en-US"/>
+        </a:p>
+      </dgm:t>
+    </dgm:pt>
+    <dgm:pt modelId="{9F111822-2347-4D43-9CE2-8A61A195FAB6}" type="sibTrans" cxnId="{9AC4D7A7-8F86-423B-A5F1-56C1E78358C9}">
+      <dgm:prSet/>
+      <dgm:spPr/>
+      <dgm:t>
+        <a:bodyPr/>
+        <a:lstStyle/>
+        <a:p>
+          <a:endParaRPr lang="en-US"/>
+        </a:p>
+      </dgm:t>
+    </dgm:pt>
+    <dgm:pt modelId="{BF527958-DC9A-41CC-A233-ED61FEDA5289}">
+      <dgm:prSet phldrT="[Text]"/>
+      <dgm:spPr/>
+      <dgm:t>
+        <a:bodyPr/>
+        <a:lstStyle/>
+        <a:p>
+          <a:r>
+            <a:rPr lang="en-US" b="1" dirty="0" err="1"/>
+            <a:t>CurrentProject</a:t>
+          </a:r>
+          <a:endParaRPr lang="en-US" b="1" dirty="0"/>
+        </a:p>
+        <a:p>
+          <a:r>
+            <a:rPr lang="en-US" b="1" dirty="0" err="1"/>
+            <a:t>ArumeCore.Project</a:t>
+          </a:r>
+          <a:endParaRPr lang="en-US" b="1" dirty="0"/>
+        </a:p>
+        <a:p>
+          <a:endParaRPr lang="en-US" dirty="0"/>
+        </a:p>
+        <a:p>
+          <a:r>
+            <a:rPr lang="en-US" dirty="0"/>
+            <a:t>A project is a collection of sessions plus some additional information and configurations</a:t>
+          </a:r>
+        </a:p>
+      </dgm:t>
+    </dgm:pt>
+    <dgm:pt modelId="{B5B77C92-1541-45EF-B39F-E1AAC61FEB76}" type="parTrans" cxnId="{8C768E27-3E0D-4F9C-AB92-6B27BE0D4C77}">
+      <dgm:prSet/>
+      <dgm:spPr/>
+      <dgm:t>
+        <a:bodyPr/>
+        <a:lstStyle/>
+        <a:p>
+          <a:endParaRPr lang="en-US"/>
+        </a:p>
+      </dgm:t>
+    </dgm:pt>
+    <dgm:pt modelId="{7F84E3AC-2F9D-4EE8-A1A4-C3973983CA59}" type="sibTrans" cxnId="{8C768E27-3E0D-4F9C-AB92-6B27BE0D4C77}">
+      <dgm:prSet/>
+      <dgm:spPr/>
+      <dgm:t>
+        <a:bodyPr/>
+        <a:lstStyle/>
+        <a:p>
+          <a:endParaRPr lang="en-US"/>
+        </a:p>
+      </dgm:t>
+    </dgm:pt>
+    <dgm:pt modelId="{17823360-C97F-4627-A265-EFCA1C1B0626}">
+      <dgm:prSet phldrT="[Text]"/>
+      <dgm:spPr/>
+      <dgm:t>
+        <a:bodyPr/>
+        <a:lstStyle/>
+        <a:p>
+          <a:r>
+            <a:rPr lang="en-US" b="1" dirty="0"/>
+            <a:t>sessions[1]</a:t>
+          </a:r>
+        </a:p>
+        <a:p>
+          <a:r>
+            <a:rPr lang="en-US" b="1" dirty="0" err="1"/>
+            <a:t>ArumeCore.Session</a:t>
+          </a:r>
+          <a:endParaRPr lang="en-US" b="1" dirty="0"/>
+        </a:p>
+        <a:p>
+          <a:endParaRPr lang="en-US" dirty="0"/>
+        </a:p>
+        <a:p>
+          <a:r>
+            <a:rPr lang="en-US" dirty="0"/>
+            <a:t>A session encapsulates the running of a experiment on a given subject. Contains all the data recorded.</a:t>
+          </a:r>
+        </a:p>
+      </dgm:t>
+    </dgm:pt>
+    <dgm:pt modelId="{70C031F4-2EF8-47F9-8D09-C0E6995DFEF7}" type="parTrans" cxnId="{6579B23A-27BC-4B08-93A3-C577BAE0075E}">
+      <dgm:prSet/>
+      <dgm:spPr/>
+      <dgm:t>
+        <a:bodyPr/>
+        <a:lstStyle/>
+        <a:p>
+          <a:endParaRPr lang="en-US"/>
+        </a:p>
+      </dgm:t>
+    </dgm:pt>
+    <dgm:pt modelId="{5F813727-916E-44B4-8143-C7BE6D0A96EB}" type="sibTrans" cxnId="{6579B23A-27BC-4B08-93A3-C577BAE0075E}">
+      <dgm:prSet/>
+      <dgm:spPr/>
+      <dgm:t>
+        <a:bodyPr/>
+        <a:lstStyle/>
+        <a:p>
+          <a:endParaRPr lang="en-US"/>
+        </a:p>
+      </dgm:t>
+    </dgm:pt>
+    <dgm:pt modelId="{5E9E848E-67D3-4247-9076-30F7BCC418D6}">
+      <dgm:prSet phldrT="[Text]"/>
+      <dgm:spPr/>
+      <dgm:t>
+        <a:bodyPr/>
+        <a:lstStyle/>
+        <a:p>
+          <a:r>
+            <a:rPr lang="en-US" dirty="0"/>
+            <a:t>sessions[2]</a:t>
+          </a:r>
+        </a:p>
+      </dgm:t>
+    </dgm:pt>
+    <dgm:pt modelId="{75D3BAFD-A191-477A-B0E4-D39F6FBF3E27}" type="parTrans" cxnId="{DD4598EC-31A3-4AA0-BA07-4339A04F2463}">
+      <dgm:prSet/>
+      <dgm:spPr/>
+      <dgm:t>
+        <a:bodyPr/>
+        <a:lstStyle/>
+        <a:p>
+          <a:endParaRPr lang="en-US"/>
+        </a:p>
+      </dgm:t>
+    </dgm:pt>
+    <dgm:pt modelId="{2DCB555B-723E-4588-9DC5-324489159C0D}" type="sibTrans" cxnId="{DD4598EC-31A3-4AA0-BA07-4339A04F2463}">
+      <dgm:prSet/>
+      <dgm:spPr/>
+      <dgm:t>
+        <a:bodyPr/>
+        <a:lstStyle/>
+        <a:p>
+          <a:endParaRPr lang="en-US"/>
+        </a:p>
+      </dgm:t>
+    </dgm:pt>
+    <dgm:pt modelId="{3F3E85B1-7171-460B-8D7B-256481BFEBF3}">
+      <dgm:prSet phldrT="[Text]"/>
+      <dgm:spPr/>
+      <dgm:t>
+        <a:bodyPr/>
+        <a:lstStyle/>
+        <a:p>
+          <a:r>
+            <a:rPr lang="en-US" dirty="0"/>
+            <a:t>…</a:t>
+          </a:r>
+        </a:p>
+      </dgm:t>
+    </dgm:pt>
+    <dgm:pt modelId="{A1DE722B-66EC-4D05-B239-3A311176CE50}" type="parTrans" cxnId="{6EDE9828-34CA-45A9-A172-47C4D330AC15}">
+      <dgm:prSet/>
+      <dgm:spPr/>
+      <dgm:t>
+        <a:bodyPr/>
+        <a:lstStyle/>
+        <a:p>
+          <a:endParaRPr lang="en-US"/>
+        </a:p>
+      </dgm:t>
+    </dgm:pt>
+    <dgm:pt modelId="{393761F3-FAB2-4A07-B493-FCC117E870BF}" type="sibTrans" cxnId="{6EDE9828-34CA-45A9-A172-47C4D330AC15}">
+      <dgm:prSet/>
+      <dgm:spPr/>
+      <dgm:t>
+        <a:bodyPr/>
+        <a:lstStyle/>
+        <a:p>
+          <a:endParaRPr lang="en-US"/>
+        </a:p>
+      </dgm:t>
+    </dgm:pt>
+    <dgm:pt modelId="{3A9D8C65-FADE-4B4C-89EA-74EB4730846C}">
+      <dgm:prSet phldrT="[Text]"/>
+      <dgm:spPr/>
+      <dgm:t>
+        <a:bodyPr/>
+        <a:lstStyle/>
+        <a:p>
+          <a:r>
+            <a:rPr lang="en-US" dirty="0"/>
+            <a:t>sessions[n]</a:t>
+          </a:r>
+        </a:p>
+      </dgm:t>
+    </dgm:pt>
+    <dgm:pt modelId="{5E195792-BAC9-4185-81AA-CEC571462DF8}" type="parTrans" cxnId="{CB3B24E5-8EF9-4B45-A6F2-282B5162A2C5}">
+      <dgm:prSet/>
+      <dgm:spPr/>
+      <dgm:t>
+        <a:bodyPr/>
+        <a:lstStyle/>
+        <a:p>
+          <a:endParaRPr lang="en-US"/>
+        </a:p>
+      </dgm:t>
+    </dgm:pt>
+    <dgm:pt modelId="{121935E5-AB44-468E-9A71-CD2098B29C0E}" type="sibTrans" cxnId="{CB3B24E5-8EF9-4B45-A6F2-282B5162A2C5}">
+      <dgm:prSet/>
+      <dgm:spPr/>
+      <dgm:t>
+        <a:bodyPr/>
+        <a:lstStyle/>
+        <a:p>
+          <a:endParaRPr lang="en-US"/>
+        </a:p>
+      </dgm:t>
+    </dgm:pt>
+    <dgm:pt modelId="{C1EB5841-73AD-48B6-8A33-2BFC37EAB5BA}">
+      <dgm:prSet phldrT="[Text]"/>
+      <dgm:spPr/>
+      <dgm:t>
+        <a:bodyPr/>
+        <a:lstStyle/>
+        <a:p>
+          <a:r>
+            <a:rPr lang="en-US" b="1" dirty="0" err="1"/>
+            <a:t>experimentDesign</a:t>
+          </a:r>
+          <a:endParaRPr lang="en-US" b="1" dirty="0"/>
+        </a:p>
+        <a:p>
+          <a:r>
+            <a:rPr lang="en-US" b="1" dirty="0" err="1"/>
+            <a:t>ArumeCore.ExperimentDeisgn</a:t>
+          </a:r>
+          <a:endParaRPr lang="en-US" b="1" dirty="0"/>
+        </a:p>
+        <a:p>
+          <a:endParaRPr lang="en-US" dirty="0"/>
+        </a:p>
+        <a:p>
+          <a:r>
+            <a:rPr lang="en-US" dirty="0"/>
+            <a:t>Logic the experiment associated with the session. Code to run the experiment (trials). And to analyze the data for that particular experiment type.</a:t>
+          </a:r>
+        </a:p>
+      </dgm:t>
+    </dgm:pt>
+    <dgm:pt modelId="{CFF8FA04-7C26-4A20-A274-F11F72BA6DF0}" type="parTrans" cxnId="{A3D8FAF0-1AE0-408B-AA0A-1BEE6FAB8F5A}">
+      <dgm:prSet/>
+      <dgm:spPr/>
+      <dgm:t>
+        <a:bodyPr/>
+        <a:lstStyle/>
+        <a:p>
+          <a:endParaRPr lang="en-US"/>
+        </a:p>
+      </dgm:t>
+    </dgm:pt>
+    <dgm:pt modelId="{7AD294FD-EDC3-4D29-BC9A-B4519CEE2A7C}" type="sibTrans" cxnId="{A3D8FAF0-1AE0-408B-AA0A-1BEE6FAB8F5A}">
+      <dgm:prSet/>
+      <dgm:spPr/>
+      <dgm:t>
+        <a:bodyPr/>
+        <a:lstStyle/>
+        <a:p>
+          <a:endParaRPr lang="en-US"/>
+        </a:p>
+      </dgm:t>
+    </dgm:pt>
+    <dgm:pt modelId="{5817ACDB-4186-4FFB-A0B6-DB8521EF8665}">
+      <dgm:prSet phldrT="[Text]"/>
+      <dgm:spPr/>
+      <dgm:t>
+        <a:bodyPr/>
+        <a:lstStyle/>
+        <a:p>
+          <a:r>
+            <a:rPr lang="en-US" b="1" dirty="0" err="1"/>
+            <a:t>currentRun</a:t>
+          </a:r>
+          <a:endParaRPr lang="en-US" b="1" dirty="0"/>
+        </a:p>
+        <a:p>
+          <a:r>
+            <a:rPr lang="en-US" b="1" dirty="0" err="1"/>
+            <a:t>ArumeCore.ExperimentDesign</a:t>
+          </a:r>
+          <a:endParaRPr lang="en-US" b="1" dirty="0"/>
+        </a:p>
+        <a:p>
+          <a:endParaRPr lang="en-US" dirty="0"/>
+        </a:p>
+        <a:p>
+          <a:r>
+            <a:rPr lang="en-US" dirty="0"/>
+            <a:t>Data collected during an experiment run. Used to manage the running of a experiment but not for analysis.</a:t>
+          </a:r>
+        </a:p>
+      </dgm:t>
+    </dgm:pt>
+    <dgm:pt modelId="{0C52D27E-41A1-4794-A2EB-320816F73963}" type="parTrans" cxnId="{0C826376-E899-4F66-BACB-814D3EC5924D}">
+      <dgm:prSet/>
+      <dgm:spPr/>
+      <dgm:t>
+        <a:bodyPr/>
+        <a:lstStyle/>
+        <a:p>
+          <a:endParaRPr lang="en-US"/>
+        </a:p>
+      </dgm:t>
+    </dgm:pt>
+    <dgm:pt modelId="{6639F5F2-FB4A-4617-B3C4-70BDF262AC1B}" type="sibTrans" cxnId="{0C826376-E899-4F66-BACB-814D3EC5924D}">
+      <dgm:prSet/>
+      <dgm:spPr/>
+      <dgm:t>
+        <a:bodyPr/>
+        <a:lstStyle/>
+        <a:p>
+          <a:endParaRPr lang="en-US"/>
+        </a:p>
+      </dgm:t>
+    </dgm:pt>
+    <dgm:pt modelId="{83FB6BE5-6BC5-473B-AEA3-8E712B187DA2}">
+      <dgm:prSet phldrT="[Text]"/>
+      <dgm:spPr/>
+      <dgm:t>
+        <a:bodyPr/>
+        <a:lstStyle/>
+        <a:p>
+          <a:r>
+            <a:rPr lang="en-US" b="1" dirty="0" err="1"/>
+            <a:t>gui</a:t>
+          </a:r>
+          <a:endParaRPr lang="en-US" b="1" dirty="0"/>
+        </a:p>
+        <a:p>
+          <a:r>
+            <a:rPr lang="en-US" b="1" dirty="0" err="1"/>
+            <a:t>ArumeCore.ArumeGui</a:t>
+          </a:r>
+          <a:endParaRPr lang="en-US" b="1" dirty="0"/>
+        </a:p>
+      </dgm:t>
+    </dgm:pt>
+    <dgm:pt modelId="{B7CC9904-7EDC-4535-8108-8C9A466FD415}" type="parTrans" cxnId="{40E21DE8-7B5A-47CC-A9FD-D8153D8E6A7E}">
+      <dgm:prSet/>
+      <dgm:spPr/>
+      <dgm:t>
+        <a:bodyPr/>
+        <a:lstStyle/>
+        <a:p>
+          <a:endParaRPr lang="en-US"/>
+        </a:p>
+      </dgm:t>
+    </dgm:pt>
+    <dgm:pt modelId="{ACD34910-29A6-473B-9E00-B85130B2ABF0}" type="sibTrans" cxnId="{40E21DE8-7B5A-47CC-A9FD-D8153D8E6A7E}">
+      <dgm:prSet/>
+      <dgm:spPr/>
+      <dgm:t>
+        <a:bodyPr/>
+        <a:lstStyle/>
+        <a:p>
+          <a:endParaRPr lang="en-US"/>
+        </a:p>
+      </dgm:t>
+    </dgm:pt>
+    <dgm:pt modelId="{B9614A7E-5C35-4096-A65E-A103EA81B5C4}" type="pres">
+      <dgm:prSet presAssocID="{3DC0FE0E-E018-42C1-AD91-B2EB87EFC67A}" presName="hierChild1" presStyleCnt="0">
+        <dgm:presLayoutVars>
+          <dgm:orgChart val="1"/>
+          <dgm:chPref val="1"/>
+          <dgm:dir/>
+          <dgm:animOne val="branch"/>
+          <dgm:animLvl val="lvl"/>
+          <dgm:resizeHandles/>
+        </dgm:presLayoutVars>
+      </dgm:prSet>
+      <dgm:spPr/>
+    </dgm:pt>
+    <dgm:pt modelId="{7D730359-729C-4CA7-AB06-976D9E10BCC1}" type="pres">
+      <dgm:prSet presAssocID="{4C40BBD2-E81C-465C-A21F-5A48AD0C3271}" presName="hierRoot1" presStyleCnt="0">
+        <dgm:presLayoutVars>
+          <dgm:hierBranch val="init"/>
+        </dgm:presLayoutVars>
+      </dgm:prSet>
+      <dgm:spPr/>
+    </dgm:pt>
+    <dgm:pt modelId="{F33FA6E1-5A4A-4CA6-9E62-7A31BCF67D56}" type="pres">
+      <dgm:prSet presAssocID="{4C40BBD2-E81C-465C-A21F-5A48AD0C3271}" presName="rootComposite1" presStyleCnt="0"/>
+      <dgm:spPr/>
+    </dgm:pt>
+    <dgm:pt modelId="{084D5866-5641-4A33-A9E5-F6F32A378F97}" type="pres">
+      <dgm:prSet presAssocID="{4C40BBD2-E81C-465C-A21F-5A48AD0C3271}" presName="rootText1" presStyleLbl="node0" presStyleIdx="0" presStyleCnt="1" custScaleY="227727">
+        <dgm:presLayoutVars>
+          <dgm:chPref val="3"/>
+        </dgm:presLayoutVars>
+      </dgm:prSet>
+      <dgm:spPr>
+        <a:prstGeom prst="roundRect">
+          <a:avLst/>
+        </a:prstGeom>
+      </dgm:spPr>
+    </dgm:pt>
+    <dgm:pt modelId="{AC76D51D-A38E-4440-98B2-3162994254B4}" type="pres">
+      <dgm:prSet presAssocID="{4C40BBD2-E81C-465C-A21F-5A48AD0C3271}" presName="rootConnector1" presStyleLbl="node1" presStyleIdx="0" presStyleCnt="0"/>
+      <dgm:spPr/>
+    </dgm:pt>
+    <dgm:pt modelId="{A9E6B63E-AA52-40B9-8B4B-B59242D96DBE}" type="pres">
+      <dgm:prSet presAssocID="{4C40BBD2-E81C-465C-A21F-5A48AD0C3271}" presName="hierChild2" presStyleCnt="0"/>
+      <dgm:spPr/>
+    </dgm:pt>
+    <dgm:pt modelId="{039049ED-464F-4529-AE15-DAD68CF93B1C}" type="pres">
+      <dgm:prSet presAssocID="{B5B77C92-1541-45EF-B39F-E1AAC61FEB76}" presName="Name64" presStyleLbl="parChTrans1D2" presStyleIdx="0" presStyleCnt="2"/>
+      <dgm:spPr/>
+    </dgm:pt>
+    <dgm:pt modelId="{B9930EE3-B461-4E66-965C-935EF8DEE15B}" type="pres">
+      <dgm:prSet presAssocID="{BF527958-DC9A-41CC-A233-ED61FEDA5289}" presName="hierRoot2" presStyleCnt="0">
+        <dgm:presLayoutVars>
+          <dgm:hierBranch val="init"/>
+        </dgm:presLayoutVars>
+      </dgm:prSet>
+      <dgm:spPr/>
+    </dgm:pt>
+    <dgm:pt modelId="{C7293D64-420C-4D28-963D-5C6213B8C92F}" type="pres">
+      <dgm:prSet presAssocID="{BF527958-DC9A-41CC-A233-ED61FEDA5289}" presName="rootComposite" presStyleCnt="0"/>
+      <dgm:spPr/>
+    </dgm:pt>
+    <dgm:pt modelId="{34D99328-D758-41ED-88E4-BD95C1CE5B5F}" type="pres">
+      <dgm:prSet presAssocID="{BF527958-DC9A-41CC-A233-ED61FEDA5289}" presName="rootText" presStyleLbl="node2" presStyleIdx="0" presStyleCnt="2" custScaleY="227727">
+        <dgm:presLayoutVars>
+          <dgm:chPref val="3"/>
+        </dgm:presLayoutVars>
+      </dgm:prSet>
+      <dgm:spPr>
+        <a:prstGeom prst="roundRect">
+          <a:avLst/>
+        </a:prstGeom>
+      </dgm:spPr>
+    </dgm:pt>
+    <dgm:pt modelId="{CBC82830-3A58-4D2C-9869-B9CB13A361D0}" type="pres">
+      <dgm:prSet presAssocID="{BF527958-DC9A-41CC-A233-ED61FEDA5289}" presName="rootConnector" presStyleLbl="node2" presStyleIdx="0" presStyleCnt="2"/>
+      <dgm:spPr/>
+    </dgm:pt>
+    <dgm:pt modelId="{304C85A5-F706-4AE8-86B5-1B8722814CFC}" type="pres">
+      <dgm:prSet presAssocID="{BF527958-DC9A-41CC-A233-ED61FEDA5289}" presName="hierChild4" presStyleCnt="0"/>
+      <dgm:spPr/>
+    </dgm:pt>
+    <dgm:pt modelId="{08A30932-517B-42DF-852A-E285E6F93944}" type="pres">
+      <dgm:prSet presAssocID="{70C031F4-2EF8-47F9-8D09-C0E6995DFEF7}" presName="Name64" presStyleLbl="parChTrans1D3" presStyleIdx="0" presStyleCnt="4"/>
+      <dgm:spPr/>
+    </dgm:pt>
+    <dgm:pt modelId="{F282C286-1BA5-425A-830C-9D9B4AFDE4FA}" type="pres">
+      <dgm:prSet presAssocID="{17823360-C97F-4627-A265-EFCA1C1B0626}" presName="hierRoot2" presStyleCnt="0">
+        <dgm:presLayoutVars>
+          <dgm:hierBranch val="init"/>
+        </dgm:presLayoutVars>
+      </dgm:prSet>
+      <dgm:spPr/>
+    </dgm:pt>
+    <dgm:pt modelId="{58898859-1CF1-462A-AD2D-E30603DA4A8E}" type="pres">
+      <dgm:prSet presAssocID="{17823360-C97F-4627-A265-EFCA1C1B0626}" presName="rootComposite" presStyleCnt="0"/>
+      <dgm:spPr/>
+    </dgm:pt>
+    <dgm:pt modelId="{A0025A9E-891F-40A6-A1CC-FF83459B813A}" type="pres">
+      <dgm:prSet presAssocID="{17823360-C97F-4627-A265-EFCA1C1B0626}" presName="rootText" presStyleLbl="node3" presStyleIdx="0" presStyleCnt="4" custScaleY="227727">
+        <dgm:presLayoutVars>
+          <dgm:chPref val="3"/>
+        </dgm:presLayoutVars>
+      </dgm:prSet>
+      <dgm:spPr>
+        <a:prstGeom prst="roundRect">
+          <a:avLst/>
+        </a:prstGeom>
+      </dgm:spPr>
+    </dgm:pt>
+    <dgm:pt modelId="{850600D0-2F6A-471E-B85A-02EE2B57EE72}" type="pres">
+      <dgm:prSet presAssocID="{17823360-C97F-4627-A265-EFCA1C1B0626}" presName="rootConnector" presStyleLbl="node3" presStyleIdx="0" presStyleCnt="4"/>
+      <dgm:spPr/>
+    </dgm:pt>
+    <dgm:pt modelId="{45D64C0D-9E99-438E-BC47-B24312828CEE}" type="pres">
+      <dgm:prSet presAssocID="{17823360-C97F-4627-A265-EFCA1C1B0626}" presName="hierChild4" presStyleCnt="0"/>
+      <dgm:spPr/>
+    </dgm:pt>
+    <dgm:pt modelId="{572A7AC9-B141-408D-AB93-B7B519E43401}" type="pres">
+      <dgm:prSet presAssocID="{CFF8FA04-7C26-4A20-A274-F11F72BA6DF0}" presName="Name64" presStyleLbl="parChTrans1D4" presStyleIdx="0" presStyleCnt="2"/>
+      <dgm:spPr/>
+    </dgm:pt>
+    <dgm:pt modelId="{CD40E191-203F-4043-9073-53B1E1337E20}" type="pres">
+      <dgm:prSet presAssocID="{C1EB5841-73AD-48B6-8A33-2BFC37EAB5BA}" presName="hierRoot2" presStyleCnt="0">
+        <dgm:presLayoutVars>
+          <dgm:hierBranch val="init"/>
+        </dgm:presLayoutVars>
+      </dgm:prSet>
+      <dgm:spPr/>
+    </dgm:pt>
+    <dgm:pt modelId="{C41E023C-60E1-4EF4-A359-07E37044BE6D}" type="pres">
+      <dgm:prSet presAssocID="{C1EB5841-73AD-48B6-8A33-2BFC37EAB5BA}" presName="rootComposite" presStyleCnt="0"/>
+      <dgm:spPr/>
+    </dgm:pt>
+    <dgm:pt modelId="{D1689E48-3871-4C90-B266-086DB3427C23}" type="pres">
+      <dgm:prSet presAssocID="{C1EB5841-73AD-48B6-8A33-2BFC37EAB5BA}" presName="rootText" presStyleLbl="node4" presStyleIdx="0" presStyleCnt="2" custScaleY="258365">
+        <dgm:presLayoutVars>
+          <dgm:chPref val="3"/>
+        </dgm:presLayoutVars>
+      </dgm:prSet>
+      <dgm:spPr>
+        <a:prstGeom prst="roundRect">
+          <a:avLst/>
+        </a:prstGeom>
+      </dgm:spPr>
+    </dgm:pt>
+    <dgm:pt modelId="{70B99012-A009-4CA3-8C86-ACFA5F2D483F}" type="pres">
+      <dgm:prSet presAssocID="{C1EB5841-73AD-48B6-8A33-2BFC37EAB5BA}" presName="rootConnector" presStyleLbl="node4" presStyleIdx="0" presStyleCnt="2"/>
+      <dgm:spPr/>
+    </dgm:pt>
+    <dgm:pt modelId="{6B8B51FD-3F02-43AD-AC77-A3442D1D8B33}" type="pres">
+      <dgm:prSet presAssocID="{C1EB5841-73AD-48B6-8A33-2BFC37EAB5BA}" presName="hierChild4" presStyleCnt="0"/>
+      <dgm:spPr/>
+    </dgm:pt>
+    <dgm:pt modelId="{5F5E75C5-4089-4E43-81E5-B948E47D19AE}" type="pres">
+      <dgm:prSet presAssocID="{C1EB5841-73AD-48B6-8A33-2BFC37EAB5BA}" presName="hierChild5" presStyleCnt="0"/>
+      <dgm:spPr/>
+    </dgm:pt>
+    <dgm:pt modelId="{588C2D34-4DD8-4CB2-864E-B552A9AA3C80}" type="pres">
+      <dgm:prSet presAssocID="{0C52D27E-41A1-4794-A2EB-320816F73963}" presName="Name64" presStyleLbl="parChTrans1D4" presStyleIdx="1" presStyleCnt="2"/>
+      <dgm:spPr/>
+    </dgm:pt>
+    <dgm:pt modelId="{E892D5D3-D23F-4AF0-90E4-4267084F440D}" type="pres">
+      <dgm:prSet presAssocID="{5817ACDB-4186-4FFB-A0B6-DB8521EF8665}" presName="hierRoot2" presStyleCnt="0">
+        <dgm:presLayoutVars>
+          <dgm:hierBranch val="init"/>
+        </dgm:presLayoutVars>
+      </dgm:prSet>
+      <dgm:spPr/>
+    </dgm:pt>
+    <dgm:pt modelId="{72013F92-ADD2-4CE2-881E-306EC1797282}" type="pres">
+      <dgm:prSet presAssocID="{5817ACDB-4186-4FFB-A0B6-DB8521EF8665}" presName="rootComposite" presStyleCnt="0"/>
+      <dgm:spPr/>
+    </dgm:pt>
+    <dgm:pt modelId="{A2E229B5-4D27-418C-8826-1E752D1FAB76}" type="pres">
+      <dgm:prSet presAssocID="{5817ACDB-4186-4FFB-A0B6-DB8521EF8665}" presName="rootText" presStyleLbl="node4" presStyleIdx="1" presStyleCnt="2" custScaleY="227727">
+        <dgm:presLayoutVars>
+          <dgm:chPref val="3"/>
+        </dgm:presLayoutVars>
+      </dgm:prSet>
+      <dgm:spPr>
+        <a:prstGeom prst="roundRect">
+          <a:avLst/>
+        </a:prstGeom>
+      </dgm:spPr>
+    </dgm:pt>
+    <dgm:pt modelId="{936925C8-7F70-4397-A7B0-4DB529108A5C}" type="pres">
+      <dgm:prSet presAssocID="{5817ACDB-4186-4FFB-A0B6-DB8521EF8665}" presName="rootConnector" presStyleLbl="node4" presStyleIdx="1" presStyleCnt="2"/>
+      <dgm:spPr/>
+    </dgm:pt>
+    <dgm:pt modelId="{9CF2B045-740F-4E0E-9962-965EB25D64E8}" type="pres">
+      <dgm:prSet presAssocID="{5817ACDB-4186-4FFB-A0B6-DB8521EF8665}" presName="hierChild4" presStyleCnt="0"/>
+      <dgm:spPr/>
+    </dgm:pt>
+    <dgm:pt modelId="{520AADE8-C4B7-4BAF-956F-16D5ECBDF315}" type="pres">
+      <dgm:prSet presAssocID="{5817ACDB-4186-4FFB-A0B6-DB8521EF8665}" presName="hierChild5" presStyleCnt="0"/>
+      <dgm:spPr/>
+    </dgm:pt>
+    <dgm:pt modelId="{F3DCC0DA-21ED-4941-8094-5842FCD52375}" type="pres">
+      <dgm:prSet presAssocID="{17823360-C97F-4627-A265-EFCA1C1B0626}" presName="hierChild5" presStyleCnt="0"/>
+      <dgm:spPr/>
+    </dgm:pt>
+    <dgm:pt modelId="{B10CA7D6-707B-48F7-AAD3-710AC898E6E6}" type="pres">
+      <dgm:prSet presAssocID="{75D3BAFD-A191-477A-B0E4-D39F6FBF3E27}" presName="Name64" presStyleLbl="parChTrans1D3" presStyleIdx="1" presStyleCnt="4"/>
+      <dgm:spPr/>
+    </dgm:pt>
+    <dgm:pt modelId="{D8BBBD43-40D7-42E3-BB8A-EB4CE2150A2D}" type="pres">
+      <dgm:prSet presAssocID="{5E9E848E-67D3-4247-9076-30F7BCC418D6}" presName="hierRoot2" presStyleCnt="0">
+        <dgm:presLayoutVars>
+          <dgm:hierBranch val="init"/>
+        </dgm:presLayoutVars>
+      </dgm:prSet>
+      <dgm:spPr/>
+    </dgm:pt>
+    <dgm:pt modelId="{686F9E57-3DCB-470C-9CB8-6DA590440CDE}" type="pres">
+      <dgm:prSet presAssocID="{5E9E848E-67D3-4247-9076-30F7BCC418D6}" presName="rootComposite" presStyleCnt="0"/>
+      <dgm:spPr/>
+    </dgm:pt>
+    <dgm:pt modelId="{805298AE-D0DB-4835-993B-D5301CDB3097}" type="pres">
+      <dgm:prSet presAssocID="{5E9E848E-67D3-4247-9076-30F7BCC418D6}" presName="rootText" presStyleLbl="node3" presStyleIdx="1" presStyleCnt="4" custScaleY="51261">
+        <dgm:presLayoutVars>
+          <dgm:chPref val="3"/>
+        </dgm:presLayoutVars>
+      </dgm:prSet>
+      <dgm:spPr>
+        <a:prstGeom prst="roundRect">
+          <a:avLst/>
+        </a:prstGeom>
+      </dgm:spPr>
+    </dgm:pt>
+    <dgm:pt modelId="{E27B7F6D-04D0-4086-9A4A-136B54A8A117}" type="pres">
+      <dgm:prSet presAssocID="{5E9E848E-67D3-4247-9076-30F7BCC418D6}" presName="rootConnector" presStyleLbl="node3" presStyleIdx="1" presStyleCnt="4"/>
+      <dgm:spPr/>
+    </dgm:pt>
+    <dgm:pt modelId="{1734154D-21E9-44B7-8ACA-251B5C6387DC}" type="pres">
+      <dgm:prSet presAssocID="{5E9E848E-67D3-4247-9076-30F7BCC418D6}" presName="hierChild4" presStyleCnt="0"/>
+      <dgm:spPr/>
+    </dgm:pt>
+    <dgm:pt modelId="{28399D33-3AD8-4A36-A606-897CAF2BE322}" type="pres">
+      <dgm:prSet presAssocID="{5E9E848E-67D3-4247-9076-30F7BCC418D6}" presName="hierChild5" presStyleCnt="0"/>
+      <dgm:spPr/>
+    </dgm:pt>
+    <dgm:pt modelId="{5405C07D-1B92-4958-B710-B0239E80D80E}" type="pres">
+      <dgm:prSet presAssocID="{A1DE722B-66EC-4D05-B239-3A311176CE50}" presName="Name64" presStyleLbl="parChTrans1D3" presStyleIdx="2" presStyleCnt="4"/>
+      <dgm:spPr/>
+    </dgm:pt>
+    <dgm:pt modelId="{13A5BB0E-02B4-40AE-9708-F912AEC7A46C}" type="pres">
+      <dgm:prSet presAssocID="{3F3E85B1-7171-460B-8D7B-256481BFEBF3}" presName="hierRoot2" presStyleCnt="0">
+        <dgm:presLayoutVars>
+          <dgm:hierBranch val="init"/>
+        </dgm:presLayoutVars>
+      </dgm:prSet>
+      <dgm:spPr/>
+    </dgm:pt>
+    <dgm:pt modelId="{8FF41750-63B0-4F61-BA4C-DFA41D674C1D}" type="pres">
+      <dgm:prSet presAssocID="{3F3E85B1-7171-460B-8D7B-256481BFEBF3}" presName="rootComposite" presStyleCnt="0"/>
+      <dgm:spPr/>
+    </dgm:pt>
+    <dgm:pt modelId="{6931ECA9-9C88-4657-B0A7-A59CE0DA845C}" type="pres">
+      <dgm:prSet presAssocID="{3F3E85B1-7171-460B-8D7B-256481BFEBF3}" presName="rootText" presStyleLbl="node3" presStyleIdx="2" presStyleCnt="4" custScaleY="51261">
+        <dgm:presLayoutVars>
+          <dgm:chPref val="3"/>
+        </dgm:presLayoutVars>
+      </dgm:prSet>
+      <dgm:spPr>
+        <a:prstGeom prst="roundRect">
+          <a:avLst/>
+        </a:prstGeom>
+      </dgm:spPr>
+    </dgm:pt>
+    <dgm:pt modelId="{5A949AEC-5E2A-40AB-BC27-E74837CAB596}" type="pres">
+      <dgm:prSet presAssocID="{3F3E85B1-7171-460B-8D7B-256481BFEBF3}" presName="rootConnector" presStyleLbl="node3" presStyleIdx="2" presStyleCnt="4"/>
+      <dgm:spPr/>
+    </dgm:pt>
+    <dgm:pt modelId="{96DDEFB5-276F-40CB-8103-36D877B6C823}" type="pres">
+      <dgm:prSet presAssocID="{3F3E85B1-7171-460B-8D7B-256481BFEBF3}" presName="hierChild4" presStyleCnt="0"/>
+      <dgm:spPr/>
+    </dgm:pt>
+    <dgm:pt modelId="{2EB1131F-80C1-492D-8236-328F064FFB4F}" type="pres">
+      <dgm:prSet presAssocID="{3F3E85B1-7171-460B-8D7B-256481BFEBF3}" presName="hierChild5" presStyleCnt="0"/>
+      <dgm:spPr/>
+    </dgm:pt>
+    <dgm:pt modelId="{9385677F-CFDE-41E7-A1CB-7EDDCAB4A187}" type="pres">
+      <dgm:prSet presAssocID="{5E195792-BAC9-4185-81AA-CEC571462DF8}" presName="Name64" presStyleLbl="parChTrans1D3" presStyleIdx="3" presStyleCnt="4"/>
+      <dgm:spPr/>
+    </dgm:pt>
+    <dgm:pt modelId="{F0B6FF27-5E9F-4FC1-B3A5-CFB9BD7A4C54}" type="pres">
+      <dgm:prSet presAssocID="{3A9D8C65-FADE-4B4C-89EA-74EB4730846C}" presName="hierRoot2" presStyleCnt="0">
+        <dgm:presLayoutVars>
+          <dgm:hierBranch val="init"/>
+        </dgm:presLayoutVars>
+      </dgm:prSet>
+      <dgm:spPr/>
+    </dgm:pt>
+    <dgm:pt modelId="{EAD77125-A2A9-4011-81ED-68841386C8EE}" type="pres">
+      <dgm:prSet presAssocID="{3A9D8C65-FADE-4B4C-89EA-74EB4730846C}" presName="rootComposite" presStyleCnt="0"/>
+      <dgm:spPr/>
+    </dgm:pt>
+    <dgm:pt modelId="{FFBE6D55-EA30-4245-908C-273E35E8BE1B}" type="pres">
+      <dgm:prSet presAssocID="{3A9D8C65-FADE-4B4C-89EA-74EB4730846C}" presName="rootText" presStyleLbl="node3" presStyleIdx="3" presStyleCnt="4" custScaleY="51261">
+        <dgm:presLayoutVars>
+          <dgm:chPref val="3"/>
+        </dgm:presLayoutVars>
+      </dgm:prSet>
+      <dgm:spPr>
+        <a:prstGeom prst="roundRect">
+          <a:avLst/>
+        </a:prstGeom>
+      </dgm:spPr>
+    </dgm:pt>
+    <dgm:pt modelId="{794801DD-7CB0-420F-AA46-C23591F71F7B}" type="pres">
+      <dgm:prSet presAssocID="{3A9D8C65-FADE-4B4C-89EA-74EB4730846C}" presName="rootConnector" presStyleLbl="node3" presStyleIdx="3" presStyleCnt="4"/>
+      <dgm:spPr/>
+    </dgm:pt>
+    <dgm:pt modelId="{CD42125B-3EDA-438D-BF8D-11938A1CFFFC}" type="pres">
+      <dgm:prSet presAssocID="{3A9D8C65-FADE-4B4C-89EA-74EB4730846C}" presName="hierChild4" presStyleCnt="0"/>
+      <dgm:spPr/>
+    </dgm:pt>
+    <dgm:pt modelId="{9293F38A-36C9-495D-92E2-9F8EC6802E5E}" type="pres">
+      <dgm:prSet presAssocID="{3A9D8C65-FADE-4B4C-89EA-74EB4730846C}" presName="hierChild5" presStyleCnt="0"/>
+      <dgm:spPr/>
+    </dgm:pt>
+    <dgm:pt modelId="{305AD726-89A0-402D-90F0-7549581E16B5}" type="pres">
+      <dgm:prSet presAssocID="{BF527958-DC9A-41CC-A233-ED61FEDA5289}" presName="hierChild5" presStyleCnt="0"/>
+      <dgm:spPr/>
+    </dgm:pt>
+    <dgm:pt modelId="{F9233B8D-E90F-4504-BB1C-EB315CEE4C08}" type="pres">
+      <dgm:prSet presAssocID="{B7CC9904-7EDC-4535-8108-8C9A466FD415}" presName="Name64" presStyleLbl="parChTrans1D2" presStyleIdx="1" presStyleCnt="2"/>
+      <dgm:spPr/>
+    </dgm:pt>
+    <dgm:pt modelId="{D9204B3F-E680-4AB5-8E63-E2A8EA55C24F}" type="pres">
+      <dgm:prSet presAssocID="{83FB6BE5-6BC5-473B-AEA3-8E712B187DA2}" presName="hierRoot2" presStyleCnt="0">
+        <dgm:presLayoutVars>
+          <dgm:hierBranch val="init"/>
+        </dgm:presLayoutVars>
+      </dgm:prSet>
+      <dgm:spPr/>
+    </dgm:pt>
+    <dgm:pt modelId="{24D7E86C-A382-419A-BBF5-09680059FDA9}" type="pres">
+      <dgm:prSet presAssocID="{83FB6BE5-6BC5-473B-AEA3-8E712B187DA2}" presName="rootComposite" presStyleCnt="0"/>
+      <dgm:spPr/>
+    </dgm:pt>
+    <dgm:pt modelId="{6C983AE2-CA1F-4377-94F0-3E637FD46669}" type="pres">
+      <dgm:prSet presAssocID="{83FB6BE5-6BC5-473B-AEA3-8E712B187DA2}" presName="rootText" presStyleLbl="node2" presStyleIdx="1" presStyleCnt="2" custLinFactNeighborX="-900" custLinFactNeighborY="-7380">
+        <dgm:presLayoutVars>
+          <dgm:chPref val="3"/>
+        </dgm:presLayoutVars>
+      </dgm:prSet>
+      <dgm:spPr>
+        <a:prstGeom prst="roundRect">
+          <a:avLst/>
+        </a:prstGeom>
+      </dgm:spPr>
+    </dgm:pt>
+    <dgm:pt modelId="{3F5D2362-EAA8-426E-9EAC-0213EFF67058}" type="pres">
+      <dgm:prSet presAssocID="{83FB6BE5-6BC5-473B-AEA3-8E712B187DA2}" presName="rootConnector" presStyleLbl="node2" presStyleIdx="1" presStyleCnt="2"/>
+      <dgm:spPr/>
+    </dgm:pt>
+    <dgm:pt modelId="{4C60CA0B-C22A-464E-A250-A9D83D835A8F}" type="pres">
+      <dgm:prSet presAssocID="{83FB6BE5-6BC5-473B-AEA3-8E712B187DA2}" presName="hierChild4" presStyleCnt="0"/>
+      <dgm:spPr/>
+    </dgm:pt>
+    <dgm:pt modelId="{FA9B626D-EF9A-43A8-BBB5-3E0438FAFCAA}" type="pres">
+      <dgm:prSet presAssocID="{83FB6BE5-6BC5-473B-AEA3-8E712B187DA2}" presName="hierChild5" presStyleCnt="0"/>
+      <dgm:spPr/>
+    </dgm:pt>
+    <dgm:pt modelId="{A13051E6-A9AC-4FA0-8DE4-46FC6C9D8919}" type="pres">
+      <dgm:prSet presAssocID="{4C40BBD2-E81C-465C-A21F-5A48AD0C3271}" presName="hierChild3" presStyleCnt="0"/>
+      <dgm:spPr/>
+    </dgm:pt>
+  </dgm:ptLst>
+  <dgm:cxnLst>
+    <dgm:cxn modelId="{A3814906-6987-40FD-89A5-3BA141E8F72B}" type="presOf" srcId="{3A9D8C65-FADE-4B4C-89EA-74EB4730846C}" destId="{794801DD-7CB0-420F-AA46-C23591F71F7B}" srcOrd="1" destOrd="0" presId="urn:microsoft.com/office/officeart/2009/3/layout/HorizontalOrganizationChart"/>
+    <dgm:cxn modelId="{9AE92210-17E7-40B5-A7E1-82738C02003D}" type="presOf" srcId="{75D3BAFD-A191-477A-B0E4-D39F6FBF3E27}" destId="{B10CA7D6-707B-48F7-AAD3-710AC898E6E6}" srcOrd="0" destOrd="0" presId="urn:microsoft.com/office/officeart/2009/3/layout/HorizontalOrganizationChart"/>
+    <dgm:cxn modelId="{0A65A025-4CBE-439F-89D6-D209D4A4B690}" type="presOf" srcId="{3DC0FE0E-E018-42C1-AD91-B2EB87EFC67A}" destId="{B9614A7E-5C35-4096-A65E-A103EA81B5C4}" srcOrd="0" destOrd="0" presId="urn:microsoft.com/office/officeart/2009/3/layout/HorizontalOrganizationChart"/>
+    <dgm:cxn modelId="{8C768E27-3E0D-4F9C-AB92-6B27BE0D4C77}" srcId="{4C40BBD2-E81C-465C-A21F-5A48AD0C3271}" destId="{BF527958-DC9A-41CC-A233-ED61FEDA5289}" srcOrd="0" destOrd="0" parTransId="{B5B77C92-1541-45EF-B39F-E1AAC61FEB76}" sibTransId="{7F84E3AC-2F9D-4EE8-A1A4-C3973983CA59}"/>
+    <dgm:cxn modelId="{6EDE9828-34CA-45A9-A172-47C4D330AC15}" srcId="{BF527958-DC9A-41CC-A233-ED61FEDA5289}" destId="{3F3E85B1-7171-460B-8D7B-256481BFEBF3}" srcOrd="2" destOrd="0" parTransId="{A1DE722B-66EC-4D05-B239-3A311176CE50}" sibTransId="{393761F3-FAB2-4A07-B493-FCC117E870BF}"/>
+    <dgm:cxn modelId="{C62FCF2A-124D-4C4E-ABE9-1391C43F8A7D}" type="presOf" srcId="{70C031F4-2EF8-47F9-8D09-C0E6995DFEF7}" destId="{08A30932-517B-42DF-852A-E285E6F93944}" srcOrd="0" destOrd="0" presId="urn:microsoft.com/office/officeart/2009/3/layout/HorizontalOrganizationChart"/>
+    <dgm:cxn modelId="{B246DE35-933F-4AF2-B081-AA3480192492}" type="presOf" srcId="{C1EB5841-73AD-48B6-8A33-2BFC37EAB5BA}" destId="{D1689E48-3871-4C90-B266-086DB3427C23}" srcOrd="0" destOrd="0" presId="urn:microsoft.com/office/officeart/2009/3/layout/HorizontalOrganizationChart"/>
+    <dgm:cxn modelId="{6579B23A-27BC-4B08-93A3-C577BAE0075E}" srcId="{BF527958-DC9A-41CC-A233-ED61FEDA5289}" destId="{17823360-C97F-4627-A265-EFCA1C1B0626}" srcOrd="0" destOrd="0" parTransId="{70C031F4-2EF8-47F9-8D09-C0E6995DFEF7}" sibTransId="{5F813727-916E-44B4-8143-C7BE6D0A96EB}"/>
+    <dgm:cxn modelId="{99220341-55E3-4213-A28F-E75D8D5F2B84}" type="presOf" srcId="{3F3E85B1-7171-460B-8D7B-256481BFEBF3}" destId="{6931ECA9-9C88-4657-B0A7-A59CE0DA845C}" srcOrd="0" destOrd="0" presId="urn:microsoft.com/office/officeart/2009/3/layout/HorizontalOrganizationChart"/>
+    <dgm:cxn modelId="{BA54D341-4D28-4C30-82F8-DE7D3BAE721E}" type="presOf" srcId="{3A9D8C65-FADE-4B4C-89EA-74EB4730846C}" destId="{FFBE6D55-EA30-4245-908C-273E35E8BE1B}" srcOrd="0" destOrd="0" presId="urn:microsoft.com/office/officeart/2009/3/layout/HorizontalOrganizationChart"/>
+    <dgm:cxn modelId="{834F2A43-5247-4A32-BD2E-7289DADEA4FC}" type="presOf" srcId="{BF527958-DC9A-41CC-A233-ED61FEDA5289}" destId="{CBC82830-3A58-4D2C-9869-B9CB13A361D0}" srcOrd="1" destOrd="0" presId="urn:microsoft.com/office/officeart/2009/3/layout/HorizontalOrganizationChart"/>
+    <dgm:cxn modelId="{89247345-839C-4CCF-9203-98DE7B6331AF}" type="presOf" srcId="{CFF8FA04-7C26-4A20-A274-F11F72BA6DF0}" destId="{572A7AC9-B141-408D-AB93-B7B519E43401}" srcOrd="0" destOrd="0" presId="urn:microsoft.com/office/officeart/2009/3/layout/HorizontalOrganizationChart"/>
+    <dgm:cxn modelId="{35CF9B68-DC30-465B-B082-F160A58FBDCC}" type="presOf" srcId="{17823360-C97F-4627-A265-EFCA1C1B0626}" destId="{850600D0-2F6A-471E-B85A-02EE2B57EE72}" srcOrd="1" destOrd="0" presId="urn:microsoft.com/office/officeart/2009/3/layout/HorizontalOrganizationChart"/>
+    <dgm:cxn modelId="{CA2D7049-224C-4BCA-973C-0DA3D166DDA9}" type="presOf" srcId="{17823360-C97F-4627-A265-EFCA1C1B0626}" destId="{A0025A9E-891F-40A6-A1CC-FF83459B813A}" srcOrd="0" destOrd="0" presId="urn:microsoft.com/office/officeart/2009/3/layout/HorizontalOrganizationChart"/>
+    <dgm:cxn modelId="{C2F6CB4E-B0EC-4A24-A49F-E2BC9BCB8FEA}" type="presOf" srcId="{3F3E85B1-7171-460B-8D7B-256481BFEBF3}" destId="{5A949AEC-5E2A-40AB-BC27-E74837CAB596}" srcOrd="1" destOrd="0" presId="urn:microsoft.com/office/officeart/2009/3/layout/HorizontalOrganizationChart"/>
+    <dgm:cxn modelId="{1B897671-612B-4DC9-A5A8-6A248C4EF163}" type="presOf" srcId="{83FB6BE5-6BC5-473B-AEA3-8E712B187DA2}" destId="{6C983AE2-CA1F-4377-94F0-3E637FD46669}" srcOrd="0" destOrd="0" presId="urn:microsoft.com/office/officeart/2009/3/layout/HorizontalOrganizationChart"/>
+    <dgm:cxn modelId="{470FF653-D2A6-4A9E-A4AC-A0F9D99DEA14}" type="presOf" srcId="{5817ACDB-4186-4FFB-A0B6-DB8521EF8665}" destId="{936925C8-7F70-4397-A7B0-4DB529108A5C}" srcOrd="1" destOrd="0" presId="urn:microsoft.com/office/officeart/2009/3/layout/HorizontalOrganizationChart"/>
+    <dgm:cxn modelId="{0C826376-E899-4F66-BACB-814D3EC5924D}" srcId="{17823360-C97F-4627-A265-EFCA1C1B0626}" destId="{5817ACDB-4186-4FFB-A0B6-DB8521EF8665}" srcOrd="1" destOrd="0" parTransId="{0C52D27E-41A1-4794-A2EB-320816F73963}" sibTransId="{6639F5F2-FB4A-4617-B3C4-70BDF262AC1B}"/>
+    <dgm:cxn modelId="{CBCCC28D-E309-4DB8-865D-DD78C6FC2504}" type="presOf" srcId="{C1EB5841-73AD-48B6-8A33-2BFC37EAB5BA}" destId="{70B99012-A009-4CA3-8C86-ACFA5F2D483F}" srcOrd="1" destOrd="0" presId="urn:microsoft.com/office/officeart/2009/3/layout/HorizontalOrganizationChart"/>
+    <dgm:cxn modelId="{3D54058E-27AF-40F6-AE08-9F17E478F472}" type="presOf" srcId="{5E9E848E-67D3-4247-9076-30F7BCC418D6}" destId="{805298AE-D0DB-4835-993B-D5301CDB3097}" srcOrd="0" destOrd="0" presId="urn:microsoft.com/office/officeart/2009/3/layout/HorizontalOrganizationChart"/>
+    <dgm:cxn modelId="{EC68968F-1EB8-4CC5-999C-58DC4A019C84}" type="presOf" srcId="{5E195792-BAC9-4185-81AA-CEC571462DF8}" destId="{9385677F-CFDE-41E7-A1CB-7EDDCAB4A187}" srcOrd="0" destOrd="0" presId="urn:microsoft.com/office/officeart/2009/3/layout/HorizontalOrganizationChart"/>
+    <dgm:cxn modelId="{2AA19C92-3AE1-4129-9ACD-80A31FB4CB49}" type="presOf" srcId="{83FB6BE5-6BC5-473B-AEA3-8E712B187DA2}" destId="{3F5D2362-EAA8-426E-9EAC-0213EFF67058}" srcOrd="1" destOrd="0" presId="urn:microsoft.com/office/officeart/2009/3/layout/HorizontalOrganizationChart"/>
+    <dgm:cxn modelId="{2EBE6E9C-A597-4F0C-9F54-85AC42E8688C}" type="presOf" srcId="{BF527958-DC9A-41CC-A233-ED61FEDA5289}" destId="{34D99328-D758-41ED-88E4-BD95C1CE5B5F}" srcOrd="0" destOrd="0" presId="urn:microsoft.com/office/officeart/2009/3/layout/HorizontalOrganizationChart"/>
+    <dgm:cxn modelId="{7328A0A1-94FA-4A09-AE3E-B0890C23D64E}" type="presOf" srcId="{B7CC9904-7EDC-4535-8108-8C9A466FD415}" destId="{F9233B8D-E90F-4504-BB1C-EB315CEE4C08}" srcOrd="0" destOrd="0" presId="urn:microsoft.com/office/officeart/2009/3/layout/HorizontalOrganizationChart"/>
+    <dgm:cxn modelId="{9AC4D7A7-8F86-423B-A5F1-56C1E78358C9}" srcId="{3DC0FE0E-E018-42C1-AD91-B2EB87EFC67A}" destId="{4C40BBD2-E81C-465C-A21F-5A48AD0C3271}" srcOrd="0" destOrd="0" parTransId="{D8C2AB22-C84C-4EBE-A725-7707514A948C}" sibTransId="{9F111822-2347-4D43-9CE2-8A61A195FAB6}"/>
+    <dgm:cxn modelId="{BD0645B3-4214-4D99-BFA3-D0FC9DA8275D}" type="presOf" srcId="{A1DE722B-66EC-4D05-B239-3A311176CE50}" destId="{5405C07D-1B92-4958-B710-B0239E80D80E}" srcOrd="0" destOrd="0" presId="urn:microsoft.com/office/officeart/2009/3/layout/HorizontalOrganizationChart"/>
+    <dgm:cxn modelId="{673690BA-4AC4-495F-A7D0-1FE4ACB63E26}" type="presOf" srcId="{B5B77C92-1541-45EF-B39F-E1AAC61FEB76}" destId="{039049ED-464F-4529-AE15-DAD68CF93B1C}" srcOrd="0" destOrd="0" presId="urn:microsoft.com/office/officeart/2009/3/layout/HorizontalOrganizationChart"/>
+    <dgm:cxn modelId="{B77A2CBF-D07C-457A-80D0-832BFFC26393}" type="presOf" srcId="{5E9E848E-67D3-4247-9076-30F7BCC418D6}" destId="{E27B7F6D-04D0-4086-9A4A-136B54A8A117}" srcOrd="1" destOrd="0" presId="urn:microsoft.com/office/officeart/2009/3/layout/HorizontalOrganizationChart"/>
+    <dgm:cxn modelId="{2BE103D0-8022-4708-B43E-F4DC69763751}" type="presOf" srcId="{0C52D27E-41A1-4794-A2EB-320816F73963}" destId="{588C2D34-4DD8-4CB2-864E-B552A9AA3C80}" srcOrd="0" destOrd="0" presId="urn:microsoft.com/office/officeart/2009/3/layout/HorizontalOrganizationChart"/>
+    <dgm:cxn modelId="{3502ECD2-BE0E-4DA2-ACE9-1137DF8FDC92}" type="presOf" srcId="{4C40BBD2-E81C-465C-A21F-5A48AD0C3271}" destId="{084D5866-5641-4A33-A9E5-F6F32A378F97}" srcOrd="0" destOrd="0" presId="urn:microsoft.com/office/officeart/2009/3/layout/HorizontalOrganizationChart"/>
+    <dgm:cxn modelId="{CB3B24E5-8EF9-4B45-A6F2-282B5162A2C5}" srcId="{BF527958-DC9A-41CC-A233-ED61FEDA5289}" destId="{3A9D8C65-FADE-4B4C-89EA-74EB4730846C}" srcOrd="3" destOrd="0" parTransId="{5E195792-BAC9-4185-81AA-CEC571462DF8}" sibTransId="{121935E5-AB44-468E-9A71-CD2098B29C0E}"/>
+    <dgm:cxn modelId="{40E21DE8-7B5A-47CC-A9FD-D8153D8E6A7E}" srcId="{4C40BBD2-E81C-465C-A21F-5A48AD0C3271}" destId="{83FB6BE5-6BC5-473B-AEA3-8E712B187DA2}" srcOrd="1" destOrd="0" parTransId="{B7CC9904-7EDC-4535-8108-8C9A466FD415}" sibTransId="{ACD34910-29A6-473B-9E00-B85130B2ABF0}"/>
+    <dgm:cxn modelId="{DD4598EC-31A3-4AA0-BA07-4339A04F2463}" srcId="{BF527958-DC9A-41CC-A233-ED61FEDA5289}" destId="{5E9E848E-67D3-4247-9076-30F7BCC418D6}" srcOrd="1" destOrd="0" parTransId="{75D3BAFD-A191-477A-B0E4-D39F6FBF3E27}" sibTransId="{2DCB555B-723E-4588-9DC5-324489159C0D}"/>
+    <dgm:cxn modelId="{A3D8FAF0-1AE0-408B-AA0A-1BEE6FAB8F5A}" srcId="{17823360-C97F-4627-A265-EFCA1C1B0626}" destId="{C1EB5841-73AD-48B6-8A33-2BFC37EAB5BA}" srcOrd="0" destOrd="0" parTransId="{CFF8FA04-7C26-4A20-A274-F11F72BA6DF0}" sibTransId="{7AD294FD-EDC3-4D29-BC9A-B4519CEE2A7C}"/>
+    <dgm:cxn modelId="{C746C3F4-F69E-46AF-8528-1ED48C43AC4B}" type="presOf" srcId="{5817ACDB-4186-4FFB-A0B6-DB8521EF8665}" destId="{A2E229B5-4D27-418C-8826-1E752D1FAB76}" srcOrd="0" destOrd="0" presId="urn:microsoft.com/office/officeart/2009/3/layout/HorizontalOrganizationChart"/>
+    <dgm:cxn modelId="{73EDC6FE-87B5-43D2-9024-35578335FC7B}" type="presOf" srcId="{4C40BBD2-E81C-465C-A21F-5A48AD0C3271}" destId="{AC76D51D-A38E-4440-98B2-3162994254B4}" srcOrd="1" destOrd="0" presId="urn:microsoft.com/office/officeart/2009/3/layout/HorizontalOrganizationChart"/>
+    <dgm:cxn modelId="{261EC4FF-40A0-47D8-926A-AF6A31BCD14D}" type="presParOf" srcId="{B9614A7E-5C35-4096-A65E-A103EA81B5C4}" destId="{7D730359-729C-4CA7-AB06-976D9E10BCC1}" srcOrd="0" destOrd="0" presId="urn:microsoft.com/office/officeart/2009/3/layout/HorizontalOrganizationChart"/>
+    <dgm:cxn modelId="{62C42DAB-4A58-446E-869E-C6BC6AED8B48}" type="presParOf" srcId="{7D730359-729C-4CA7-AB06-976D9E10BCC1}" destId="{F33FA6E1-5A4A-4CA6-9E62-7A31BCF67D56}" srcOrd="0" destOrd="0" presId="urn:microsoft.com/office/officeart/2009/3/layout/HorizontalOrganizationChart"/>
+    <dgm:cxn modelId="{E1F069D7-89E7-4622-9D27-D47876C9C515}" type="presParOf" srcId="{F33FA6E1-5A4A-4CA6-9E62-7A31BCF67D56}" destId="{084D5866-5641-4A33-A9E5-F6F32A378F97}" srcOrd="0" destOrd="0" presId="urn:microsoft.com/office/officeart/2009/3/layout/HorizontalOrganizationChart"/>
+    <dgm:cxn modelId="{AD821B7F-3605-4C98-89E4-9E834967D180}" type="presParOf" srcId="{F33FA6E1-5A4A-4CA6-9E62-7A31BCF67D56}" destId="{AC76D51D-A38E-4440-98B2-3162994254B4}" srcOrd="1" destOrd="0" presId="urn:microsoft.com/office/officeart/2009/3/layout/HorizontalOrganizationChart"/>
+    <dgm:cxn modelId="{F3A57C77-9155-4D85-AECD-0882D1587117}" type="presParOf" srcId="{7D730359-729C-4CA7-AB06-976D9E10BCC1}" destId="{A9E6B63E-AA52-40B9-8B4B-B59242D96DBE}" srcOrd="1" destOrd="0" presId="urn:microsoft.com/office/officeart/2009/3/layout/HorizontalOrganizationChart"/>
+    <dgm:cxn modelId="{42F42526-9E16-49DF-A2B1-4DB553C036F8}" type="presParOf" srcId="{A9E6B63E-AA52-40B9-8B4B-B59242D96DBE}" destId="{039049ED-464F-4529-AE15-DAD68CF93B1C}" srcOrd="0" destOrd="0" presId="urn:microsoft.com/office/officeart/2009/3/layout/HorizontalOrganizationChart"/>
+    <dgm:cxn modelId="{53B071C2-BE07-4395-8BBB-B061FCAC0856}" type="presParOf" srcId="{A9E6B63E-AA52-40B9-8B4B-B59242D96DBE}" destId="{B9930EE3-B461-4E66-965C-935EF8DEE15B}" srcOrd="1" destOrd="0" presId="urn:microsoft.com/office/officeart/2009/3/layout/HorizontalOrganizationChart"/>
+    <dgm:cxn modelId="{67D3129C-0FCF-4AA3-901F-205C07F10F20}" type="presParOf" srcId="{B9930EE3-B461-4E66-965C-935EF8DEE15B}" destId="{C7293D64-420C-4D28-963D-5C6213B8C92F}" srcOrd="0" destOrd="0" presId="urn:microsoft.com/office/officeart/2009/3/layout/HorizontalOrganizationChart"/>
+    <dgm:cxn modelId="{00DEDA74-0C85-43CA-8C2D-F3E89F3094EC}" type="presParOf" srcId="{C7293D64-420C-4D28-963D-5C6213B8C92F}" destId="{34D99328-D758-41ED-88E4-BD95C1CE5B5F}" srcOrd="0" destOrd="0" presId="urn:microsoft.com/office/officeart/2009/3/layout/HorizontalOrganizationChart"/>
+    <dgm:cxn modelId="{DB9BE351-1EFB-4FD8-AA35-EA3B4A2C599D}" type="presParOf" srcId="{C7293D64-420C-4D28-963D-5C6213B8C92F}" destId="{CBC82830-3A58-4D2C-9869-B9CB13A361D0}" srcOrd="1" destOrd="0" presId="urn:microsoft.com/office/officeart/2009/3/layout/HorizontalOrganizationChart"/>
+    <dgm:cxn modelId="{D8430CBA-E62A-4BC0-AB5F-68BCFA3DE7CF}" type="presParOf" srcId="{B9930EE3-B461-4E66-965C-935EF8DEE15B}" destId="{304C85A5-F706-4AE8-86B5-1B8722814CFC}" srcOrd="1" destOrd="0" presId="urn:microsoft.com/office/officeart/2009/3/layout/HorizontalOrganizationChart"/>
+    <dgm:cxn modelId="{B137CF4D-1D0B-44BA-BB1D-E601ED716978}" type="presParOf" srcId="{304C85A5-F706-4AE8-86B5-1B8722814CFC}" destId="{08A30932-517B-42DF-852A-E285E6F93944}" srcOrd="0" destOrd="0" presId="urn:microsoft.com/office/officeart/2009/3/layout/HorizontalOrganizationChart"/>
+    <dgm:cxn modelId="{A873A8F4-F107-4F65-98B8-398F8DB7E2C5}" type="presParOf" srcId="{304C85A5-F706-4AE8-86B5-1B8722814CFC}" destId="{F282C286-1BA5-425A-830C-9D9B4AFDE4FA}" srcOrd="1" destOrd="0" presId="urn:microsoft.com/office/officeart/2009/3/layout/HorizontalOrganizationChart"/>
+    <dgm:cxn modelId="{D61460A8-1DF2-4F34-90AC-682A52AC3162}" type="presParOf" srcId="{F282C286-1BA5-425A-830C-9D9B4AFDE4FA}" destId="{58898859-1CF1-462A-AD2D-E30603DA4A8E}" srcOrd="0" destOrd="0" presId="urn:microsoft.com/office/officeart/2009/3/layout/HorizontalOrganizationChart"/>
+    <dgm:cxn modelId="{E5B8F971-6E1B-4868-A29D-525D09E3F817}" type="presParOf" srcId="{58898859-1CF1-462A-AD2D-E30603DA4A8E}" destId="{A0025A9E-891F-40A6-A1CC-FF83459B813A}" srcOrd="0" destOrd="0" presId="urn:microsoft.com/office/officeart/2009/3/layout/HorizontalOrganizationChart"/>
+    <dgm:cxn modelId="{696BA8F0-626A-4419-BDC8-CA105E5EC4F1}" type="presParOf" srcId="{58898859-1CF1-462A-AD2D-E30603DA4A8E}" destId="{850600D0-2F6A-471E-B85A-02EE2B57EE72}" srcOrd="1" destOrd="0" presId="urn:microsoft.com/office/officeart/2009/3/layout/HorizontalOrganizationChart"/>
+    <dgm:cxn modelId="{E8D928BF-1934-4A6D-80DF-682299D88D75}" type="presParOf" srcId="{F282C286-1BA5-425A-830C-9D9B4AFDE4FA}" destId="{45D64C0D-9E99-438E-BC47-B24312828CEE}" srcOrd="1" destOrd="0" presId="urn:microsoft.com/office/officeart/2009/3/layout/HorizontalOrganizationChart"/>
+    <dgm:cxn modelId="{B8395183-E2EC-4FCF-92D8-DABB924D6270}" type="presParOf" srcId="{45D64C0D-9E99-438E-BC47-B24312828CEE}" destId="{572A7AC9-B141-408D-AB93-B7B519E43401}" srcOrd="0" destOrd="0" presId="urn:microsoft.com/office/officeart/2009/3/layout/HorizontalOrganizationChart"/>
+    <dgm:cxn modelId="{390B2FA5-52AA-4047-B195-72D354579E05}" type="presParOf" srcId="{45D64C0D-9E99-438E-BC47-B24312828CEE}" destId="{CD40E191-203F-4043-9073-53B1E1337E20}" srcOrd="1" destOrd="0" presId="urn:microsoft.com/office/officeart/2009/3/layout/HorizontalOrganizationChart"/>
+    <dgm:cxn modelId="{48EF25FD-6545-46E4-95DE-8B4D70BB406C}" type="presParOf" srcId="{CD40E191-203F-4043-9073-53B1E1337E20}" destId="{C41E023C-60E1-4EF4-A359-07E37044BE6D}" srcOrd="0" destOrd="0" presId="urn:microsoft.com/office/officeart/2009/3/layout/HorizontalOrganizationChart"/>
+    <dgm:cxn modelId="{ED469CEE-15DA-482F-9877-186BE858E1FF}" type="presParOf" srcId="{C41E023C-60E1-4EF4-A359-07E37044BE6D}" destId="{D1689E48-3871-4C90-B266-086DB3427C23}" srcOrd="0" destOrd="0" presId="urn:microsoft.com/office/officeart/2009/3/layout/HorizontalOrganizationChart"/>
+    <dgm:cxn modelId="{9A6ED0A6-82A0-4681-8FF9-11D3F6A9002A}" type="presParOf" srcId="{C41E023C-60E1-4EF4-A359-07E37044BE6D}" destId="{70B99012-A009-4CA3-8C86-ACFA5F2D483F}" srcOrd="1" destOrd="0" presId="urn:microsoft.com/office/officeart/2009/3/layout/HorizontalOrganizationChart"/>
+    <dgm:cxn modelId="{B00ED0DA-2E5B-4BFE-8C5A-938EBD9E588D}" type="presParOf" srcId="{CD40E191-203F-4043-9073-53B1E1337E20}" destId="{6B8B51FD-3F02-43AD-AC77-A3442D1D8B33}" srcOrd="1" destOrd="0" presId="urn:microsoft.com/office/officeart/2009/3/layout/HorizontalOrganizationChart"/>
+    <dgm:cxn modelId="{992DBADD-9B16-4356-9A70-8CFA11E9DDF3}" type="presParOf" srcId="{CD40E191-203F-4043-9073-53B1E1337E20}" destId="{5F5E75C5-4089-4E43-81E5-B948E47D19AE}" srcOrd="2" destOrd="0" presId="urn:microsoft.com/office/officeart/2009/3/layout/HorizontalOrganizationChart"/>
+    <dgm:cxn modelId="{DB974D1C-E23D-47A0-A587-C2E386E2F24D}" type="presParOf" srcId="{45D64C0D-9E99-438E-BC47-B24312828CEE}" destId="{588C2D34-4DD8-4CB2-864E-B552A9AA3C80}" srcOrd="2" destOrd="0" presId="urn:microsoft.com/office/officeart/2009/3/layout/HorizontalOrganizationChart"/>
+    <dgm:cxn modelId="{E9470D2C-1753-4E9C-993E-E5232CA034AD}" type="presParOf" srcId="{45D64C0D-9E99-438E-BC47-B24312828CEE}" destId="{E892D5D3-D23F-4AF0-90E4-4267084F440D}" srcOrd="3" destOrd="0" presId="urn:microsoft.com/office/officeart/2009/3/layout/HorizontalOrganizationChart"/>
+    <dgm:cxn modelId="{91B324CA-89B2-4082-82AD-28E4DBFECA74}" type="presParOf" srcId="{E892D5D3-D23F-4AF0-90E4-4267084F440D}" destId="{72013F92-ADD2-4CE2-881E-306EC1797282}" srcOrd="0" destOrd="0" presId="urn:microsoft.com/office/officeart/2009/3/layout/HorizontalOrganizationChart"/>
+    <dgm:cxn modelId="{16E9AA96-35BD-412B-AB5F-10C283EC1E0D}" type="presParOf" srcId="{72013F92-ADD2-4CE2-881E-306EC1797282}" destId="{A2E229B5-4D27-418C-8826-1E752D1FAB76}" srcOrd="0" destOrd="0" presId="urn:microsoft.com/office/officeart/2009/3/layout/HorizontalOrganizationChart"/>
+    <dgm:cxn modelId="{41B12347-E1DC-48D2-B8C4-24425A7FDC4E}" type="presParOf" srcId="{72013F92-ADD2-4CE2-881E-306EC1797282}" destId="{936925C8-7F70-4397-A7B0-4DB529108A5C}" srcOrd="1" destOrd="0" presId="urn:microsoft.com/office/officeart/2009/3/layout/HorizontalOrganizationChart"/>
+    <dgm:cxn modelId="{A5B2BBFD-CA8D-43ED-B256-506614C5B2D3}" type="presParOf" srcId="{E892D5D3-D23F-4AF0-90E4-4267084F440D}" destId="{9CF2B045-740F-4E0E-9962-965EB25D64E8}" srcOrd="1" destOrd="0" presId="urn:microsoft.com/office/officeart/2009/3/layout/HorizontalOrganizationChart"/>
+    <dgm:cxn modelId="{D4964E2E-1A51-49A8-80D6-14D85F41D31B}" type="presParOf" srcId="{E892D5D3-D23F-4AF0-90E4-4267084F440D}" destId="{520AADE8-C4B7-4BAF-956F-16D5ECBDF315}" srcOrd="2" destOrd="0" presId="urn:microsoft.com/office/officeart/2009/3/layout/HorizontalOrganizationChart"/>
+    <dgm:cxn modelId="{FAFF44F0-E1E2-43E1-B18F-2951273C61BA}" type="presParOf" srcId="{F282C286-1BA5-425A-830C-9D9B4AFDE4FA}" destId="{F3DCC0DA-21ED-4941-8094-5842FCD52375}" srcOrd="2" destOrd="0" presId="urn:microsoft.com/office/officeart/2009/3/layout/HorizontalOrganizationChart"/>
+    <dgm:cxn modelId="{9E10522E-E8F2-4B5C-86C7-03C566728FE1}" type="presParOf" srcId="{304C85A5-F706-4AE8-86B5-1B8722814CFC}" destId="{B10CA7D6-707B-48F7-AAD3-710AC898E6E6}" srcOrd="2" destOrd="0" presId="urn:microsoft.com/office/officeart/2009/3/layout/HorizontalOrganizationChart"/>
+    <dgm:cxn modelId="{694C043F-BEB3-42BC-A751-772B361C2A7C}" type="presParOf" srcId="{304C85A5-F706-4AE8-86B5-1B8722814CFC}" destId="{D8BBBD43-40D7-42E3-BB8A-EB4CE2150A2D}" srcOrd="3" destOrd="0" presId="urn:microsoft.com/office/officeart/2009/3/layout/HorizontalOrganizationChart"/>
+    <dgm:cxn modelId="{C6D80153-8B85-471F-A634-5A768B9D4C4C}" type="presParOf" srcId="{D8BBBD43-40D7-42E3-BB8A-EB4CE2150A2D}" destId="{686F9E57-3DCB-470C-9CB8-6DA590440CDE}" srcOrd="0" destOrd="0" presId="urn:microsoft.com/office/officeart/2009/3/layout/HorizontalOrganizationChart"/>
+    <dgm:cxn modelId="{2EDE16AD-C5E6-42E7-B056-94D011B586B4}" type="presParOf" srcId="{686F9E57-3DCB-470C-9CB8-6DA590440CDE}" destId="{805298AE-D0DB-4835-993B-D5301CDB3097}" srcOrd="0" destOrd="0" presId="urn:microsoft.com/office/officeart/2009/3/layout/HorizontalOrganizationChart"/>
+    <dgm:cxn modelId="{F8573696-CC7F-475C-9DA1-9DAB5637A9C2}" type="presParOf" srcId="{686F9E57-3DCB-470C-9CB8-6DA590440CDE}" destId="{E27B7F6D-04D0-4086-9A4A-136B54A8A117}" srcOrd="1" destOrd="0" presId="urn:microsoft.com/office/officeart/2009/3/layout/HorizontalOrganizationChart"/>
+    <dgm:cxn modelId="{A5D506D3-E923-4C5C-8E7B-5E34EDC00F36}" type="presParOf" srcId="{D8BBBD43-40D7-42E3-BB8A-EB4CE2150A2D}" destId="{1734154D-21E9-44B7-8ACA-251B5C6387DC}" srcOrd="1" destOrd="0" presId="urn:microsoft.com/office/officeart/2009/3/layout/HorizontalOrganizationChart"/>
+    <dgm:cxn modelId="{846372AE-8718-429E-83AB-78258C828196}" type="presParOf" srcId="{D8BBBD43-40D7-42E3-BB8A-EB4CE2150A2D}" destId="{28399D33-3AD8-4A36-A606-897CAF2BE322}" srcOrd="2" destOrd="0" presId="urn:microsoft.com/office/officeart/2009/3/layout/HorizontalOrganizationChart"/>
+    <dgm:cxn modelId="{B9605B01-B236-4849-8222-4C7D85833C66}" type="presParOf" srcId="{304C85A5-F706-4AE8-86B5-1B8722814CFC}" destId="{5405C07D-1B92-4958-B710-B0239E80D80E}" srcOrd="4" destOrd="0" presId="urn:microsoft.com/office/officeart/2009/3/layout/HorizontalOrganizationChart"/>
+    <dgm:cxn modelId="{6158D5DB-BF68-477C-911E-A00665C53269}" type="presParOf" srcId="{304C85A5-F706-4AE8-86B5-1B8722814CFC}" destId="{13A5BB0E-02B4-40AE-9708-F912AEC7A46C}" srcOrd="5" destOrd="0" presId="urn:microsoft.com/office/officeart/2009/3/layout/HorizontalOrganizationChart"/>
+    <dgm:cxn modelId="{31D24E15-09BC-4172-B01F-F2572E9A048B}" type="presParOf" srcId="{13A5BB0E-02B4-40AE-9708-F912AEC7A46C}" destId="{8FF41750-63B0-4F61-BA4C-DFA41D674C1D}" srcOrd="0" destOrd="0" presId="urn:microsoft.com/office/officeart/2009/3/layout/HorizontalOrganizationChart"/>
+    <dgm:cxn modelId="{804A110D-E9BF-44A6-BCAC-A139694A0AF3}" type="presParOf" srcId="{8FF41750-63B0-4F61-BA4C-DFA41D674C1D}" destId="{6931ECA9-9C88-4657-B0A7-A59CE0DA845C}" srcOrd="0" destOrd="0" presId="urn:microsoft.com/office/officeart/2009/3/layout/HorizontalOrganizationChart"/>
+    <dgm:cxn modelId="{1DD8BEBC-1E66-42A0-9FB7-8BDC0BCFED53}" type="presParOf" srcId="{8FF41750-63B0-4F61-BA4C-DFA41D674C1D}" destId="{5A949AEC-5E2A-40AB-BC27-E74837CAB596}" srcOrd="1" destOrd="0" presId="urn:microsoft.com/office/officeart/2009/3/layout/HorizontalOrganizationChart"/>
+    <dgm:cxn modelId="{951BF61F-C43D-4611-B496-7D982B3FD4F7}" type="presParOf" srcId="{13A5BB0E-02B4-40AE-9708-F912AEC7A46C}" destId="{96DDEFB5-276F-40CB-8103-36D877B6C823}" srcOrd="1" destOrd="0" presId="urn:microsoft.com/office/officeart/2009/3/layout/HorizontalOrganizationChart"/>
+    <dgm:cxn modelId="{A6F2B987-0066-4658-BAC4-165463816CDC}" type="presParOf" srcId="{13A5BB0E-02B4-40AE-9708-F912AEC7A46C}" destId="{2EB1131F-80C1-492D-8236-328F064FFB4F}" srcOrd="2" destOrd="0" presId="urn:microsoft.com/office/officeart/2009/3/layout/HorizontalOrganizationChart"/>
+    <dgm:cxn modelId="{FFF1000B-BCE5-4ABE-8027-ADDB618A5785}" type="presParOf" srcId="{304C85A5-F706-4AE8-86B5-1B8722814CFC}" destId="{9385677F-CFDE-41E7-A1CB-7EDDCAB4A187}" srcOrd="6" destOrd="0" presId="urn:microsoft.com/office/officeart/2009/3/layout/HorizontalOrganizationChart"/>
+    <dgm:cxn modelId="{E0036E25-0FF1-4572-8418-18ED4775B44A}" type="presParOf" srcId="{304C85A5-F706-4AE8-86B5-1B8722814CFC}" destId="{F0B6FF27-5E9F-4FC1-B3A5-CFB9BD7A4C54}" srcOrd="7" destOrd="0" presId="urn:microsoft.com/office/officeart/2009/3/layout/HorizontalOrganizationChart"/>
+    <dgm:cxn modelId="{FA8CA083-CAE4-4CED-B8F1-2AC95B89590A}" type="presParOf" srcId="{F0B6FF27-5E9F-4FC1-B3A5-CFB9BD7A4C54}" destId="{EAD77125-A2A9-4011-81ED-68841386C8EE}" srcOrd="0" destOrd="0" presId="urn:microsoft.com/office/officeart/2009/3/layout/HorizontalOrganizationChart"/>
+    <dgm:cxn modelId="{86733893-75A1-4DB8-A27F-DFCE1A6FF080}" type="presParOf" srcId="{EAD77125-A2A9-4011-81ED-68841386C8EE}" destId="{FFBE6D55-EA30-4245-908C-273E35E8BE1B}" srcOrd="0" destOrd="0" presId="urn:microsoft.com/office/officeart/2009/3/layout/HorizontalOrganizationChart"/>
+    <dgm:cxn modelId="{FA2BE043-7BA4-4892-ACE9-8344EE239D16}" type="presParOf" srcId="{EAD77125-A2A9-4011-81ED-68841386C8EE}" destId="{794801DD-7CB0-420F-AA46-C23591F71F7B}" srcOrd="1" destOrd="0" presId="urn:microsoft.com/office/officeart/2009/3/layout/HorizontalOrganizationChart"/>
+    <dgm:cxn modelId="{8262D137-73E1-4F68-A443-31C82BC9CFAC}" type="presParOf" srcId="{F0B6FF27-5E9F-4FC1-B3A5-CFB9BD7A4C54}" destId="{CD42125B-3EDA-438D-BF8D-11938A1CFFFC}" srcOrd="1" destOrd="0" presId="urn:microsoft.com/office/officeart/2009/3/layout/HorizontalOrganizationChart"/>
+    <dgm:cxn modelId="{99D50A02-F8D8-45A5-8CCA-8E2FC82A4F1A}" type="presParOf" srcId="{F0B6FF27-5E9F-4FC1-B3A5-CFB9BD7A4C54}" destId="{9293F38A-36C9-495D-92E2-9F8EC6802E5E}" srcOrd="2" destOrd="0" presId="urn:microsoft.com/office/officeart/2009/3/layout/HorizontalOrganizationChart"/>
+    <dgm:cxn modelId="{7960BD85-FF79-4DAA-BD3B-BD8EA04790EF}" type="presParOf" srcId="{B9930EE3-B461-4E66-965C-935EF8DEE15B}" destId="{305AD726-89A0-402D-90F0-7549581E16B5}" srcOrd="2" destOrd="0" presId="urn:microsoft.com/office/officeart/2009/3/layout/HorizontalOrganizationChart"/>
+    <dgm:cxn modelId="{55369BC5-02AA-49B1-84B7-DFFD11B844D1}" type="presParOf" srcId="{A9E6B63E-AA52-40B9-8B4B-B59242D96DBE}" destId="{F9233B8D-E90F-4504-BB1C-EB315CEE4C08}" srcOrd="2" destOrd="0" presId="urn:microsoft.com/office/officeart/2009/3/layout/HorizontalOrganizationChart"/>
+    <dgm:cxn modelId="{8F66ABAB-313D-4759-8F9B-BBF67819CF05}" type="presParOf" srcId="{A9E6B63E-AA52-40B9-8B4B-B59242D96DBE}" destId="{D9204B3F-E680-4AB5-8E63-E2A8EA55C24F}" srcOrd="3" destOrd="0" presId="urn:microsoft.com/office/officeart/2009/3/layout/HorizontalOrganizationChart"/>
+    <dgm:cxn modelId="{D0E8A1DA-EF5B-41DF-AF02-7E417CF9741D}" type="presParOf" srcId="{D9204B3F-E680-4AB5-8E63-E2A8EA55C24F}" destId="{24D7E86C-A382-419A-BBF5-09680059FDA9}" srcOrd="0" destOrd="0" presId="urn:microsoft.com/office/officeart/2009/3/layout/HorizontalOrganizationChart"/>
+    <dgm:cxn modelId="{66CE3F7C-5E98-489C-B778-B51BCEBD3536}" type="presParOf" srcId="{24D7E86C-A382-419A-BBF5-09680059FDA9}" destId="{6C983AE2-CA1F-4377-94F0-3E637FD46669}" srcOrd="0" destOrd="0" presId="urn:microsoft.com/office/officeart/2009/3/layout/HorizontalOrganizationChart"/>
+    <dgm:cxn modelId="{70918DC3-DFDA-4527-93C4-B2BD291D134A}" type="presParOf" srcId="{24D7E86C-A382-419A-BBF5-09680059FDA9}" destId="{3F5D2362-EAA8-426E-9EAC-0213EFF67058}" srcOrd="1" destOrd="0" presId="urn:microsoft.com/office/officeart/2009/3/layout/HorizontalOrganizationChart"/>
+    <dgm:cxn modelId="{BB5129A1-D2E8-4093-83CF-C257C0B75E17}" type="presParOf" srcId="{D9204B3F-E680-4AB5-8E63-E2A8EA55C24F}" destId="{4C60CA0B-C22A-464E-A250-A9D83D835A8F}" srcOrd="1" destOrd="0" presId="urn:microsoft.com/office/officeart/2009/3/layout/HorizontalOrganizationChart"/>
+    <dgm:cxn modelId="{AE3C1F1C-1AC6-4E1B-B49A-9A6787549B51}" type="presParOf" srcId="{D9204B3F-E680-4AB5-8E63-E2A8EA55C24F}" destId="{FA9B626D-EF9A-43A8-BBB5-3E0438FAFCAA}" srcOrd="2" destOrd="0" presId="urn:microsoft.com/office/officeart/2009/3/layout/HorizontalOrganizationChart"/>
+    <dgm:cxn modelId="{3EFD4402-4DF0-42FD-82A0-DB358CFE4507}" type="presParOf" srcId="{7D730359-729C-4CA7-AB06-976D9E10BCC1}" destId="{A13051E6-A9AC-4FA0-8DE4-46FC6C9D8919}" srcOrd="2" destOrd="0" presId="urn:microsoft.com/office/officeart/2009/3/layout/HorizontalOrganizationChart"/>
+  </dgm:cxnLst>
+  <dgm:bg/>
+  <dgm:whole/>
+  <dgm:extLst>
+    <a:ext uri="http://schemas.microsoft.com/office/drawing/2008/diagram">
+      <dsp:dataModelExt xmlns:dsp="http://schemas.microsoft.com/office/drawing/2008/diagram" relId="rId6" minVer="http://schemas.openxmlformats.org/drawingml/2006/diagram"/>
+    </a:ext>
+  </dgm:extLst>
+</dgm:dataModel>
+</file>
+
+<file path=ppt/diagrams/drawing1.xml><?xml version="1.0" encoding="utf-8"?>
+<dsp:drawing xmlns:dgm="http://schemas.openxmlformats.org/drawingml/2006/diagram" xmlns:dsp="http://schemas.microsoft.com/office/drawing/2008/diagram" xmlns:a="http://schemas.openxmlformats.org/drawingml/2006/main">
+  <dsp:spTree>
+    <dsp:nvGrpSpPr>
+      <dsp:cNvPr id="0" name=""/>
+      <dsp:cNvGrpSpPr/>
+    </dsp:nvGrpSpPr>
+    <dsp:grpSpPr/>
+    <dsp:sp modelId="{F9233B8D-E90F-4504-BB1C-EB315CEE4C08}">
+      <dsp:nvSpPr>
+        <dsp:cNvPr id="0" name=""/>
+        <dsp:cNvSpPr/>
+      </dsp:nvSpPr>
+      <dsp:spPr>
+        <a:xfrm>
+          <a:off x="1768078" y="3485112"/>
+          <a:ext cx="337323" cy="683963"/>
+        </a:xfrm>
+        <a:custGeom>
+          <a:avLst/>
+          <a:gdLst/>
+          <a:ahLst/>
+          <a:cxnLst/>
+          <a:rect l="0" t="0" r="0" b="0"/>
+          <a:pathLst>
+            <a:path>
+              <a:moveTo>
+                <a:pt x="0" y="0"/>
+              </a:moveTo>
+              <a:lnTo>
+                <a:pt x="160714" y="0"/>
+              </a:lnTo>
+              <a:lnTo>
+                <a:pt x="160714" y="683963"/>
+              </a:lnTo>
+              <a:lnTo>
+                <a:pt x="337323" y="683963"/>
+              </a:lnTo>
+            </a:path>
+          </a:pathLst>
+        </a:custGeom>
+        <a:noFill/>
+        <a:ln w="12700" cap="flat" cmpd="sng" algn="ctr">
+          <a:solidFill>
+            <a:schemeClr val="dk2">
+              <a:shade val="60000"/>
+              <a:hueOff val="0"/>
+              <a:satOff val="0"/>
+              <a:lumOff val="0"/>
+              <a:alphaOff val="0"/>
+            </a:schemeClr>
+          </a:solidFill>
+          <a:prstDash val="solid"/>
+          <a:miter lim="800000"/>
+        </a:ln>
+        <a:effectLst/>
+      </dsp:spPr>
+      <dsp:style>
+        <a:lnRef idx="2">
+          <a:scrgbClr r="0" g="0" b="0"/>
+        </a:lnRef>
+        <a:fillRef idx="0">
+          <a:scrgbClr r="0" g="0" b="0"/>
+        </a:fillRef>
+        <a:effectRef idx="0">
+          <a:scrgbClr r="0" g="0" b="0"/>
+        </a:effectRef>
+        <a:fontRef idx="minor"/>
+      </dsp:style>
+    </dsp:sp>
+    <dsp:sp modelId="{9385677F-CFDE-41E7-A1CB-7EDDCAB4A187}">
+      <dsp:nvSpPr>
+        <dsp:cNvPr id="0" name=""/>
+        <dsp:cNvSpPr/>
+      </dsp:nvSpPr>
+      <dsp:spPr>
+        <a:xfrm>
+          <a:off x="3887390" y="3105402"/>
+          <a:ext cx="353218" cy="1220599"/>
+        </a:xfrm>
+        <a:custGeom>
+          <a:avLst/>
+          <a:gdLst/>
+          <a:ahLst/>
+          <a:cxnLst/>
+          <a:rect l="0" t="0" r="0" b="0"/>
+          <a:pathLst>
+            <a:path>
+              <a:moveTo>
+                <a:pt x="0" y="0"/>
+              </a:moveTo>
+              <a:lnTo>
+                <a:pt x="176609" y="0"/>
+              </a:lnTo>
+              <a:lnTo>
+                <a:pt x="176609" y="1220599"/>
+              </a:lnTo>
+              <a:lnTo>
+                <a:pt x="353218" y="1220599"/>
+              </a:lnTo>
+            </a:path>
+          </a:pathLst>
+        </a:custGeom>
+        <a:noFill/>
+        <a:ln w="12700" cap="flat" cmpd="sng" algn="ctr">
+          <a:solidFill>
+            <a:schemeClr val="dk2">
+              <a:shade val="80000"/>
+              <a:hueOff val="0"/>
+              <a:satOff val="0"/>
+              <a:lumOff val="0"/>
+              <a:alphaOff val="0"/>
+            </a:schemeClr>
+          </a:solidFill>
+          <a:prstDash val="solid"/>
+          <a:miter lim="800000"/>
+        </a:ln>
+        <a:effectLst/>
+      </dsp:spPr>
+      <dsp:style>
+        <a:lnRef idx="2">
+          <a:scrgbClr r="0" g="0" b="0"/>
+        </a:lnRef>
+        <a:fillRef idx="0">
+          <a:scrgbClr r="0" g="0" b="0"/>
+        </a:fillRef>
+        <a:effectRef idx="0">
+          <a:scrgbClr r="0" g="0" b="0"/>
+        </a:effectRef>
+        <a:fontRef idx="minor"/>
+      </dsp:style>
+    </dsp:sp>
+    <dsp:sp modelId="{5405C07D-1B92-4958-B710-B0239E80D80E}">
+      <dsp:nvSpPr>
+        <dsp:cNvPr id="0" name=""/>
+        <dsp:cNvSpPr/>
+      </dsp:nvSpPr>
+      <dsp:spPr>
+        <a:xfrm>
+          <a:off x="3887390" y="3105402"/>
+          <a:ext cx="353218" cy="723716"/>
+        </a:xfrm>
+        <a:custGeom>
+          <a:avLst/>
+          <a:gdLst/>
+          <a:ahLst/>
+          <a:cxnLst/>
+          <a:rect l="0" t="0" r="0" b="0"/>
+          <a:pathLst>
+            <a:path>
+              <a:moveTo>
+                <a:pt x="0" y="0"/>
+              </a:moveTo>
+              <a:lnTo>
+                <a:pt x="176609" y="0"/>
+              </a:lnTo>
+              <a:lnTo>
+                <a:pt x="176609" y="723716"/>
+              </a:lnTo>
+              <a:lnTo>
+                <a:pt x="353218" y="723716"/>
+              </a:lnTo>
+            </a:path>
+          </a:pathLst>
+        </a:custGeom>
+        <a:noFill/>
+        <a:ln w="12700" cap="flat" cmpd="sng" algn="ctr">
+          <a:solidFill>
+            <a:schemeClr val="dk2">
+              <a:shade val="80000"/>
+              <a:hueOff val="0"/>
+              <a:satOff val="0"/>
+              <a:lumOff val="0"/>
+              <a:alphaOff val="0"/>
+            </a:schemeClr>
+          </a:solidFill>
+          <a:prstDash val="solid"/>
+          <a:miter lim="800000"/>
+        </a:ln>
+        <a:effectLst/>
+      </dsp:spPr>
+      <dsp:style>
+        <a:lnRef idx="2">
+          <a:scrgbClr r="0" g="0" b="0"/>
+        </a:lnRef>
+        <a:fillRef idx="0">
+          <a:scrgbClr r="0" g="0" b="0"/>
+        </a:fillRef>
+        <a:effectRef idx="0">
+          <a:scrgbClr r="0" g="0" b="0"/>
+        </a:effectRef>
+        <a:fontRef idx="minor"/>
+      </dsp:style>
+    </dsp:sp>
+    <dsp:sp modelId="{B10CA7D6-707B-48F7-AAD3-710AC898E6E6}">
+      <dsp:nvSpPr>
+        <dsp:cNvPr id="0" name=""/>
+        <dsp:cNvSpPr/>
+      </dsp:nvSpPr>
+      <dsp:spPr>
+        <a:xfrm>
+          <a:off x="3887390" y="3105402"/>
+          <a:ext cx="353218" cy="226832"/>
+        </a:xfrm>
+        <a:custGeom>
+          <a:avLst/>
+          <a:gdLst/>
+          <a:ahLst/>
+          <a:cxnLst/>
+          <a:rect l="0" t="0" r="0" b="0"/>
+          <a:pathLst>
+            <a:path>
+              <a:moveTo>
+                <a:pt x="0" y="0"/>
+              </a:moveTo>
+              <a:lnTo>
+                <a:pt x="176609" y="0"/>
+              </a:lnTo>
+              <a:lnTo>
+                <a:pt x="176609" y="226832"/>
+              </a:lnTo>
+              <a:lnTo>
+                <a:pt x="353218" y="226832"/>
+              </a:lnTo>
+            </a:path>
+          </a:pathLst>
+        </a:custGeom>
+        <a:noFill/>
+        <a:ln w="12700" cap="flat" cmpd="sng" algn="ctr">
+          <a:solidFill>
+            <a:schemeClr val="dk2">
+              <a:shade val="80000"/>
+              <a:hueOff val="0"/>
+              <a:satOff val="0"/>
+              <a:lumOff val="0"/>
+              <a:alphaOff val="0"/>
+            </a:schemeClr>
+          </a:solidFill>
+          <a:prstDash val="solid"/>
+          <a:miter lim="800000"/>
+        </a:ln>
+        <a:effectLst/>
+      </dsp:spPr>
+      <dsp:style>
+        <a:lnRef idx="2">
+          <a:scrgbClr r="0" g="0" b="0"/>
+        </a:lnRef>
+        <a:fillRef idx="0">
+          <a:scrgbClr r="0" g="0" b="0"/>
+        </a:fillRef>
+        <a:effectRef idx="0">
+          <a:scrgbClr r="0" g="0" b="0"/>
+        </a:effectRef>
+        <a:fontRef idx="minor"/>
+      </dsp:style>
+    </dsp:sp>
+    <dsp:sp modelId="{588C2D34-4DD8-4CB2-864E-B552A9AA3C80}">
+      <dsp:nvSpPr>
+        <dsp:cNvPr id="0" name=""/>
+        <dsp:cNvSpPr/>
+      </dsp:nvSpPr>
+      <dsp:spPr>
+        <a:xfrm>
+          <a:off x="6006703" y="2360077"/>
+          <a:ext cx="353218" cy="806233"/>
+        </a:xfrm>
+        <a:custGeom>
+          <a:avLst/>
+          <a:gdLst/>
+          <a:ahLst/>
+          <a:cxnLst/>
+          <a:rect l="0" t="0" r="0" b="0"/>
+          <a:pathLst>
+            <a:path>
+              <a:moveTo>
+                <a:pt x="0" y="0"/>
+              </a:moveTo>
+              <a:lnTo>
+                <a:pt x="176609" y="0"/>
+              </a:lnTo>
+              <a:lnTo>
+                <a:pt x="176609" y="806233"/>
+              </a:lnTo>
+              <a:lnTo>
+                <a:pt x="353218" y="806233"/>
+              </a:lnTo>
+            </a:path>
+          </a:pathLst>
+        </a:custGeom>
+        <a:noFill/>
+        <a:ln w="12700" cap="flat" cmpd="sng" algn="ctr">
+          <a:solidFill>
+            <a:schemeClr val="dk2">
+              <a:shade val="80000"/>
+              <a:hueOff val="0"/>
+              <a:satOff val="0"/>
+              <a:lumOff val="0"/>
+              <a:alphaOff val="0"/>
+            </a:schemeClr>
+          </a:solidFill>
+          <a:prstDash val="solid"/>
+          <a:miter lim="800000"/>
+        </a:ln>
+        <a:effectLst/>
+      </dsp:spPr>
+      <dsp:style>
+        <a:lnRef idx="2">
+          <a:scrgbClr r="0" g="0" b="0"/>
+        </a:lnRef>
+        <a:fillRef idx="0">
+          <a:scrgbClr r="0" g="0" b="0"/>
+        </a:fillRef>
+        <a:effectRef idx="0">
+          <a:scrgbClr r="0" g="0" b="0"/>
+        </a:effectRef>
+        <a:fontRef idx="minor"/>
+      </dsp:style>
+    </dsp:sp>
+    <dsp:sp modelId="{572A7AC9-B141-408D-AB93-B7B519E43401}">
+      <dsp:nvSpPr>
+        <dsp:cNvPr id="0" name=""/>
+        <dsp:cNvSpPr/>
+      </dsp:nvSpPr>
+      <dsp:spPr>
+        <a:xfrm>
+          <a:off x="6006703" y="1636361"/>
+          <a:ext cx="353218" cy="723716"/>
+        </a:xfrm>
+        <a:custGeom>
+          <a:avLst/>
+          <a:gdLst/>
+          <a:ahLst/>
+          <a:cxnLst/>
+          <a:rect l="0" t="0" r="0" b="0"/>
+          <a:pathLst>
+            <a:path>
+              <a:moveTo>
+                <a:pt x="0" y="723716"/>
+              </a:moveTo>
+              <a:lnTo>
+                <a:pt x="176609" y="723716"/>
+              </a:lnTo>
+              <a:lnTo>
+                <a:pt x="176609" y="0"/>
+              </a:lnTo>
+              <a:lnTo>
+                <a:pt x="353218" y="0"/>
+              </a:lnTo>
+            </a:path>
+          </a:pathLst>
+        </a:custGeom>
+        <a:noFill/>
+        <a:ln w="12700" cap="flat" cmpd="sng" algn="ctr">
+          <a:solidFill>
+            <a:schemeClr val="dk2">
+              <a:shade val="80000"/>
+              <a:hueOff val="0"/>
+              <a:satOff val="0"/>
+              <a:lumOff val="0"/>
+              <a:alphaOff val="0"/>
+            </a:schemeClr>
+          </a:solidFill>
+          <a:prstDash val="solid"/>
+          <a:miter lim="800000"/>
+        </a:ln>
+        <a:effectLst/>
+      </dsp:spPr>
+      <dsp:style>
+        <a:lnRef idx="2">
+          <a:scrgbClr r="0" g="0" b="0"/>
+        </a:lnRef>
+        <a:fillRef idx="0">
+          <a:scrgbClr r="0" g="0" b="0"/>
+        </a:fillRef>
+        <a:effectRef idx="0">
+          <a:scrgbClr r="0" g="0" b="0"/>
+        </a:effectRef>
+        <a:fontRef idx="minor"/>
+      </dsp:style>
+    </dsp:sp>
+    <dsp:sp modelId="{08A30932-517B-42DF-852A-E285E6F93944}">
+      <dsp:nvSpPr>
+        <dsp:cNvPr id="0" name=""/>
+        <dsp:cNvSpPr/>
+      </dsp:nvSpPr>
+      <dsp:spPr>
+        <a:xfrm>
+          <a:off x="3887390" y="2360077"/>
+          <a:ext cx="353218" cy="745325"/>
+        </a:xfrm>
+        <a:custGeom>
+          <a:avLst/>
+          <a:gdLst/>
+          <a:ahLst/>
+          <a:cxnLst/>
+          <a:rect l="0" t="0" r="0" b="0"/>
+          <a:pathLst>
+            <a:path>
+              <a:moveTo>
+                <a:pt x="0" y="745325"/>
+              </a:moveTo>
+              <a:lnTo>
+                <a:pt x="176609" y="745325"/>
+              </a:lnTo>
+              <a:lnTo>
+                <a:pt x="176609" y="0"/>
+              </a:lnTo>
+              <a:lnTo>
+                <a:pt x="353218" y="0"/>
+              </a:lnTo>
+            </a:path>
+          </a:pathLst>
+        </a:custGeom>
+        <a:noFill/>
+        <a:ln w="12700" cap="flat" cmpd="sng" algn="ctr">
+          <a:solidFill>
+            <a:schemeClr val="dk2">
+              <a:shade val="80000"/>
+              <a:hueOff val="0"/>
+              <a:satOff val="0"/>
+              <a:lumOff val="0"/>
+              <a:alphaOff val="0"/>
+            </a:schemeClr>
+          </a:solidFill>
+          <a:prstDash val="solid"/>
+          <a:miter lim="800000"/>
+        </a:ln>
+        <a:effectLst/>
+      </dsp:spPr>
+      <dsp:style>
+        <a:lnRef idx="2">
+          <a:scrgbClr r="0" g="0" b="0"/>
+        </a:lnRef>
+        <a:fillRef idx="0">
+          <a:scrgbClr r="0" g="0" b="0"/>
+        </a:fillRef>
+        <a:effectRef idx="0">
+          <a:scrgbClr r="0" g="0" b="0"/>
+        </a:effectRef>
+        <a:fontRef idx="minor"/>
+      </dsp:style>
+    </dsp:sp>
+    <dsp:sp modelId="{039049ED-464F-4529-AE15-DAD68CF93B1C}">
+      <dsp:nvSpPr>
+        <dsp:cNvPr id="0" name=""/>
+        <dsp:cNvSpPr/>
+      </dsp:nvSpPr>
+      <dsp:spPr>
+        <a:xfrm>
+          <a:off x="1768078" y="3105402"/>
+          <a:ext cx="353218" cy="379710"/>
+        </a:xfrm>
+        <a:custGeom>
+          <a:avLst/>
+          <a:gdLst/>
+          <a:ahLst/>
+          <a:cxnLst/>
+          <a:rect l="0" t="0" r="0" b="0"/>
+          <a:pathLst>
+            <a:path>
+              <a:moveTo>
+                <a:pt x="0" y="379710"/>
+              </a:moveTo>
+              <a:lnTo>
+                <a:pt x="176609" y="379710"/>
+              </a:lnTo>
+              <a:lnTo>
+                <a:pt x="176609" y="0"/>
+              </a:lnTo>
+              <a:lnTo>
+                <a:pt x="353218" y="0"/>
+              </a:lnTo>
+            </a:path>
+          </a:pathLst>
+        </a:custGeom>
+        <a:noFill/>
+        <a:ln w="12700" cap="flat" cmpd="sng" algn="ctr">
+          <a:solidFill>
+            <a:schemeClr val="dk2">
+              <a:shade val="60000"/>
+              <a:hueOff val="0"/>
+              <a:satOff val="0"/>
+              <a:lumOff val="0"/>
+              <a:alphaOff val="0"/>
+            </a:schemeClr>
+          </a:solidFill>
+          <a:prstDash val="solid"/>
+          <a:miter lim="800000"/>
+        </a:ln>
+        <a:effectLst/>
+      </dsp:spPr>
+      <dsp:style>
+        <a:lnRef idx="2">
+          <a:scrgbClr r="0" g="0" b="0"/>
+        </a:lnRef>
+        <a:fillRef idx="0">
+          <a:scrgbClr r="0" g="0" b="0"/>
+        </a:fillRef>
+        <a:effectRef idx="0">
+          <a:scrgbClr r="0" g="0" b="0"/>
+        </a:effectRef>
+        <a:fontRef idx="minor"/>
+      </dsp:style>
+    </dsp:sp>
+    <dsp:sp modelId="{084D5866-5641-4A33-A9E5-F6F32A378F97}">
+      <dsp:nvSpPr>
+        <dsp:cNvPr id="0" name=""/>
+        <dsp:cNvSpPr/>
+      </dsp:nvSpPr>
+      <dsp:spPr>
+        <a:xfrm>
+          <a:off x="1984" y="2871777"/>
+          <a:ext cx="1766093" cy="1226671"/>
+        </a:xfrm>
+        <a:prstGeom prst="roundRect">
+          <a:avLst/>
+        </a:prstGeom>
+        <a:solidFill>
+          <a:schemeClr val="lt1">
+            <a:hueOff val="0"/>
+            <a:satOff val="0"/>
+            <a:lumOff val="0"/>
+            <a:alphaOff val="0"/>
+          </a:schemeClr>
+        </a:solidFill>
+        <a:ln w="12700" cap="flat" cmpd="sng" algn="ctr">
+          <a:solidFill>
+            <a:schemeClr val="dk2">
+              <a:shade val="80000"/>
+              <a:hueOff val="0"/>
+              <a:satOff val="0"/>
+              <a:lumOff val="0"/>
+              <a:alphaOff val="0"/>
+            </a:schemeClr>
+          </a:solidFill>
+          <a:prstDash val="solid"/>
+          <a:miter lim="800000"/>
+        </a:ln>
+        <a:effectLst/>
+      </dsp:spPr>
+      <dsp:style>
+        <a:lnRef idx="2">
+          <a:scrgbClr r="0" g="0" b="0"/>
+        </a:lnRef>
+        <a:fillRef idx="1">
+          <a:scrgbClr r="0" g="0" b="0"/>
+        </a:fillRef>
+        <a:effectRef idx="0">
+          <a:scrgbClr r="0" g="0" b="0"/>
+        </a:effectRef>
+        <a:fontRef idx="minor">
+          <a:schemeClr val="lt1"/>
+        </a:fontRef>
+      </dsp:style>
+      <dsp:txBody>
+        <a:bodyPr spcFirstLastPara="0" vert="horz" wrap="square" lIns="5715" tIns="5715" rIns="5715" bIns="5715" numCol="1" spcCol="1270" anchor="ctr" anchorCtr="0">
+          <a:noAutofit/>
+        </a:bodyPr>
+        <a:lstStyle/>
+        <a:p>
+          <a:pPr marL="0" lvl="0" indent="0" algn="ctr" defTabSz="400050">
+            <a:lnSpc>
+              <a:spcPct val="90000"/>
+            </a:lnSpc>
+            <a:spcBef>
+              <a:spcPct val="0"/>
+            </a:spcBef>
+            <a:spcAft>
+              <a:spcPct val="35000"/>
+            </a:spcAft>
+            <a:buNone/>
+          </a:pPr>
+          <a:r>
+            <a:rPr lang="en-US" sz="900" b="1" kern="1200" dirty="0" err="1"/>
+            <a:t>Arume</a:t>
+          </a:r>
+          <a:endParaRPr lang="en-US" sz="900" b="1" kern="1200" dirty="0"/>
+        </a:p>
+        <a:p>
+          <a:pPr marL="0" lvl="0" indent="0" algn="ctr" defTabSz="400050">
+            <a:lnSpc>
+              <a:spcPct val="90000"/>
+            </a:lnSpc>
+            <a:spcBef>
+              <a:spcPct val="0"/>
+            </a:spcBef>
+            <a:spcAft>
+              <a:spcPct val="35000"/>
+            </a:spcAft>
+            <a:buNone/>
+          </a:pPr>
+          <a:endParaRPr lang="en-US" sz="900" kern="1200" dirty="0"/>
+        </a:p>
+        <a:p>
+          <a:pPr marL="0" lvl="0" indent="0" algn="ctr" defTabSz="400050">
+            <a:lnSpc>
+              <a:spcPct val="90000"/>
+            </a:lnSpc>
+            <a:spcBef>
+              <a:spcPct val="0"/>
+            </a:spcBef>
+            <a:spcAft>
+              <a:spcPct val="35000"/>
+            </a:spcAft>
+            <a:buNone/>
+          </a:pPr>
+          <a:r>
+            <a:rPr lang="en-US" sz="900" kern="1200" dirty="0"/>
+            <a:t>Main controller and public interface for all </a:t>
+          </a:r>
+          <a:r>
+            <a:rPr lang="en-US" sz="900" kern="1200" dirty="0" err="1"/>
+            <a:t>arume</a:t>
+          </a:r>
+          <a:r>
+            <a:rPr lang="en-US" sz="900" kern="1200" dirty="0"/>
+            <a:t> functions. Can be used in combination with UI</a:t>
+          </a:r>
+        </a:p>
+      </dsp:txBody>
+      <dsp:txXfrm>
+        <a:off x="61865" y="2931658"/>
+        <a:ext cx="1646331" cy="1106909"/>
+      </dsp:txXfrm>
+    </dsp:sp>
+    <dsp:sp modelId="{34D99328-D758-41ED-88E4-BD95C1CE5B5F}">
+      <dsp:nvSpPr>
+        <dsp:cNvPr id="0" name=""/>
+        <dsp:cNvSpPr/>
+      </dsp:nvSpPr>
+      <dsp:spPr>
+        <a:xfrm>
+          <a:off x="2121296" y="2492067"/>
+          <a:ext cx="1766093" cy="1226671"/>
+        </a:xfrm>
+        <a:prstGeom prst="roundRect">
+          <a:avLst/>
+        </a:prstGeom>
+        <a:solidFill>
+          <a:schemeClr val="lt1">
+            <a:hueOff val="0"/>
+            <a:satOff val="0"/>
+            <a:lumOff val="0"/>
+            <a:alphaOff val="0"/>
+          </a:schemeClr>
+        </a:solidFill>
+        <a:ln w="12700" cap="flat" cmpd="sng" algn="ctr">
+          <a:solidFill>
+            <a:schemeClr val="dk2">
+              <a:shade val="80000"/>
+              <a:hueOff val="0"/>
+              <a:satOff val="0"/>
+              <a:lumOff val="0"/>
+              <a:alphaOff val="0"/>
+            </a:schemeClr>
+          </a:solidFill>
+          <a:prstDash val="solid"/>
+          <a:miter lim="800000"/>
+        </a:ln>
+        <a:effectLst/>
+      </dsp:spPr>
+      <dsp:style>
+        <a:lnRef idx="2">
+          <a:scrgbClr r="0" g="0" b="0"/>
+        </a:lnRef>
+        <a:fillRef idx="1">
+          <a:scrgbClr r="0" g="0" b="0"/>
+        </a:fillRef>
+        <a:effectRef idx="0">
+          <a:scrgbClr r="0" g="0" b="0"/>
+        </a:effectRef>
+        <a:fontRef idx="minor">
+          <a:schemeClr val="lt1"/>
+        </a:fontRef>
+      </dsp:style>
+      <dsp:txBody>
+        <a:bodyPr spcFirstLastPara="0" vert="horz" wrap="square" lIns="5715" tIns="5715" rIns="5715" bIns="5715" numCol="1" spcCol="1270" anchor="ctr" anchorCtr="0">
+          <a:noAutofit/>
+        </a:bodyPr>
+        <a:lstStyle/>
+        <a:p>
+          <a:pPr marL="0" lvl="0" indent="0" algn="ctr" defTabSz="400050">
+            <a:lnSpc>
+              <a:spcPct val="90000"/>
+            </a:lnSpc>
+            <a:spcBef>
+              <a:spcPct val="0"/>
+            </a:spcBef>
+            <a:spcAft>
+              <a:spcPct val="35000"/>
+            </a:spcAft>
+            <a:buNone/>
+          </a:pPr>
+          <a:r>
+            <a:rPr lang="en-US" sz="900" b="1" kern="1200" dirty="0" err="1"/>
+            <a:t>CurrentProject</a:t>
+          </a:r>
+          <a:endParaRPr lang="en-US" sz="900" b="1" kern="1200" dirty="0"/>
+        </a:p>
+        <a:p>
+          <a:pPr marL="0" lvl="0" indent="0" algn="ctr" defTabSz="400050">
+            <a:lnSpc>
+              <a:spcPct val="90000"/>
+            </a:lnSpc>
+            <a:spcBef>
+              <a:spcPct val="0"/>
+            </a:spcBef>
+            <a:spcAft>
+              <a:spcPct val="35000"/>
+            </a:spcAft>
+            <a:buNone/>
+          </a:pPr>
+          <a:r>
+            <a:rPr lang="en-US" sz="900" b="1" kern="1200" dirty="0" err="1"/>
+            <a:t>ArumeCore.Project</a:t>
+          </a:r>
+          <a:endParaRPr lang="en-US" sz="900" b="1" kern="1200" dirty="0"/>
+        </a:p>
+        <a:p>
+          <a:pPr marL="0" lvl="0" indent="0" algn="ctr" defTabSz="400050">
+            <a:lnSpc>
+              <a:spcPct val="90000"/>
+            </a:lnSpc>
+            <a:spcBef>
+              <a:spcPct val="0"/>
+            </a:spcBef>
+            <a:spcAft>
+              <a:spcPct val="35000"/>
+            </a:spcAft>
+            <a:buNone/>
+          </a:pPr>
+          <a:endParaRPr lang="en-US" sz="900" kern="1200" dirty="0"/>
+        </a:p>
+        <a:p>
+          <a:pPr marL="0" lvl="0" indent="0" algn="ctr" defTabSz="400050">
+            <a:lnSpc>
+              <a:spcPct val="90000"/>
+            </a:lnSpc>
+            <a:spcBef>
+              <a:spcPct val="0"/>
+            </a:spcBef>
+            <a:spcAft>
+              <a:spcPct val="35000"/>
+            </a:spcAft>
+            <a:buNone/>
+          </a:pPr>
+          <a:r>
+            <a:rPr lang="en-US" sz="900" kern="1200" dirty="0"/>
+            <a:t>A project is a collection of sessions plus some additional information and configurations</a:t>
+          </a:r>
+        </a:p>
+      </dsp:txBody>
+      <dsp:txXfrm>
+        <a:off x="2181177" y="2551948"/>
+        <a:ext cx="1646331" cy="1106909"/>
+      </dsp:txXfrm>
+    </dsp:sp>
+    <dsp:sp modelId="{A0025A9E-891F-40A6-A1CC-FF83459B813A}">
+      <dsp:nvSpPr>
+        <dsp:cNvPr id="0" name=""/>
+        <dsp:cNvSpPr/>
+      </dsp:nvSpPr>
+      <dsp:spPr>
+        <a:xfrm>
+          <a:off x="4240609" y="1746741"/>
+          <a:ext cx="1766093" cy="1226671"/>
+        </a:xfrm>
+        <a:prstGeom prst="roundRect">
+          <a:avLst/>
+        </a:prstGeom>
+        <a:solidFill>
+          <a:schemeClr val="lt1">
+            <a:hueOff val="0"/>
+            <a:satOff val="0"/>
+            <a:lumOff val="0"/>
+            <a:alphaOff val="0"/>
+          </a:schemeClr>
+        </a:solidFill>
+        <a:ln w="12700" cap="flat" cmpd="sng" algn="ctr">
+          <a:solidFill>
+            <a:schemeClr val="dk2">
+              <a:shade val="80000"/>
+              <a:hueOff val="0"/>
+              <a:satOff val="0"/>
+              <a:lumOff val="0"/>
+              <a:alphaOff val="0"/>
+            </a:schemeClr>
+          </a:solidFill>
+          <a:prstDash val="solid"/>
+          <a:miter lim="800000"/>
+        </a:ln>
+        <a:effectLst/>
+      </dsp:spPr>
+      <dsp:style>
+        <a:lnRef idx="2">
+          <a:scrgbClr r="0" g="0" b="0"/>
+        </a:lnRef>
+        <a:fillRef idx="1">
+          <a:scrgbClr r="0" g="0" b="0"/>
+        </a:fillRef>
+        <a:effectRef idx="0">
+          <a:scrgbClr r="0" g="0" b="0"/>
+        </a:effectRef>
+        <a:fontRef idx="minor">
+          <a:schemeClr val="lt1"/>
+        </a:fontRef>
+      </dsp:style>
+      <dsp:txBody>
+        <a:bodyPr spcFirstLastPara="0" vert="horz" wrap="square" lIns="5715" tIns="5715" rIns="5715" bIns="5715" numCol="1" spcCol="1270" anchor="ctr" anchorCtr="0">
+          <a:noAutofit/>
+        </a:bodyPr>
+        <a:lstStyle/>
+        <a:p>
+          <a:pPr marL="0" lvl="0" indent="0" algn="ctr" defTabSz="400050">
+            <a:lnSpc>
+              <a:spcPct val="90000"/>
+            </a:lnSpc>
+            <a:spcBef>
+              <a:spcPct val="0"/>
+            </a:spcBef>
+            <a:spcAft>
+              <a:spcPct val="35000"/>
+            </a:spcAft>
+            <a:buNone/>
+          </a:pPr>
+          <a:r>
+            <a:rPr lang="en-US" sz="900" b="1" kern="1200" dirty="0"/>
+            <a:t>sessions[1]</a:t>
+          </a:r>
+        </a:p>
+        <a:p>
+          <a:pPr marL="0" lvl="0" indent="0" algn="ctr" defTabSz="400050">
+            <a:lnSpc>
+              <a:spcPct val="90000"/>
+            </a:lnSpc>
+            <a:spcBef>
+              <a:spcPct val="0"/>
+            </a:spcBef>
+            <a:spcAft>
+              <a:spcPct val="35000"/>
+            </a:spcAft>
+            <a:buNone/>
+          </a:pPr>
+          <a:r>
+            <a:rPr lang="en-US" sz="900" b="1" kern="1200" dirty="0" err="1"/>
+            <a:t>ArumeCore.Session</a:t>
+          </a:r>
+          <a:endParaRPr lang="en-US" sz="900" b="1" kern="1200" dirty="0"/>
+        </a:p>
+        <a:p>
+          <a:pPr marL="0" lvl="0" indent="0" algn="ctr" defTabSz="400050">
+            <a:lnSpc>
+              <a:spcPct val="90000"/>
+            </a:lnSpc>
+            <a:spcBef>
+              <a:spcPct val="0"/>
+            </a:spcBef>
+            <a:spcAft>
+              <a:spcPct val="35000"/>
+            </a:spcAft>
+            <a:buNone/>
+          </a:pPr>
+          <a:endParaRPr lang="en-US" sz="900" kern="1200" dirty="0"/>
+        </a:p>
+        <a:p>
+          <a:pPr marL="0" lvl="0" indent="0" algn="ctr" defTabSz="400050">
+            <a:lnSpc>
+              <a:spcPct val="90000"/>
+            </a:lnSpc>
+            <a:spcBef>
+              <a:spcPct val="0"/>
+            </a:spcBef>
+            <a:spcAft>
+              <a:spcPct val="35000"/>
+            </a:spcAft>
+            <a:buNone/>
+          </a:pPr>
+          <a:r>
+            <a:rPr lang="en-US" sz="900" kern="1200" dirty="0"/>
+            <a:t>A session encapsulates the running of a experiment on a given subject. Contains all the data recorded.</a:t>
+          </a:r>
+        </a:p>
+      </dsp:txBody>
+      <dsp:txXfrm>
+        <a:off x="4300490" y="1806622"/>
+        <a:ext cx="1646331" cy="1106909"/>
+      </dsp:txXfrm>
+    </dsp:sp>
+    <dsp:sp modelId="{D1689E48-3871-4C90-B266-086DB3427C23}">
+      <dsp:nvSpPr>
+        <dsp:cNvPr id="0" name=""/>
+        <dsp:cNvSpPr/>
+      </dsp:nvSpPr>
+      <dsp:spPr>
+        <a:xfrm>
+          <a:off x="6359921" y="940508"/>
+          <a:ext cx="1766093" cy="1391705"/>
+        </a:xfrm>
+        <a:prstGeom prst="roundRect">
+          <a:avLst/>
+        </a:prstGeom>
+        <a:solidFill>
+          <a:schemeClr val="lt1">
+            <a:hueOff val="0"/>
+            <a:satOff val="0"/>
+            <a:lumOff val="0"/>
+            <a:alphaOff val="0"/>
+          </a:schemeClr>
+        </a:solidFill>
+        <a:ln w="12700" cap="flat" cmpd="sng" algn="ctr">
+          <a:solidFill>
+            <a:schemeClr val="dk2">
+              <a:shade val="80000"/>
+              <a:hueOff val="0"/>
+              <a:satOff val="0"/>
+              <a:lumOff val="0"/>
+              <a:alphaOff val="0"/>
+            </a:schemeClr>
+          </a:solidFill>
+          <a:prstDash val="solid"/>
+          <a:miter lim="800000"/>
+        </a:ln>
+        <a:effectLst/>
+      </dsp:spPr>
+      <dsp:style>
+        <a:lnRef idx="2">
+          <a:scrgbClr r="0" g="0" b="0"/>
+        </a:lnRef>
+        <a:fillRef idx="1">
+          <a:scrgbClr r="0" g="0" b="0"/>
+        </a:fillRef>
+        <a:effectRef idx="0">
+          <a:scrgbClr r="0" g="0" b="0"/>
+        </a:effectRef>
+        <a:fontRef idx="minor">
+          <a:schemeClr val="lt1"/>
+        </a:fontRef>
+      </dsp:style>
+      <dsp:txBody>
+        <a:bodyPr spcFirstLastPara="0" vert="horz" wrap="square" lIns="5715" tIns="5715" rIns="5715" bIns="5715" numCol="1" spcCol="1270" anchor="ctr" anchorCtr="0">
+          <a:noAutofit/>
+        </a:bodyPr>
+        <a:lstStyle/>
+        <a:p>
+          <a:pPr marL="0" lvl="0" indent="0" algn="ctr" defTabSz="400050">
+            <a:lnSpc>
+              <a:spcPct val="90000"/>
+            </a:lnSpc>
+            <a:spcBef>
+              <a:spcPct val="0"/>
+            </a:spcBef>
+            <a:spcAft>
+              <a:spcPct val="35000"/>
+            </a:spcAft>
+            <a:buNone/>
+          </a:pPr>
+          <a:r>
+            <a:rPr lang="en-US" sz="900" b="1" kern="1200" dirty="0" err="1"/>
+            <a:t>experimentDesign</a:t>
+          </a:r>
+          <a:endParaRPr lang="en-US" sz="900" b="1" kern="1200" dirty="0"/>
+        </a:p>
+        <a:p>
+          <a:pPr marL="0" lvl="0" indent="0" algn="ctr" defTabSz="400050">
+            <a:lnSpc>
+              <a:spcPct val="90000"/>
+            </a:lnSpc>
+            <a:spcBef>
+              <a:spcPct val="0"/>
+            </a:spcBef>
+            <a:spcAft>
+              <a:spcPct val="35000"/>
+            </a:spcAft>
+            <a:buNone/>
+          </a:pPr>
+          <a:r>
+            <a:rPr lang="en-US" sz="900" b="1" kern="1200" dirty="0" err="1"/>
+            <a:t>ArumeCore.ExperimentDeisgn</a:t>
+          </a:r>
+          <a:endParaRPr lang="en-US" sz="900" b="1" kern="1200" dirty="0"/>
+        </a:p>
+        <a:p>
+          <a:pPr marL="0" lvl="0" indent="0" algn="ctr" defTabSz="400050">
+            <a:lnSpc>
+              <a:spcPct val="90000"/>
+            </a:lnSpc>
+            <a:spcBef>
+              <a:spcPct val="0"/>
+            </a:spcBef>
+            <a:spcAft>
+              <a:spcPct val="35000"/>
+            </a:spcAft>
+            <a:buNone/>
+          </a:pPr>
+          <a:endParaRPr lang="en-US" sz="900" kern="1200" dirty="0"/>
+        </a:p>
+        <a:p>
+          <a:pPr marL="0" lvl="0" indent="0" algn="ctr" defTabSz="400050">
+            <a:lnSpc>
+              <a:spcPct val="90000"/>
+            </a:lnSpc>
+            <a:spcBef>
+              <a:spcPct val="0"/>
+            </a:spcBef>
+            <a:spcAft>
+              <a:spcPct val="35000"/>
+            </a:spcAft>
+            <a:buNone/>
+          </a:pPr>
+          <a:r>
+            <a:rPr lang="en-US" sz="900" kern="1200" dirty="0"/>
+            <a:t>Logic the experiment associated with the session. Code to run the experiment (trials). And to analyze the data for that particular experiment type.</a:t>
+          </a:r>
+        </a:p>
+      </dsp:txBody>
+      <dsp:txXfrm>
+        <a:off x="6427858" y="1008445"/>
+        <a:ext cx="1630219" cy="1255831"/>
+      </dsp:txXfrm>
+    </dsp:sp>
+    <dsp:sp modelId="{A2E229B5-4D27-418C-8826-1E752D1FAB76}">
+      <dsp:nvSpPr>
+        <dsp:cNvPr id="0" name=""/>
+        <dsp:cNvSpPr/>
+      </dsp:nvSpPr>
+      <dsp:spPr>
+        <a:xfrm>
+          <a:off x="6359921" y="2552975"/>
+          <a:ext cx="1766093" cy="1226671"/>
+        </a:xfrm>
+        <a:prstGeom prst="roundRect">
+          <a:avLst/>
+        </a:prstGeom>
+        <a:solidFill>
+          <a:schemeClr val="lt1">
+            <a:hueOff val="0"/>
+            <a:satOff val="0"/>
+            <a:lumOff val="0"/>
+            <a:alphaOff val="0"/>
+          </a:schemeClr>
+        </a:solidFill>
+        <a:ln w="12700" cap="flat" cmpd="sng" algn="ctr">
+          <a:solidFill>
+            <a:schemeClr val="dk2">
+              <a:shade val="80000"/>
+              <a:hueOff val="0"/>
+              <a:satOff val="0"/>
+              <a:lumOff val="0"/>
+              <a:alphaOff val="0"/>
+            </a:schemeClr>
+          </a:solidFill>
+          <a:prstDash val="solid"/>
+          <a:miter lim="800000"/>
+        </a:ln>
+        <a:effectLst/>
+      </dsp:spPr>
+      <dsp:style>
+        <a:lnRef idx="2">
+          <a:scrgbClr r="0" g="0" b="0"/>
+        </a:lnRef>
+        <a:fillRef idx="1">
+          <a:scrgbClr r="0" g="0" b="0"/>
+        </a:fillRef>
+        <a:effectRef idx="0">
+          <a:scrgbClr r="0" g="0" b="0"/>
+        </a:effectRef>
+        <a:fontRef idx="minor">
+          <a:schemeClr val="lt1"/>
+        </a:fontRef>
+      </dsp:style>
+      <dsp:txBody>
+        <a:bodyPr spcFirstLastPara="0" vert="horz" wrap="square" lIns="5715" tIns="5715" rIns="5715" bIns="5715" numCol="1" spcCol="1270" anchor="ctr" anchorCtr="0">
+          <a:noAutofit/>
+        </a:bodyPr>
+        <a:lstStyle/>
+        <a:p>
+          <a:pPr marL="0" lvl="0" indent="0" algn="ctr" defTabSz="400050">
+            <a:lnSpc>
+              <a:spcPct val="90000"/>
+            </a:lnSpc>
+            <a:spcBef>
+              <a:spcPct val="0"/>
+            </a:spcBef>
+            <a:spcAft>
+              <a:spcPct val="35000"/>
+            </a:spcAft>
+            <a:buNone/>
+          </a:pPr>
+          <a:r>
+            <a:rPr lang="en-US" sz="900" b="1" kern="1200" dirty="0" err="1"/>
+            <a:t>currentRun</a:t>
+          </a:r>
+          <a:endParaRPr lang="en-US" sz="900" b="1" kern="1200" dirty="0"/>
+        </a:p>
+        <a:p>
+          <a:pPr marL="0" lvl="0" indent="0" algn="ctr" defTabSz="400050">
+            <a:lnSpc>
+              <a:spcPct val="90000"/>
+            </a:lnSpc>
+            <a:spcBef>
+              <a:spcPct val="0"/>
+            </a:spcBef>
+            <a:spcAft>
+              <a:spcPct val="35000"/>
+            </a:spcAft>
+            <a:buNone/>
+          </a:pPr>
+          <a:r>
+            <a:rPr lang="en-US" sz="900" b="1" kern="1200" dirty="0" err="1"/>
+            <a:t>ArumeCore.ExperimentDesign</a:t>
+          </a:r>
+          <a:endParaRPr lang="en-US" sz="900" b="1" kern="1200" dirty="0"/>
+        </a:p>
+        <a:p>
+          <a:pPr marL="0" lvl="0" indent="0" algn="ctr" defTabSz="400050">
+            <a:lnSpc>
+              <a:spcPct val="90000"/>
+            </a:lnSpc>
+            <a:spcBef>
+              <a:spcPct val="0"/>
+            </a:spcBef>
+            <a:spcAft>
+              <a:spcPct val="35000"/>
+            </a:spcAft>
+            <a:buNone/>
+          </a:pPr>
+          <a:endParaRPr lang="en-US" sz="900" kern="1200" dirty="0"/>
+        </a:p>
+        <a:p>
+          <a:pPr marL="0" lvl="0" indent="0" algn="ctr" defTabSz="400050">
+            <a:lnSpc>
+              <a:spcPct val="90000"/>
+            </a:lnSpc>
+            <a:spcBef>
+              <a:spcPct val="0"/>
+            </a:spcBef>
+            <a:spcAft>
+              <a:spcPct val="35000"/>
+            </a:spcAft>
+            <a:buNone/>
+          </a:pPr>
+          <a:r>
+            <a:rPr lang="en-US" sz="900" kern="1200" dirty="0"/>
+            <a:t>Data collected during an experiment run. Used to manage the running of a experiment but not for analysis.</a:t>
+          </a:r>
+        </a:p>
+      </dsp:txBody>
+      <dsp:txXfrm>
+        <a:off x="6419802" y="2612856"/>
+        <a:ext cx="1646331" cy="1106909"/>
+      </dsp:txXfrm>
+    </dsp:sp>
+    <dsp:sp modelId="{805298AE-D0DB-4835-993B-D5301CDB3097}">
+      <dsp:nvSpPr>
+        <dsp:cNvPr id="0" name=""/>
+        <dsp:cNvSpPr/>
+      </dsp:nvSpPr>
+      <dsp:spPr>
+        <a:xfrm>
+          <a:off x="4240609" y="3194174"/>
+          <a:ext cx="1766093" cy="276121"/>
+        </a:xfrm>
+        <a:prstGeom prst="roundRect">
+          <a:avLst/>
+        </a:prstGeom>
+        <a:solidFill>
+          <a:schemeClr val="lt1">
+            <a:hueOff val="0"/>
+            <a:satOff val="0"/>
+            <a:lumOff val="0"/>
+            <a:alphaOff val="0"/>
+          </a:schemeClr>
+        </a:solidFill>
+        <a:ln w="12700" cap="flat" cmpd="sng" algn="ctr">
+          <a:solidFill>
+            <a:schemeClr val="dk2">
+              <a:shade val="80000"/>
+              <a:hueOff val="0"/>
+              <a:satOff val="0"/>
+              <a:lumOff val="0"/>
+              <a:alphaOff val="0"/>
+            </a:schemeClr>
+          </a:solidFill>
+          <a:prstDash val="solid"/>
+          <a:miter lim="800000"/>
+        </a:ln>
+        <a:effectLst/>
+      </dsp:spPr>
+      <dsp:style>
+        <a:lnRef idx="2">
+          <a:scrgbClr r="0" g="0" b="0"/>
+        </a:lnRef>
+        <a:fillRef idx="1">
+          <a:scrgbClr r="0" g="0" b="0"/>
+        </a:fillRef>
+        <a:effectRef idx="0">
+          <a:scrgbClr r="0" g="0" b="0"/>
+        </a:effectRef>
+        <a:fontRef idx="minor">
+          <a:schemeClr val="lt1"/>
+        </a:fontRef>
+      </dsp:style>
+      <dsp:txBody>
+        <a:bodyPr spcFirstLastPara="0" vert="horz" wrap="square" lIns="5715" tIns="5715" rIns="5715" bIns="5715" numCol="1" spcCol="1270" anchor="ctr" anchorCtr="0">
+          <a:noAutofit/>
+        </a:bodyPr>
+        <a:lstStyle/>
+        <a:p>
+          <a:pPr marL="0" lvl="0" indent="0" algn="ctr" defTabSz="400050">
+            <a:lnSpc>
+              <a:spcPct val="90000"/>
+            </a:lnSpc>
+            <a:spcBef>
+              <a:spcPct val="0"/>
+            </a:spcBef>
+            <a:spcAft>
+              <a:spcPct val="35000"/>
+            </a:spcAft>
+            <a:buNone/>
+          </a:pPr>
+          <a:r>
+            <a:rPr lang="en-US" sz="900" kern="1200" dirty="0"/>
+            <a:t>sessions[2]</a:t>
+          </a:r>
+        </a:p>
+      </dsp:txBody>
+      <dsp:txXfrm>
+        <a:off x="4254088" y="3207653"/>
+        <a:ext cx="1739135" cy="249163"/>
+      </dsp:txXfrm>
+    </dsp:sp>
+    <dsp:sp modelId="{6931ECA9-9C88-4657-B0A7-A59CE0DA845C}">
+      <dsp:nvSpPr>
+        <dsp:cNvPr id="0" name=""/>
+        <dsp:cNvSpPr/>
+      </dsp:nvSpPr>
+      <dsp:spPr>
+        <a:xfrm>
+          <a:off x="4240609" y="3691058"/>
+          <a:ext cx="1766093" cy="276121"/>
+        </a:xfrm>
+        <a:prstGeom prst="roundRect">
+          <a:avLst/>
+        </a:prstGeom>
+        <a:solidFill>
+          <a:schemeClr val="lt1">
+            <a:hueOff val="0"/>
+            <a:satOff val="0"/>
+            <a:lumOff val="0"/>
+            <a:alphaOff val="0"/>
+          </a:schemeClr>
+        </a:solidFill>
+        <a:ln w="12700" cap="flat" cmpd="sng" algn="ctr">
+          <a:solidFill>
+            <a:schemeClr val="dk2">
+              <a:shade val="80000"/>
+              <a:hueOff val="0"/>
+              <a:satOff val="0"/>
+              <a:lumOff val="0"/>
+              <a:alphaOff val="0"/>
+            </a:schemeClr>
+          </a:solidFill>
+          <a:prstDash val="solid"/>
+          <a:miter lim="800000"/>
+        </a:ln>
+        <a:effectLst/>
+      </dsp:spPr>
+      <dsp:style>
+        <a:lnRef idx="2">
+          <a:scrgbClr r="0" g="0" b="0"/>
+        </a:lnRef>
+        <a:fillRef idx="1">
+          <a:scrgbClr r="0" g="0" b="0"/>
+        </a:fillRef>
+        <a:effectRef idx="0">
+          <a:scrgbClr r="0" g="0" b="0"/>
+        </a:effectRef>
+        <a:fontRef idx="minor">
+          <a:schemeClr val="lt1"/>
+        </a:fontRef>
+      </dsp:style>
+      <dsp:txBody>
+        <a:bodyPr spcFirstLastPara="0" vert="horz" wrap="square" lIns="5715" tIns="5715" rIns="5715" bIns="5715" numCol="1" spcCol="1270" anchor="ctr" anchorCtr="0">
+          <a:noAutofit/>
+        </a:bodyPr>
+        <a:lstStyle/>
+        <a:p>
+          <a:pPr marL="0" lvl="0" indent="0" algn="ctr" defTabSz="400050">
+            <a:lnSpc>
+              <a:spcPct val="90000"/>
+            </a:lnSpc>
+            <a:spcBef>
+              <a:spcPct val="0"/>
+            </a:spcBef>
+            <a:spcAft>
+              <a:spcPct val="35000"/>
+            </a:spcAft>
+            <a:buNone/>
+          </a:pPr>
+          <a:r>
+            <a:rPr lang="en-US" sz="900" kern="1200" dirty="0"/>
+            <a:t>…</a:t>
+          </a:r>
+        </a:p>
+      </dsp:txBody>
+      <dsp:txXfrm>
+        <a:off x="4254088" y="3704537"/>
+        <a:ext cx="1739135" cy="249163"/>
+      </dsp:txXfrm>
+    </dsp:sp>
+    <dsp:sp modelId="{FFBE6D55-EA30-4245-908C-273E35E8BE1B}">
+      <dsp:nvSpPr>
+        <dsp:cNvPr id="0" name=""/>
+        <dsp:cNvSpPr/>
+      </dsp:nvSpPr>
+      <dsp:spPr>
+        <a:xfrm>
+          <a:off x="4240609" y="4187941"/>
+          <a:ext cx="1766093" cy="276121"/>
+        </a:xfrm>
+        <a:prstGeom prst="roundRect">
+          <a:avLst/>
+        </a:prstGeom>
+        <a:solidFill>
+          <a:schemeClr val="lt1">
+            <a:hueOff val="0"/>
+            <a:satOff val="0"/>
+            <a:lumOff val="0"/>
+            <a:alphaOff val="0"/>
+          </a:schemeClr>
+        </a:solidFill>
+        <a:ln w="12700" cap="flat" cmpd="sng" algn="ctr">
+          <a:solidFill>
+            <a:schemeClr val="dk2">
+              <a:shade val="80000"/>
+              <a:hueOff val="0"/>
+              <a:satOff val="0"/>
+              <a:lumOff val="0"/>
+              <a:alphaOff val="0"/>
+            </a:schemeClr>
+          </a:solidFill>
+          <a:prstDash val="solid"/>
+          <a:miter lim="800000"/>
+        </a:ln>
+        <a:effectLst/>
+      </dsp:spPr>
+      <dsp:style>
+        <a:lnRef idx="2">
+          <a:scrgbClr r="0" g="0" b="0"/>
+        </a:lnRef>
+        <a:fillRef idx="1">
+          <a:scrgbClr r="0" g="0" b="0"/>
+        </a:fillRef>
+        <a:effectRef idx="0">
+          <a:scrgbClr r="0" g="0" b="0"/>
+        </a:effectRef>
+        <a:fontRef idx="minor">
+          <a:schemeClr val="lt1"/>
+        </a:fontRef>
+      </dsp:style>
+      <dsp:txBody>
+        <a:bodyPr spcFirstLastPara="0" vert="horz" wrap="square" lIns="5715" tIns="5715" rIns="5715" bIns="5715" numCol="1" spcCol="1270" anchor="ctr" anchorCtr="0">
+          <a:noAutofit/>
+        </a:bodyPr>
+        <a:lstStyle/>
+        <a:p>
+          <a:pPr marL="0" lvl="0" indent="0" algn="ctr" defTabSz="400050">
+            <a:lnSpc>
+              <a:spcPct val="90000"/>
+            </a:lnSpc>
+            <a:spcBef>
+              <a:spcPct val="0"/>
+            </a:spcBef>
+            <a:spcAft>
+              <a:spcPct val="35000"/>
+            </a:spcAft>
+            <a:buNone/>
+          </a:pPr>
+          <a:r>
+            <a:rPr lang="en-US" sz="900" kern="1200" dirty="0"/>
+            <a:t>sessions[n]</a:t>
+          </a:r>
+        </a:p>
+      </dsp:txBody>
+      <dsp:txXfrm>
+        <a:off x="4254088" y="4201420"/>
+        <a:ext cx="1739135" cy="249163"/>
+      </dsp:txXfrm>
+    </dsp:sp>
+    <dsp:sp modelId="{6C983AE2-CA1F-4377-94F0-3E637FD46669}">
+      <dsp:nvSpPr>
+        <dsp:cNvPr id="0" name=""/>
+        <dsp:cNvSpPr/>
+      </dsp:nvSpPr>
+      <dsp:spPr>
+        <a:xfrm>
+          <a:off x="2105402" y="3899746"/>
+          <a:ext cx="1766093" cy="538658"/>
+        </a:xfrm>
+        <a:prstGeom prst="roundRect">
+          <a:avLst/>
+        </a:prstGeom>
+        <a:solidFill>
+          <a:schemeClr val="lt1">
+            <a:hueOff val="0"/>
+            <a:satOff val="0"/>
+            <a:lumOff val="0"/>
+            <a:alphaOff val="0"/>
+          </a:schemeClr>
+        </a:solidFill>
+        <a:ln w="12700" cap="flat" cmpd="sng" algn="ctr">
+          <a:solidFill>
+            <a:schemeClr val="dk2">
+              <a:shade val="80000"/>
+              <a:hueOff val="0"/>
+              <a:satOff val="0"/>
+              <a:lumOff val="0"/>
+              <a:alphaOff val="0"/>
+            </a:schemeClr>
+          </a:solidFill>
+          <a:prstDash val="solid"/>
+          <a:miter lim="800000"/>
+        </a:ln>
+        <a:effectLst/>
+      </dsp:spPr>
+      <dsp:style>
+        <a:lnRef idx="2">
+          <a:scrgbClr r="0" g="0" b="0"/>
+        </a:lnRef>
+        <a:fillRef idx="1">
+          <a:scrgbClr r="0" g="0" b="0"/>
+        </a:fillRef>
+        <a:effectRef idx="0">
+          <a:scrgbClr r="0" g="0" b="0"/>
+        </a:effectRef>
+        <a:fontRef idx="minor">
+          <a:schemeClr val="lt1"/>
+        </a:fontRef>
+      </dsp:style>
+      <dsp:txBody>
+        <a:bodyPr spcFirstLastPara="0" vert="horz" wrap="square" lIns="5715" tIns="5715" rIns="5715" bIns="5715" numCol="1" spcCol="1270" anchor="ctr" anchorCtr="0">
+          <a:noAutofit/>
+        </a:bodyPr>
+        <a:lstStyle/>
+        <a:p>
+          <a:pPr marL="0" lvl="0" indent="0" algn="ctr" defTabSz="400050">
+            <a:lnSpc>
+              <a:spcPct val="90000"/>
+            </a:lnSpc>
+            <a:spcBef>
+              <a:spcPct val="0"/>
+            </a:spcBef>
+            <a:spcAft>
+              <a:spcPct val="35000"/>
+            </a:spcAft>
+            <a:buNone/>
+          </a:pPr>
+          <a:r>
+            <a:rPr lang="en-US" sz="900" b="1" kern="1200" dirty="0" err="1"/>
+            <a:t>gui</a:t>
+          </a:r>
+          <a:endParaRPr lang="en-US" sz="900" b="1" kern="1200" dirty="0"/>
+        </a:p>
+        <a:p>
+          <a:pPr marL="0" lvl="0" indent="0" algn="ctr" defTabSz="400050">
+            <a:lnSpc>
+              <a:spcPct val="90000"/>
+            </a:lnSpc>
+            <a:spcBef>
+              <a:spcPct val="0"/>
+            </a:spcBef>
+            <a:spcAft>
+              <a:spcPct val="35000"/>
+            </a:spcAft>
+            <a:buNone/>
+          </a:pPr>
+          <a:r>
+            <a:rPr lang="en-US" sz="900" b="1" kern="1200" dirty="0" err="1"/>
+            <a:t>ArumeCore.ArumeGui</a:t>
+          </a:r>
+          <a:endParaRPr lang="en-US" sz="900" b="1" kern="1200" dirty="0"/>
+        </a:p>
+      </dsp:txBody>
+      <dsp:txXfrm>
+        <a:off x="2131697" y="3926041"/>
+        <a:ext cx="1713503" cy="486068"/>
+      </dsp:txXfrm>
+    </dsp:sp>
+  </dsp:spTree>
+</dsp:drawing>
+</file>
+
+<file path=ppt/diagrams/layout1.xml><?xml version="1.0" encoding="utf-8"?>
+<dgm:layoutDef xmlns:dgm="http://schemas.openxmlformats.org/drawingml/2006/diagram" xmlns:a="http://schemas.openxmlformats.org/drawingml/2006/main" uniqueId="urn:microsoft.com/office/officeart/2009/3/layout/HorizontalOrganizationChart">
+  <dgm:title val=""/>
+  <dgm:desc val=""/>
+  <dgm:catLst>
+    <dgm:cat type="hierarchy" pri="4300"/>
+  </dgm:catLst>
+  <dgm:sampData>
+    <dgm:dataModel>
+      <dgm:ptLst>
+        <dgm:pt modelId="0" type="doc"/>
+        <dgm:pt modelId="1">
+          <dgm:prSet phldr="1"/>
+        </dgm:pt>
+        <dgm:pt modelId="2" type="asst">
+          <dgm:prSet phldr="1"/>
+        </dgm:pt>
+        <dgm:pt modelId="3">
+          <dgm:prSet phldr="1"/>
+        </dgm:pt>
+        <dgm:pt modelId="4">
+          <dgm:prSet phldr="1"/>
+        </dgm:pt>
+        <dgm:pt modelId="5">
+          <dgm:prSet phldr="1"/>
+        </dgm:pt>
+      </dgm:ptLst>
+      <dgm:cxnLst>
+        <dgm:cxn modelId="5" srcId="0" destId="1" srcOrd="0" destOrd="0"/>
+        <dgm:cxn modelId="6" srcId="1" destId="2" srcOrd="0" destOrd="0"/>
+        <dgm:cxn modelId="7" srcId="1" destId="3" srcOrd="1" destOrd="0"/>
+        <dgm:cxn modelId="8" srcId="1" destId="4" srcOrd="2" destOrd="0"/>
+        <dgm:cxn modelId="9" srcId="1" destId="5" srcOrd="3" destOrd="0"/>
+      </dgm:cxnLst>
+      <dgm:bg/>
+      <dgm:whole/>
+    </dgm:dataModel>
+  </dgm:sampData>
+  <dgm:styleData>
+    <dgm:dataModel>
+      <dgm:ptLst>
+        <dgm:pt modelId="0" type="doc"/>
+        <dgm:pt modelId="1"/>
+        <dgm:pt modelId="12"/>
+        <dgm:pt modelId="13"/>
+      </dgm:ptLst>
+      <dgm:cxnLst>
+        <dgm:cxn modelId="2" srcId="0" destId="1" srcOrd="0" destOrd="0"/>
+        <dgm:cxn modelId="16" srcId="1" destId="12" srcOrd="1" destOrd="0"/>
+        <dgm:cxn modelId="17" srcId="1" destId="13" srcOrd="2" destOrd="0"/>
+      </dgm:cxnLst>
+      <dgm:bg/>
+      <dgm:whole/>
+    </dgm:dataModel>
+  </dgm:styleData>
+  <dgm:clrData>
+    <dgm:dataModel>
+      <dgm:ptLst>
+        <dgm:pt modelId="0" type="doc"/>
+        <dgm:pt modelId="1"/>
+        <dgm:pt modelId="11" type="asst"/>
+        <dgm:pt modelId="12"/>
+        <dgm:pt modelId="13"/>
+        <dgm:pt modelId="14"/>
+      </dgm:ptLst>
+      <dgm:cxnLst>
+        <dgm:cxn modelId="2" srcId="0" destId="1" srcOrd="0" destOrd="0"/>
+        <dgm:cxn modelId="15" srcId="1" destId="11" srcOrd="0" destOrd="0"/>
+        <dgm:cxn modelId="16" srcId="1" destId="12" srcOrd="1" destOrd="0"/>
+        <dgm:cxn modelId="17" srcId="1" destId="13" srcOrd="2" destOrd="0"/>
+        <dgm:cxn modelId="18" srcId="1" destId="14" srcOrd="2" destOrd="0"/>
+      </dgm:cxnLst>
+      <dgm:bg/>
+      <dgm:whole/>
+    </dgm:dataModel>
+  </dgm:clrData>
+  <dgm:layoutNode name="hierChild1">
+    <dgm:varLst>
+      <dgm:orgChart val="1"/>
+      <dgm:chPref val="1"/>
+      <dgm:dir/>
+      <dgm:animOne val="branch"/>
+      <dgm:animLvl val="lvl"/>
+      <dgm:resizeHandles/>
+    </dgm:varLst>
+    <dgm:choose name="Name0">
+      <dgm:if name="Name1" func="var" arg="dir" op="equ" val="norm">
+        <dgm:alg type="hierChild">
+          <dgm:param type="linDir" val="fromT"/>
+          <dgm:param type="chAlign" val="l"/>
+        </dgm:alg>
+      </dgm:if>
+      <dgm:else name="Name2">
+        <dgm:alg type="hierChild">
+          <dgm:param type="linDir" val="fromT"/>
+          <dgm:param type="chAlign" val="r"/>
+        </dgm:alg>
+      </dgm:else>
+    </dgm:choose>
+    <dgm:shape xmlns:r="http://schemas.openxmlformats.org/officeDocument/2006/relationships" r:blip="">
+      <dgm:adjLst/>
+    </dgm:shape>
+    <dgm:presOf/>
+    <dgm:constrLst>
+      <dgm:constr type="w" for="des" forName="rootComposite1" refType="w" fact="10"/>
+      <dgm:constr type="h" for="des" forName="rootComposite1" refType="w" refFor="des" refForName="rootComposite1" fact="0.305"/>
+      <dgm:constr type="w" for="des" forName="rootComposite" refType="w" fact="10"/>
+      <dgm:constr type="h" for="des" forName="rootComposite" refType="w" refFor="des" refForName="rootComposite1" fact="0.305"/>
+      <dgm:constr type="w" for="des" forName="rootComposite3" refType="w" fact="10"/>
+      <dgm:constr type="h" for="des" forName="rootComposite3" refType="w" refFor="des" refForName="rootComposite1" fact="0.305"/>
+      <dgm:constr type="primFontSz" for="des" ptType="node" op="equ"/>
+      <dgm:constr type="sp" for="des" op="equ"/>
+      <dgm:constr type="sp" for="des" forName="hierRoot1" refType="w" refFor="des" refForName="rootComposite1" fact="0.2"/>
+      <dgm:constr type="sp" for="des" forName="hierRoot2" refType="sp" refFor="des" refForName="hierRoot1"/>
+      <dgm:constr type="sp" for="des" forName="hierRoot3" refType="sp" refFor="des" refForName="hierRoot1"/>
+      <dgm:constr type="sibSp" refType="w" refFor="des" refForName="rootComposite1" fact="0.125"/>
+      <dgm:constr type="sibSp" for="des" forName="hierChild2" refType="sibSp"/>
+      <dgm:constr type="sibSp" for="des" forName="hierChild3" refType="sibSp"/>
+      <dgm:constr type="sibSp" for="des" forName="hierChild4" refType="sibSp"/>
+      <dgm:constr type="sibSp" for="des" forName="hierChild5" refType="sibSp"/>
+      <dgm:constr type="sibSp" for="des" forName="hierChild6" refType="sibSp"/>
+      <dgm:constr type="sibSp" for="des" forName="hierChild7" refType="sibSp"/>
+      <dgm:constr type="secSibSp" refType="w" refFor="des" refForName="rootComposite1" fact="0.125"/>
+      <dgm:constr type="secSibSp" for="des" forName="hierChild2" refType="secSibSp"/>
+      <dgm:constr type="secSibSp" for="des" forName="hierChild3" refType="secSibSp"/>
+      <dgm:constr type="secSibSp" for="des" forName="hierChild4" refType="secSibSp"/>
+      <dgm:constr type="secSibSp" for="des" forName="hierChild5" refType="secSibSp"/>
+      <dgm:constr type="secSibSp" for="des" forName="hierChild6" refType="secSibSp"/>
+      <dgm:constr type="secSibSp" for="des" forName="hierChild7" refType="secSibSp"/>
+    </dgm:constrLst>
+    <dgm:ruleLst/>
+    <dgm:forEach name="Name3" axis="ch">
+      <dgm:forEach name="Name4" axis="self" ptType="node">
+        <dgm:layoutNode name="hierRoot1">
+          <dgm:varLst>
+            <dgm:hierBranch val="init"/>
+          </dgm:varLst>
+          <dgm:choose name="Name5">
+            <dgm:if name="Name6" func="var" arg="hierBranch" op="equ" val="l">
+              <dgm:choose name="Name7">
+                <dgm:if name="Name8" func="var" arg="dir" op="equ" val="norm">
+                  <dgm:alg type="hierRoot">
+                    <dgm:param type="hierAlign" val="lT"/>
+                  </dgm:alg>
+                  <dgm:constrLst>
+                    <dgm:constr type="alignOff" val="0.75"/>
+                  </dgm:constrLst>
+                </dgm:if>
+                <dgm:else name="Name9">
+                  <dgm:alg type="hierRoot">
+                    <dgm:param type="hierAlign" val="rT"/>
+                  </dgm:alg>
+                  <dgm:constrLst>
+                    <dgm:constr type="alignOff" val="0.75"/>
+                  </dgm:constrLst>
+                </dgm:else>
+              </dgm:choose>
+            </dgm:if>
+            <dgm:if name="Name10" func="var" arg="hierBranch" op="equ" val="r">
+              <dgm:choose name="Name11">
+                <dgm:if name="Name12" func="var" arg="dir" op="equ" val="norm">
+                  <dgm:alg type="hierRoot">
+                    <dgm:param type="hierAlign" val="lB"/>
+                  </dgm:alg>
+                  <dgm:constrLst>
+                    <dgm:constr type="alignOff" val="0.75"/>
+                  </dgm:constrLst>
+                </dgm:if>
+                <dgm:else name="Name13">
+                  <dgm:alg type="hierRoot">
+                    <dgm:param type="hierAlign" val="rB"/>
+                  </dgm:alg>
+                  <dgm:constrLst>
+                    <dgm:constr type="alignOff" val="0.75"/>
+                  </dgm:constrLst>
+                </dgm:else>
+              </dgm:choose>
+            </dgm:if>
+            <dgm:if name="Name14" func="var" arg="hierBranch" op="equ" val="hang">
+              <dgm:choose name="Name15">
+                <dgm:if name="Name16" func="var" arg="dir" op="equ" val="norm">
+                  <dgm:alg type="hierRoot">
+                    <dgm:param type="hierAlign" val="lCtrCh"/>
+                  </dgm:alg>
+                  <dgm:constrLst>
+                    <dgm:constr type="alignOff" val="0.65"/>
+                  </dgm:constrLst>
+                </dgm:if>
+                <dgm:else name="Name17">
+                  <dgm:alg type="hierRoot">
+                    <dgm:param type="hierAlign" val="rCtrCh"/>
+                  </dgm:alg>
+                  <dgm:constrLst>
+                    <dgm:constr type="alignOff" val="0.65"/>
+                  </dgm:constrLst>
+                </dgm:else>
+              </dgm:choose>
+            </dgm:if>
+            <dgm:else name="Name18">
+              <dgm:choose name="Name19">
+                <dgm:if name="Name20" func="var" arg="dir" op="equ" val="norm">
+                  <dgm:alg type="hierRoot">
+                    <dgm:param type="hierAlign" val="lCtrCh"/>
+                  </dgm:alg>
+                  <dgm:constrLst>
+                    <dgm:constr type="alignOff"/>
+                    <dgm:constr type="bendDist" for="des" ptType="parTrans" refType="sp" fact="0.5"/>
+                  </dgm:constrLst>
+                </dgm:if>
+                <dgm:else name="Name21">
+                  <dgm:alg type="hierRoot">
+                    <dgm:param type="hierAlign" val="rCtrCh"/>
+                  </dgm:alg>
+                  <dgm:constrLst>
+                    <dgm:constr type="alignOff"/>
+                    <dgm:constr type="bendDist" for="des" ptType="parTrans" refType="sp" fact="0.5"/>
+                  </dgm:constrLst>
+                </dgm:else>
+              </dgm:choose>
+            </dgm:else>
+          </dgm:choose>
+          <dgm:shape xmlns:r="http://schemas.openxmlformats.org/officeDocument/2006/relationships" r:blip="">
+            <dgm:adjLst/>
+          </dgm:shape>
+          <dgm:presOf/>
+          <dgm:ruleLst/>
+          <dgm:layoutNode name="rootComposite1">
+            <dgm:alg type="composite"/>
+            <dgm:shape xmlns:r="http://schemas.openxmlformats.org/officeDocument/2006/relationships" r:blip="">
+              <dgm:adjLst/>
+            </dgm:shape>
+            <dgm:presOf axis="self" ptType="node" cnt="1"/>
+            <dgm:choose name="Name22">
+              <dgm:if name="Name23" func="var" arg="hierBranch" op="equ" val="init">
+                <dgm:constrLst>
+                  <dgm:constr type="l" for="ch" forName="rootText1"/>
+                  <dgm:constr type="t" for="ch" forName="rootText1"/>
+                  <dgm:constr type="w" for="ch" forName="rootText1" refType="w"/>
+                  <dgm:constr type="h" for="ch" forName="rootText1" refType="h"/>
+                  <dgm:constr type="l" for="ch" forName="rootConnector1"/>
+                  <dgm:constr type="t" for="ch" forName="rootConnector1"/>
+                  <dgm:constr type="w" for="ch" forName="rootConnector1" refType="w" refFor="ch" refForName="rootText1" fact="0.2"/>
+                  <dgm:constr type="h" for="ch" forName="rootConnector1" refType="h" refFor="ch" refForName="rootText1"/>
+                </dgm:constrLst>
+              </dgm:if>
+              <dgm:if name="Name24" func="var" arg="hierBranch" op="equ" val="l">
+                <dgm:constrLst>
+                  <dgm:constr type="l" for="ch" forName="rootText1"/>
+                  <dgm:constr type="t" for="ch" forName="rootText1"/>
+                  <dgm:constr type="w" for="ch" forName="rootText1" refType="w"/>
+                  <dgm:constr type="h" for="ch" forName="rootText1" refType="h"/>
+                  <dgm:constr type="r" for="ch" forName="rootConnector1" refType="w"/>
+                  <dgm:constr type="t" for="ch" forName="rootConnector1"/>
+                  <dgm:constr type="w" for="ch" forName="rootConnector1" refType="w" refFor="ch" refForName="rootText1" fact="0.2"/>
+                  <dgm:constr type="h" for="ch" forName="rootConnector1" refType="h" refFor="ch" refForName="rootText1"/>
+                </dgm:constrLst>
+              </dgm:if>
+              <dgm:if name="Name25" func="var" arg="hierBranch" op="equ" val="r">
+                <dgm:constrLst>
+                  <dgm:constr type="l" for="ch" forName="rootText1"/>
+                  <dgm:constr type="t" for="ch" forName="rootText1"/>
+                  <dgm:constr type="w" for="ch" forName="rootText1" refType="w"/>
+                  <dgm:constr type="h" for="ch" forName="rootText1" refType="h"/>
+                  <dgm:constr type="l" for="ch" forName="rootConnector1"/>
+                  <dgm:constr type="t" for="ch" forName="rootConnector1"/>
+                  <dgm:constr type="w" for="ch" forName="rootConnector1" refType="w" refFor="ch" refForName="rootText1" fact="0.2"/>
+                  <dgm:constr type="h" for="ch" forName="rootConnector1" refType="h" refFor="ch" refForName="rootText1"/>
+                </dgm:constrLst>
+              </dgm:if>
+              <dgm:else name="Name26">
+                <dgm:constrLst>
+                  <dgm:constr type="l" for="ch" forName="rootText1"/>
+                  <dgm:constr type="t" for="ch" forName="rootText1"/>
+                  <dgm:constr type="w" for="ch" forName="rootText1" refType="w"/>
+                  <dgm:constr type="h" for="ch" forName="rootText1" refType="h"/>
+                  <dgm:constr type="r" for="ch" forName="rootConnector1" refType="w"/>
+                  <dgm:constr type="t" for="ch" forName="rootConnector1"/>
+                  <dgm:constr type="w" for="ch" forName="rootConnector1" refType="w" refFor="ch" refForName="rootText1" fact="0.2"/>
+                  <dgm:constr type="h" for="ch" forName="rootConnector1" refType="h" refFor="ch" refForName="rootText1"/>
+                </dgm:constrLst>
+              </dgm:else>
+            </dgm:choose>
+            <dgm:ruleLst/>
+            <dgm:layoutNode name="rootText1" styleLbl="node0">
+              <dgm:varLst>
+                <dgm:chPref val="3"/>
+              </dgm:varLst>
+              <dgm:alg type="tx"/>
+              <dgm:shape xmlns:r="http://schemas.openxmlformats.org/officeDocument/2006/relationships" type="rect" r:blip="">
+                <dgm:adjLst/>
+              </dgm:shape>
+              <dgm:presOf axis="self" ptType="node" cnt="1"/>
+              <dgm:constrLst>
+                <dgm:constr type="primFontSz" val="65"/>
+                <dgm:constr type="lMarg" refType="primFontSz" fact="0.05"/>
+                <dgm:constr type="rMarg" refType="primFontSz" fact="0.05"/>
+                <dgm:constr type="tMarg" refType="primFontSz" fact="0.05"/>
+                <dgm:constr type="bMarg" refType="primFontSz" fact="0.05"/>
+              </dgm:constrLst>
+              <dgm:ruleLst>
+                <dgm:rule type="primFontSz" val="5" fact="NaN" max="NaN"/>
+              </dgm:ruleLst>
+            </dgm:layoutNode>
+            <dgm:layoutNode name="rootConnector1" moveWith="rootText1">
+              <dgm:alg type="sp"/>
+              <dgm:shape xmlns:r="http://schemas.openxmlformats.org/officeDocument/2006/relationships" type="rect" r:blip="" hideGeom="1">
+                <dgm:adjLst/>
+              </dgm:shape>
+              <dgm:presOf axis="self" ptType="node" cnt="1"/>
+              <dgm:constrLst/>
+              <dgm:ruleLst/>
+            </dgm:layoutNode>
+          </dgm:layoutNode>
+          <dgm:layoutNode name="hierChild2">
+            <dgm:choose name="Name27">
+              <dgm:if name="Name28" func="var" arg="hierBranch" op="equ" val="l">
+                <dgm:choose name="Name29">
+                  <dgm:if name="Name30" func="var" arg="dir" op="equ" val="norm">
+                    <dgm:alg type="hierChild">
+                      <dgm:param type="chAlign" val="t"/>
+                      <dgm:param type="linDir" val="fromL"/>
+                    </dgm:alg>
+                  </dgm:if>
+                  <dgm:else name="Name31">
+                    <dgm:alg type="hierChild">
+                      <dgm:param type="chAlign" val="t"/>
+                      <dgm:param type="linDir" val="fromR"/>
+                    </dgm:alg>
+                  </dgm:else>
+                </dgm:choose>
+              </dgm:if>
+              <dgm:if name="Name32" func="var" arg="hierBranch" op="equ" val="r">
+                <dgm:choose name="Name33">
+                  <dgm:if name="Name34" func="var" arg="dir" op="equ" val="norm">
+                    <dgm:alg type="hierChild">
+                      <dgm:param type="chAlign" val="b"/>
+                      <dgm:param type="linDir" val="fromL"/>
+                    </dgm:alg>
+                  </dgm:if>
+                  <dgm:else name="Name35">
+                    <dgm:alg type="hierChild">
+                      <dgm:param type="chAlign" val="b"/>
+                      <dgm:param type="linDir" val="fromR"/>
+                    </dgm:alg>
+                  </dgm:else>
+                </dgm:choose>
+              </dgm:if>
+              <dgm:if name="Name36" func="var" arg="hierBranch" op="equ" val="hang">
+                <dgm:choose name="Name37">
+                  <dgm:if name="Name38" func="var" arg="dir" op="equ" val="norm">
+                    <dgm:alg type="hierChild">
+                      <dgm:param type="chAlign" val="l"/>
+                      <dgm:param type="linDir" val="fromT"/>
+                      <dgm:param type="secChAlign" val="t"/>
+                      <dgm:param type="secLinDir" val="fromL"/>
+                    </dgm:alg>
+                  </dgm:if>
+                  <dgm:else name="Name39">
+                    <dgm:alg type="hierChild">
+                      <dgm:param type="chAlign" val="r"/>
+                      <dgm:param type="linDir" val="fromT"/>
+                      <dgm:param type="secChAlign" val="t"/>
+                      <dgm:param type="secLinDir" val="fromR"/>
+                    </dgm:alg>
+                  </dgm:else>
+                </dgm:choose>
+              </dgm:if>
+              <dgm:else name="Name40">
+                <dgm:choose name="Name41">
+                  <dgm:if name="Name42" func="var" arg="dir" op="equ" val="norm">
+                    <dgm:alg type="hierChild">
+                      <dgm:param type="linDir" val="fromT"/>
+                      <dgm:param type="chAlign" val="l"/>
+                    </dgm:alg>
+                  </dgm:if>
+                  <dgm:else name="Name43">
+                    <dgm:alg type="hierChild">
+                      <dgm:param type="linDir" val="fromT"/>
+                      <dgm:param type="chAlign" val="r"/>
+                    </dgm:alg>
+                  </dgm:else>
+                </dgm:choose>
+              </dgm:else>
+            </dgm:choose>
+            <dgm:shape xmlns:r="http://schemas.openxmlformats.org/officeDocument/2006/relationships" r:blip="">
+              <dgm:adjLst/>
+            </dgm:shape>
+            <dgm:presOf/>
+            <dgm:constrLst/>
+            <dgm:ruleLst/>
+            <dgm:forEach name="rep2a" axis="ch" ptType="nonAsst">
+              <dgm:forEach name="Name44" axis="precedSib" ptType="parTrans" st="-1" cnt="1">
+                <dgm:choose name="Name45">
+                  <dgm:if name="Name46" func="var" arg="hierBranch" op="equ" val="hang">
+                    <dgm:layoutNode name="Name47">
+                      <dgm:choose name="Name48">
+                        <dgm:if name="Name49" func="var" arg="dir" op="equ" val="norm">
+                          <dgm:alg type="conn">
+                            <dgm:param type="connRout" val="bend"/>
+                            <dgm:param type="dim" val="1D"/>
+                            <dgm:param type="endSty" val="noArr"/>
+                            <dgm:param type="begPts" val="midR"/>
+                            <dgm:param type="endPts" val="bCtr tCtr"/>
+                          </dgm:alg>
+                        </dgm:if>
+                        <dgm:else name="Name50">
+                          <dgm:alg type="conn">
+                            <dgm:param type="connRout" val="bend"/>
+                            <dgm:param type="dim" val="1D"/>
+                            <dgm:param type="endSty" val="noArr"/>
+                            <dgm:param type="begPts" val="midL"/>
+                            <dgm:param type="endPts" val="bCtr tCtr"/>
+                          </dgm:alg>
+                        </dgm:else>
+                      </dgm:choose>
+                      <dgm:shape xmlns:r="http://schemas.openxmlformats.org/officeDocument/2006/relationships" type="conn" r:blip="" zOrderOff="-99999">
+                        <dgm:adjLst/>
+                      </dgm:shape>
+                      <dgm:presOf axis="self"/>
+                      <dgm:constrLst>
+                        <dgm:constr type="begPad"/>
+                        <dgm:constr type="endPad"/>
+                      </dgm:constrLst>
+                      <dgm:ruleLst/>
+                    </dgm:layoutNode>
+                  </dgm:if>
+                  <dgm:if name="Name51" func="var" arg="hierBranch" op="equ" val="l">
+                    <dgm:layoutNode name="Name52">
+                      <dgm:choose name="Name53">
+                        <dgm:if name="Name54" func="var" arg="dir" op="equ" val="norm">
+                          <dgm:alg type="conn">
+                            <dgm:param type="connRout" val="bend"/>
+                            <dgm:param type="dim" val="1D"/>
+                            <dgm:param type="endSty" val="noArr"/>
+                            <dgm:param type="begPts" val="midR"/>
+                            <dgm:param type="endPts" val="tCtr"/>
+                          </dgm:alg>
+                        </dgm:if>
+                        <dgm:else name="Name55">
+                          <dgm:alg type="conn">
+                            <dgm:param type="connRout" val="bend"/>
+                            <dgm:param type="dim" val="1D"/>
+                            <dgm:param type="endSty" val="noArr"/>
+                            <dgm:param type="begPts" val="midL"/>
+                            <dgm:param type="endPts" val="tCtr"/>
+                          </dgm:alg>
+                        </dgm:else>
+                      </dgm:choose>
+                      <dgm:shape xmlns:r="http://schemas.openxmlformats.org/officeDocument/2006/relationships" type="conn" r:blip="" zOrderOff="-99999">
+                        <dgm:adjLst/>
+                      </dgm:shape>
+                      <dgm:presOf axis="self"/>
+                      <dgm:constrLst>
+                        <dgm:constr type="begPad"/>
+                        <dgm:constr type="endPad"/>
+                      </dgm:constrLst>
+                      <dgm:ruleLst/>
+                    </dgm:layoutNode>
+                  </dgm:if>
+                  <dgm:if name="Name56" func="var" arg="hierBranch" op="equ" val="r">
+                    <dgm:layoutNode name="Name57">
+                      <dgm:choose name="Name58">
+                        <dgm:if name="Name59" func="var" arg="dir" op="equ" val="norm">
+                          <dgm:alg type="conn">
+                            <dgm:param type="connRout" val="bend"/>
+                            <dgm:param type="dim" val="1D"/>
+                            <dgm:param type="endSty" val="noArr"/>
+                            <dgm:param type="begPts" val="midR"/>
+                            <dgm:param type="endPts" val="bCtr"/>
+                          </dgm:alg>
+                        </dgm:if>
+                        <dgm:else name="Name60">
+                          <dgm:alg type="conn">
+                            <dgm:param type="connRout" val="bend"/>
+                            <dgm:param type="dim" val="1D"/>
+                            <dgm:param type="endSty" val="noArr"/>
+                            <dgm:param type="begPts" val="midL"/>
+                            <dgm:param type="endPts" val="bCtr"/>
+                          </dgm:alg>
+                        </dgm:else>
+                      </dgm:choose>
+                      <dgm:shape xmlns:r="http://schemas.openxmlformats.org/officeDocument/2006/relationships" type="conn" r:blip="" zOrderOff="-99999">
+                        <dgm:adjLst/>
+                      </dgm:shape>
+                      <dgm:presOf axis="self"/>
+                      <dgm:constrLst>
+                        <dgm:constr type="begPad"/>
+                        <dgm:constr type="endPad"/>
+                      </dgm:constrLst>
+                      <dgm:ruleLst/>
+                    </dgm:layoutNode>
+                  </dgm:if>
+                  <dgm:else name="Name61">
+                    <dgm:choose name="Name62">
+                      <dgm:if name="Name63" func="var" arg="dir" op="equ" val="norm">
+                        <dgm:layoutNode name="Name64">
+                          <dgm:alg type="conn">
+                            <dgm:param type="connRout" val="bend"/>
+                            <dgm:param type="dim" val="1D"/>
+                            <dgm:param type="endSty" val="noArr"/>
+                            <dgm:param type="begPts" val="midR"/>
+                            <dgm:param type="endPts" val="midL"/>
+                            <dgm:param type="bendPt" val="end"/>
+                          </dgm:alg>
+                          <dgm:shape xmlns:r="http://schemas.openxmlformats.org/officeDocument/2006/relationships" type="conn" r:blip="" zOrderOff="-99999">
+                            <dgm:adjLst/>
+                          </dgm:shape>
+                          <dgm:presOf axis="self"/>
+                          <dgm:constrLst>
+                            <dgm:constr type="begPad"/>
+                            <dgm:constr type="endPad"/>
+                          </dgm:constrLst>
+                          <dgm:ruleLst/>
+                        </dgm:layoutNode>
+                      </dgm:if>
+                      <dgm:else name="Name65">
+                        <dgm:layoutNode name="Name66">
+                          <dgm:alg type="conn">
+                            <dgm:param type="connRout" val="bend"/>
+                            <dgm:param type="dim" val="1D"/>
+                            <dgm:param type="endSty" val="noArr"/>
+                            <dgm:param type="begPts" val="midL"/>
+                            <dgm:param type="endPts" val="midR"/>
+                            <dgm:param type="bendPt" val="end"/>
+                          </dgm:alg>
+                          <dgm:shape xmlns:r="http://schemas.openxmlformats.org/officeDocument/2006/relationships" type="conn" r:blip="" zOrderOff="-99999">
+                            <dgm:adjLst/>
+                          </dgm:shape>
+                          <dgm:presOf axis="self"/>
+                          <dgm:constrLst>
+                            <dgm:constr type="begPad"/>
+                            <dgm:constr type="endPad"/>
+                          </dgm:constrLst>
+                          <dgm:ruleLst/>
+                        </dgm:layoutNode>
+                      </dgm:else>
+                    </dgm:choose>
+                  </dgm:else>
+                </dgm:choose>
+              </dgm:forEach>
+              <dgm:layoutNode name="hierRoot2">
+                <dgm:varLst>
+                  <dgm:hierBranch val="init"/>
+                </dgm:varLst>
+                <dgm:choose name="Name67">
+                  <dgm:if name="Name68" func="var" arg="hierBranch" op="equ" val="l">
+                    <dgm:choose name="Name69">
+                      <dgm:if name="Name70" func="var" arg="dir" op="equ" val="norm">
+                        <dgm:alg type="hierRoot">
+                          <dgm:param type="hierAlign" val="lT"/>
+                        </dgm:alg>
+                        <dgm:constrLst>
+                          <dgm:constr type="alignOff" val="0.75"/>
+                        </dgm:constrLst>
+                      </dgm:if>
+                      <dgm:else name="Name71">
+                        <dgm:alg type="hierRoot">
+                          <dgm:param type="hierAlign" val="rT"/>
+                        </dgm:alg>
+                        <dgm:constrLst>
+                          <dgm:constr type="alignOff" val="0.75"/>
+                        </dgm:constrLst>
+                      </dgm:else>
+                    </dgm:choose>
+                  </dgm:if>
+                  <dgm:if name="Name72" func="var" arg="hierBranch" op="equ" val="r">
+                    <dgm:choose name="Name73">
+                      <dgm:if name="Name74" func="var" arg="dir" op="equ" val="norm">
+                        <dgm:alg type="hierRoot">
+                          <dgm:param type="hierAlign" val="lB"/>
+                        </dgm:alg>
+                        <dgm:constrLst>
+                          <dgm:constr type="alignOff" val="0.75"/>
+                        </dgm:constrLst>
+                      </dgm:if>
+                      <dgm:else name="Name75">
+                        <dgm:alg type="hierRoot">
+                          <dgm:param type="hierAlign" val="rB"/>
+                        </dgm:alg>
+                        <dgm:constrLst>
+                          <dgm:constr type="alignOff" val="0.75"/>
+                        </dgm:constrLst>
+                      </dgm:else>
+                    </dgm:choose>
+                  </dgm:if>
+                  <dgm:if name="Name76" func="var" arg="hierBranch" op="equ" val="hang">
+                    <dgm:choose name="Name77">
+                      <dgm:if name="Name78" func="var" arg="dir" op="equ" val="norm">
+                        <dgm:alg type="hierRoot">
+                          <dgm:param type="hierAlign" val="lCtrCh"/>
+                        </dgm:alg>
+                        <dgm:constrLst>
+                          <dgm:constr type="alignOff" val="0.65"/>
+                        </dgm:constrLst>
+                      </dgm:if>
+                      <dgm:else name="Name79">
+                        <dgm:alg type="hierRoot">
+                          <dgm:param type="hierAlign" val="rCtrCh"/>
+                        </dgm:alg>
+                        <dgm:constrLst>
+                          <dgm:constr type="alignOff" val="0.65"/>
+                        </dgm:constrLst>
+                      </dgm:else>
+                    </dgm:choose>
+                  </dgm:if>
+                  <dgm:else name="Name80">
+                    <dgm:choose name="Name81">
+                      <dgm:if name="Name82" func="var" arg="dir" op="equ" val="norm">
+                        <dgm:alg type="hierRoot">
+                          <dgm:param type="hierAlign" val="lCtrCh"/>
+                        </dgm:alg>
+                        <dgm:constrLst>
+                          <dgm:constr type="alignOff"/>
+                          <dgm:constr type="bendDist" for="des" ptType="parTrans" refType="sp" fact="0.5"/>
+                        </dgm:constrLst>
+                      </dgm:if>
+                      <dgm:else name="Name83">
+                        <dgm:alg type="hierRoot">
+                          <dgm:param type="hierAlign" val="rCtrCh"/>
+                        </dgm:alg>
+                        <dgm:constrLst>
+                          <dgm:constr type="alignOff"/>
+                          <dgm:constr type="bendDist" for="des" ptType="parTrans" refType="sp" fact="0.5"/>
+                        </dgm:constrLst>
+                      </dgm:else>
+                    </dgm:choose>
+                  </dgm:else>
+                </dgm:choose>
+                <dgm:shape xmlns:r="http://schemas.openxmlformats.org/officeDocument/2006/relationships" r:blip="">
+                  <dgm:adjLst/>
+                </dgm:shape>
+                <dgm:presOf/>
+                <dgm:ruleLst/>
+                <dgm:layoutNode name="rootComposite">
+                  <dgm:alg type="composite"/>
+                  <dgm:shape xmlns:r="http://schemas.openxmlformats.org/officeDocument/2006/relationships" r:blip="">
+                    <dgm:adjLst/>
+                  </dgm:shape>
+                  <dgm:presOf axis="self" ptType="node" cnt="1"/>
+                  <dgm:choose name="Name84">
+                    <dgm:if name="Name85" func="var" arg="hierBranch" op="equ" val="init">
+                      <dgm:constrLst>
+                        <dgm:constr type="l" for="ch" forName="rootText"/>
+                        <dgm:constr type="t" for="ch" forName="rootText"/>
+                        <dgm:constr type="w" for="ch" forName="rootText" refType="w"/>
+                        <dgm:constr type="h" for="ch" forName="rootText" refType="h"/>
+                        <dgm:constr type="l" for="ch" forName="rootConnector"/>
+                        <dgm:constr type="t" for="ch" forName="rootConnector"/>
+                        <dgm:constr type="w" for="ch" forName="rootConnector" refType="w" refFor="ch" refForName="rootText" fact="0.2"/>
+                        <dgm:constr type="h" for="ch" forName="rootConnector" refType="h" refFor="ch" refForName="rootText"/>
+                      </dgm:constrLst>
+                    </dgm:if>
+                    <dgm:if name="Name86" func="var" arg="hierBranch" op="equ" val="l">
+                      <dgm:constrLst>
+                        <dgm:constr type="l" for="ch" forName="rootText"/>
+                        <dgm:constr type="t" for="ch" forName="rootText"/>
+                        <dgm:constr type="w" for="ch" forName="rootText" refType="w"/>
+                        <dgm:constr type="h" for="ch" forName="rootText" refType="h"/>
+                        <dgm:constr type="r" for="ch" forName="rootConnector" refType="w"/>
+                        <dgm:constr type="t" for="ch" forName="rootConnector"/>
+                        <dgm:constr type="w" for="ch" forName="rootConnector" refType="w" refFor="ch" refForName="rootText" fact="0.2"/>
+                        <dgm:constr type="h" for="ch" forName="rootConnector" refType="h" refFor="ch" refForName="rootText"/>
+                      </dgm:constrLst>
+                    </dgm:if>
+                    <dgm:if name="Name87" func="var" arg="hierBranch" op="equ" val="r">
+                      <dgm:constrLst>
+                        <dgm:constr type="l" for="ch" forName="rootText"/>
+                        <dgm:constr type="t" for="ch" forName="rootText"/>
+                        <dgm:constr type="w" for="ch" forName="rootText" refType="w"/>
+                        <dgm:constr type="h" for="ch" forName="rootText" refType="h"/>
+                        <dgm:constr type="l" for="ch" forName="rootConnector"/>
+                        <dgm:constr type="t" for="ch" forName="rootConnector"/>
+                        <dgm:constr type="w" for="ch" forName="rootConnector" refType="w" refFor="ch" refForName="rootText" fact="0.2"/>
+                        <dgm:constr type="h" for="ch" forName="rootConnector" refType="h" refFor="ch" refForName="rootText"/>
+                      </dgm:constrLst>
+                    </dgm:if>
+                    <dgm:else name="Name88">
+                      <dgm:constrLst>
+                        <dgm:constr type="l" for="ch" forName="rootText"/>
+                        <dgm:constr type="t" for="ch" forName="rootText"/>
+                        <dgm:constr type="w" for="ch" forName="rootText" refType="w"/>
+                        <dgm:constr type="h" for="ch" forName="rootText" refType="h"/>
+                        <dgm:constr type="r" for="ch" forName="rootConnector" refType="w"/>
+                        <dgm:constr type="t" for="ch" forName="rootConnector"/>
+                        <dgm:constr type="w" for="ch" forName="rootConnector" refType="w" refFor="ch" refForName="rootText" fact="0.2"/>
+                        <dgm:constr type="h" for="ch" forName="rootConnector" refType="h" refFor="ch" refForName="rootText"/>
+                      </dgm:constrLst>
+                    </dgm:else>
+                  </dgm:choose>
+                  <dgm:ruleLst/>
+                  <dgm:layoutNode name="rootText">
+                    <dgm:varLst>
+                      <dgm:chPref val="3"/>
+                    </dgm:varLst>
+                    <dgm:alg type="tx"/>
+                    <dgm:shape xmlns:r="http://schemas.openxmlformats.org/officeDocument/2006/relationships" type="rect" r:blip="">
+                      <dgm:adjLst/>
+                    </dgm:shape>
+                    <dgm:presOf axis="self" ptType="node" cnt="1"/>
+                    <dgm:constrLst>
+                      <dgm:constr type="primFontSz" val="65"/>
+                      <dgm:constr type="lMarg" refType="primFontSz" fact="0.05"/>
+                      <dgm:constr type="rMarg" refType="primFontSz" fact="0.05"/>
+                      <dgm:constr type="tMarg" refType="primFontSz" fact="0.05"/>
+                      <dgm:constr type="bMarg" refType="primFontSz" fact="0.05"/>
+                    </dgm:constrLst>
+                    <dgm:ruleLst>
+                      <dgm:rule type="primFontSz" val="5" fact="NaN" max="NaN"/>
+                    </dgm:ruleLst>
+                  </dgm:layoutNode>
+                  <dgm:layoutNode name="rootConnector" moveWith="rootText">
+                    <dgm:alg type="sp"/>
+                    <dgm:shape xmlns:r="http://schemas.openxmlformats.org/officeDocument/2006/relationships" type="rect" r:blip="" hideGeom="1">
+                      <dgm:adjLst/>
+                    </dgm:shape>
+                    <dgm:presOf axis="self" ptType="node" cnt="1"/>
+                    <dgm:constrLst/>
+                    <dgm:ruleLst/>
+                  </dgm:layoutNode>
+                </dgm:layoutNode>
+                <dgm:layoutNode name="hierChild4">
+                  <dgm:choose name="Name89">
+                    <dgm:if name="Name90" func="var" arg="hierBranch" op="equ" val="l">
+                      <dgm:choose name="Name91">
+                        <dgm:if name="Name92" func="var" arg="dir" op="equ" val="norm">
+                          <dgm:alg type="hierChild">
+                            <dgm:param type="chAlign" val="t"/>
+                            <dgm:param type="linDir" val="fromL"/>
+                          </dgm:alg>
+                        </dgm:if>
+                        <dgm:else name="Name93">
+                          <dgm:alg type="hierChild">
+                            <dgm:param type="chAlign" val="t"/>
+                            <dgm:param type="linDir" val="fromR"/>
+                          </dgm:alg>
+                        </dgm:else>
+                      </dgm:choose>
+                    </dgm:if>
+                    <dgm:if name="Name94" func="var" arg="hierBranch" op="equ" val="r">
+                      <dgm:choose name="Name95">
+                        <dgm:if name="Name96" func="var" arg="dir" op="equ" val="norm">
+                          <dgm:alg type="hierChild">
+                            <dgm:param type="chAlign" val="b"/>
+                            <dgm:param type="linDir" val="fromL"/>
+                          </dgm:alg>
+                        </dgm:if>
+                        <dgm:else name="Name97">
+                          <dgm:alg type="hierChild">
+                            <dgm:param type="chAlign" val="b"/>
+                            <dgm:param type="linDir" val="fromR"/>
+                          </dgm:alg>
+                        </dgm:else>
+                      </dgm:choose>
+                    </dgm:if>
+                    <dgm:if name="Name98" func="var" arg="hierBranch" op="equ" val="hang">
+                      <dgm:choose name="Name99">
+                        <dgm:if name="Name100" func="var" arg="dir" op="equ" val="norm">
+                          <dgm:alg type="hierChild">
+                            <dgm:param type="chAlign" val="l"/>
+                            <dgm:param type="linDir" val="fromT"/>
+                            <dgm:param type="secChAlign" val="t"/>
+                            <dgm:param type="secLinDir" val="fromL"/>
+                          </dgm:alg>
+                        </dgm:if>
+                        <dgm:else name="Name101">
+                          <dgm:alg type="hierChild">
+                            <dgm:param type="chAlign" val="r"/>
+                            <dgm:param type="linDir" val="fromT"/>
+                            <dgm:param type="secChAlign" val="t"/>
+                            <dgm:param type="secLinDir" val="fromR"/>
+                          </dgm:alg>
+                        </dgm:else>
+                      </dgm:choose>
+                    </dgm:if>
+                    <dgm:else name="Name102">
+                      <dgm:choose name="Name103">
+                        <dgm:if name="Name104" func="var" arg="dir" op="equ" val="norm">
+                          <dgm:alg type="hierChild">
+                            <dgm:param type="linDir" val="fromT"/>
+                            <dgm:param type="chAlign" val="l"/>
+                          </dgm:alg>
+                        </dgm:if>
+                        <dgm:else name="Name105">
+                          <dgm:alg type="hierChild">
+                            <dgm:param type="linDir" val="fromT"/>
+                            <dgm:param type="chAlign" val="r"/>
+                          </dgm:alg>
+                        </dgm:else>
+                      </dgm:choose>
+                    </dgm:else>
+                  </dgm:choose>
+                  <dgm:shape xmlns:r="http://schemas.openxmlformats.org/officeDocument/2006/relationships" r:blip="">
+                    <dgm:adjLst/>
+                  </dgm:shape>
+                  <dgm:presOf/>
+                  <dgm:constrLst/>
+                  <dgm:ruleLst/>
+                  <dgm:forEach name="Name106" ref="rep2a"/>
+                </dgm:layoutNode>
+                <dgm:layoutNode name="hierChild5">
+                  <dgm:choose name="Name107">
+                    <dgm:if name="Name108" func="var" arg="dir" op="equ" val="norm">
+                      <dgm:alg type="hierChild">
+                        <dgm:param type="chAlign" val="l"/>
+                        <dgm:param type="linDir" val="fromT"/>
+                        <dgm:param type="secChAlign" val="t"/>
+                        <dgm:param type="secLinDir" val="fromL"/>
+                      </dgm:alg>
+                    </dgm:if>
+                    <dgm:else name="Name109">
+                      <dgm:alg type="hierChild">
+                        <dgm:param type="chAlign" val="r"/>
+                        <dgm:param type="linDir" val="fromT"/>
+                        <dgm:param type="secChAlign" val="t"/>
+                        <dgm:param type="secLinDir" val="fromR"/>
+                      </dgm:alg>
+                    </dgm:else>
+                  </dgm:choose>
+                  <dgm:shape xmlns:r="http://schemas.openxmlformats.org/officeDocument/2006/relationships" r:blip="">
+                    <dgm:adjLst/>
+                  </dgm:shape>
+                  <dgm:presOf/>
+                  <dgm:constrLst/>
+                  <dgm:ruleLst/>
+                  <dgm:forEach name="Name110" ref="rep2b"/>
+                </dgm:layoutNode>
+              </dgm:layoutNode>
+            </dgm:forEach>
+          </dgm:layoutNode>
+          <dgm:layoutNode name="hierChild3">
+            <dgm:choose name="Name111">
+              <dgm:if name="Name112" func="var" arg="dir" op="equ" val="norm">
+                <dgm:alg type="hierChild">
+                  <dgm:param type="chAlign" val="l"/>
+                  <dgm:param type="linDir" val="fromT"/>
+                  <dgm:param type="secChAlign" val="t"/>
+                  <dgm:param type="secLinDir" val="fromL"/>
+                </dgm:alg>
+              </dgm:if>
+              <dgm:else name="Name113">
+                <dgm:alg type="hierChild">
+                  <dgm:param type="chAlign" val="r"/>
+                  <dgm:param type="linDir" val="fromT"/>
+                  <dgm:param type="secChAlign" val="t"/>
+                  <dgm:param type="secLinDir" val="fromR"/>
+                </dgm:alg>
+              </dgm:else>
+            </dgm:choose>
+            <dgm:shape xmlns:r="http://schemas.openxmlformats.org/officeDocument/2006/relationships" r:blip="">
+              <dgm:adjLst/>
+            </dgm:shape>
+            <dgm:presOf/>
+            <dgm:constrLst/>
+            <dgm:ruleLst/>
+            <dgm:forEach name="rep2b" axis="ch" ptType="asst">
+              <dgm:forEach name="Name114" axis="precedSib" ptType="parTrans" st="-1" cnt="1">
+                <dgm:layoutNode name="Name115">
+                  <dgm:choose name="Name116">
+                    <dgm:if name="Name117" func="var" arg="dir" op="equ" val="norm">
+                      <dgm:alg type="conn">
+                        <dgm:param type="connRout" val="bend"/>
+                        <dgm:param type="dim" val="1D"/>
+                        <dgm:param type="endSty" val="noArr"/>
+                        <dgm:param type="begPts" val="midR"/>
+                        <dgm:param type="endPts" val="bCtr tCtr"/>
+                      </dgm:alg>
+                    </dgm:if>
+                    <dgm:else name="Name118">
+                      <dgm:alg type="conn">
+                        <dgm:param type="connRout" val="bend"/>
+                        <dgm:param type="dim" val="1D"/>
+                        <dgm:param type="endSty" val="noArr"/>
+                        <dgm:param type="begPts" val="midL"/>
+                        <dgm:param type="endPts" val="bCtr tCtr"/>
+                      </dgm:alg>
+                    </dgm:else>
+                  </dgm:choose>
+                  <dgm:shape xmlns:r="http://schemas.openxmlformats.org/officeDocument/2006/relationships" type="conn" r:blip="" zOrderOff="-99999">
+                    <dgm:adjLst/>
+                  </dgm:shape>
+                  <dgm:presOf axis="self"/>
+                  <dgm:constrLst>
+                    <dgm:constr type="begPad"/>
+                    <dgm:constr type="endPad"/>
+                  </dgm:constrLst>
+                  <dgm:ruleLst/>
+                </dgm:layoutNode>
+              </dgm:forEach>
+              <dgm:layoutNode name="hierRoot3">
+                <dgm:varLst>
+                  <dgm:hierBranch val="init"/>
+                </dgm:varLst>
+                <dgm:choose name="Name119">
+                  <dgm:if name="Name120" func="var" arg="hierBranch" op="equ" val="l">
+                    <dgm:choose name="Name121">
+                      <dgm:if name="Name122" func="var" arg="dir" op="equ" val="norm">
+                        <dgm:alg type="hierRoot">
+                          <dgm:param type="hierAlign" val="lT"/>
+                        </dgm:alg>
+                        <dgm:constrLst>
+                          <dgm:constr type="alignOff" val="0.75"/>
+                        </dgm:constrLst>
+                      </dgm:if>
+                      <dgm:else name="Name123">
+                        <dgm:alg type="hierRoot">
+                          <dgm:param type="hierAlign" val="rT"/>
+                        </dgm:alg>
+                        <dgm:constrLst>
+                          <dgm:constr type="alignOff" val="0.75"/>
+                        </dgm:constrLst>
+                      </dgm:else>
+                    </dgm:choose>
+                  </dgm:if>
+                  <dgm:if name="Name124" func="var" arg="hierBranch" op="equ" val="r">
+                    <dgm:choose name="Name125">
+                      <dgm:if name="Name126" func="var" arg="dir" op="equ" val="norm">
+                        <dgm:alg type="hierRoot">
+                          <dgm:param type="hierAlign" val="lB"/>
+                        </dgm:alg>
+                        <dgm:constrLst>
+                          <dgm:constr type="alignOff" val="0.75"/>
+                        </dgm:constrLst>
+                      </dgm:if>
+                      <dgm:else name="Name127">
+                        <dgm:alg type="hierRoot">
+                          <dgm:param type="hierAlign" val="rB"/>
+                        </dgm:alg>
+                        <dgm:constrLst>
+                          <dgm:constr type="alignOff" val="0.75"/>
+                        </dgm:constrLst>
+                      </dgm:else>
+                    </dgm:choose>
+                  </dgm:if>
+                  <dgm:if name="Name128" func="var" arg="hierBranch" op="equ" val="hang">
+                    <dgm:choose name="Name129">
+                      <dgm:if name="Name130" func="var" arg="dir" op="equ" val="norm">
+                        <dgm:alg type="hierRoot">
+                          <dgm:param type="hierAlign" val="lCtrCh"/>
+                        </dgm:alg>
+                        <dgm:constrLst>
+                          <dgm:constr type="alignOff" val="0.65"/>
+                        </dgm:constrLst>
+                      </dgm:if>
+                      <dgm:else name="Name131">
+                        <dgm:alg type="hierRoot">
+                          <dgm:param type="hierAlign" val="rCtrCh"/>
+                        </dgm:alg>
+                        <dgm:constrLst>
+                          <dgm:constr type="alignOff" val="0.65"/>
+                        </dgm:constrLst>
+                      </dgm:else>
+                    </dgm:choose>
+                  </dgm:if>
+                  <dgm:else name="Name132">
+                    <dgm:choose name="Name133">
+                      <dgm:if name="Name134" func="var" arg="dir" op="equ" val="norm">
+                        <dgm:alg type="hierRoot">
+                          <dgm:param type="hierAlign" val="lCtrCh"/>
+                        </dgm:alg>
+                        <dgm:constrLst>
+                          <dgm:constr type="alignOff"/>
+                          <dgm:constr type="bendDist" for="des" ptType="parTrans" refType="sp" fact="0.5"/>
+                        </dgm:constrLst>
+                      </dgm:if>
+                      <dgm:else name="Name135">
+                        <dgm:alg type="hierRoot">
+                          <dgm:param type="hierAlign" val="rCtrCh"/>
+                        </dgm:alg>
+                        <dgm:constrLst>
+                          <dgm:constr type="alignOff"/>
+                          <dgm:constr type="bendDist" for="des" ptType="parTrans" refType="sp" fact="0.5"/>
+                        </dgm:constrLst>
+                      </dgm:else>
+                    </dgm:choose>
+                  </dgm:else>
+                </dgm:choose>
+                <dgm:shape xmlns:r="http://schemas.openxmlformats.org/officeDocument/2006/relationships" r:blip="">
+                  <dgm:adjLst/>
+                </dgm:shape>
+                <dgm:presOf/>
+                <dgm:ruleLst/>
+                <dgm:layoutNode name="rootComposite3">
+                  <dgm:alg type="composite"/>
+                  <dgm:shape xmlns:r="http://schemas.openxmlformats.org/officeDocument/2006/relationships" r:blip="">
+                    <dgm:adjLst/>
+                  </dgm:shape>
+                  <dgm:presOf axis="self" ptType="node" cnt="1"/>
+                  <dgm:choose name="Name136">
+                    <dgm:if name="Name137" func="var" arg="hierBranch" op="equ" val="init">
+                      <dgm:constrLst>
+                        <dgm:constr type="l" for="ch" forName="rootText3"/>
+                        <dgm:constr type="t" for="ch" forName="rootText3"/>
+                        <dgm:constr type="w" for="ch" forName="rootText3" refType="w"/>
+                        <dgm:constr type="h" for="ch" forName="rootText3" refType="h"/>
+                        <dgm:constr type="l" for="ch" forName="rootConnector3"/>
+                        <dgm:constr type="t" for="ch" forName="rootConnector3"/>
+                        <dgm:constr type="w" for="ch" forName="rootConnector3" refType="w" refFor="ch" refForName="rootText3" fact="0.2"/>
+                        <dgm:constr type="h" for="ch" forName="rootConnector3" refType="h" refFor="ch" refForName="rootText3"/>
+                      </dgm:constrLst>
+                    </dgm:if>
+                    <dgm:if name="Name138" func="var" arg="hierBranch" op="equ" val="l">
+                      <dgm:constrLst>
+                        <dgm:constr type="l" for="ch" forName="rootText3"/>
+                        <dgm:constr type="t" for="ch" forName="rootText3"/>
+                        <dgm:constr type="w" for="ch" forName="rootText3" refType="w"/>
+                        <dgm:constr type="h" for="ch" forName="rootText3" refType="h"/>
+                        <dgm:constr type="r" for="ch" forName="rootConnector3" refType="w"/>
+                        <dgm:constr type="t" for="ch" forName="rootConnector3"/>
+                        <dgm:constr type="w" for="ch" forName="rootConnector3" refType="w" refFor="ch" refForName="rootText3" fact="0.2"/>
+                        <dgm:constr type="h" for="ch" forName="rootConnector3" refType="h" refFor="ch" refForName="rootText3"/>
+                      </dgm:constrLst>
+                    </dgm:if>
+                    <dgm:if name="Name139" func="var" arg="hierBranch" op="equ" val="r">
+                      <dgm:constrLst>
+                        <dgm:constr type="l" for="ch" forName="rootText3"/>
+                        <dgm:constr type="t" for="ch" forName="rootText3"/>
+                        <dgm:constr type="w" for="ch" forName="rootText3" refType="w"/>
+                        <dgm:constr type="h" for="ch" forName="rootText3" refType="h"/>
+                        <dgm:constr type="l" for="ch" forName="rootConnector3"/>
+                        <dgm:constr type="t" for="ch" forName="rootConnector3"/>
+                        <dgm:constr type="w" for="ch" forName="rootConnector3" refType="w" refFor="ch" refForName="rootText3" fact="0.2"/>
+                        <dgm:constr type="h" for="ch" forName="rootConnector3" refType="h" refFor="ch" refForName="rootText3"/>
+                      </dgm:constrLst>
+                    </dgm:if>
+                    <dgm:else name="Name140">
+                      <dgm:constrLst>
+                        <dgm:constr type="l" for="ch" forName="rootText3"/>
+                        <dgm:constr type="t" for="ch" forName="rootText3"/>
+                        <dgm:constr type="w" for="ch" forName="rootText3" refType="w"/>
+                        <dgm:constr type="h" for="ch" forName="rootText3" refType="h"/>
+                        <dgm:constr type="r" for="ch" forName="rootConnector3" refType="w"/>
+                        <dgm:constr type="t" for="ch" forName="rootConnector3"/>
+                        <dgm:constr type="w" for="ch" forName="rootConnector3" refType="w" refFor="ch" refForName="rootText3" fact="0.2"/>
+                        <dgm:constr type="h" for="ch" forName="rootConnector3" refType="h" refFor="ch" refForName="rootText3"/>
+                      </dgm:constrLst>
+                    </dgm:else>
+                  </dgm:choose>
+                  <dgm:ruleLst/>
+                  <dgm:layoutNode name="rootText3">
+                    <dgm:varLst>
+                      <dgm:chPref val="3"/>
+                    </dgm:varLst>
+                    <dgm:alg type="tx"/>
+                    <dgm:shape xmlns:r="http://schemas.openxmlformats.org/officeDocument/2006/relationships" type="rect" r:blip="">
+                      <dgm:adjLst/>
+                    </dgm:shape>
+                    <dgm:presOf axis="self" ptType="node" cnt="1"/>
+                    <dgm:constrLst>
+                      <dgm:constr type="primFontSz" val="65"/>
+                      <dgm:constr type="lMarg" refType="primFontSz" fact="0.05"/>
+                      <dgm:constr type="rMarg" refType="primFontSz" fact="0.05"/>
+                      <dgm:constr type="tMarg" refType="primFontSz" fact="0.05"/>
+                      <dgm:constr type="bMarg" refType="primFontSz" fact="0.05"/>
+                    </dgm:constrLst>
+                    <dgm:ruleLst>
+                      <dgm:rule type="primFontSz" val="5" fact="NaN" max="NaN"/>
+                    </dgm:ruleLst>
+                  </dgm:layoutNode>
+                  <dgm:layoutNode name="rootConnector3" moveWith="rootText1">
+                    <dgm:alg type="sp"/>
+                    <dgm:shape xmlns:r="http://schemas.openxmlformats.org/officeDocument/2006/relationships" type="rect" r:blip="" hideGeom="1">
+                      <dgm:adjLst/>
+                    </dgm:shape>
+                    <dgm:presOf axis="self" ptType="node" cnt="1"/>
+                    <dgm:constrLst/>
+                    <dgm:ruleLst/>
+                  </dgm:layoutNode>
+                </dgm:layoutNode>
+                <dgm:layoutNode name="hierChild6">
+                  <dgm:choose name="Name141">
+                    <dgm:if name="Name142" func="var" arg="hierBranch" op="equ" val="l">
+                      <dgm:choose name="Name143">
+                        <dgm:if name="Name144" func="var" arg="dir" op="equ" val="norm">
+                          <dgm:alg type="hierChild">
+                            <dgm:param type="chAlign" val="t"/>
+                            <dgm:param type="linDir" val="fromL"/>
+                          </dgm:alg>
+                        </dgm:if>
+                        <dgm:else name="Name145">
+                          <dgm:alg type="hierChild">
+                            <dgm:param type="chAlign" val="t"/>
+                            <dgm:param type="linDir" val="fromR"/>
+                          </dgm:alg>
+                        </dgm:else>
+                      </dgm:choose>
+                    </dgm:if>
+                    <dgm:if name="Name146" func="var" arg="hierBranch" op="equ" val="r">
+                      <dgm:choose name="Name147">
+                        <dgm:if name="Name148" func="var" arg="dir" op="equ" val="norm">
+                          <dgm:alg type="hierChild">
+                            <dgm:param type="chAlign" val="b"/>
+                            <dgm:param type="linDir" val="fromL"/>
+                          </dgm:alg>
+                        </dgm:if>
+                        <dgm:else name="Name149">
+                          <dgm:alg type="hierChild">
+                            <dgm:param type="chAlign" val="b"/>
+                            <dgm:param type="linDir" val="fromR"/>
+                          </dgm:alg>
+                        </dgm:else>
+                      </dgm:choose>
+                    </dgm:if>
+                    <dgm:if name="Name150" func="var" arg="hierBranch" op="equ" val="hang">
+                      <dgm:choose name="Name151">
+                        <dgm:if name="Name152" func="var" arg="dir" op="equ" val="norm">
+                          <dgm:alg type="hierChild">
+                            <dgm:param type="chAlign" val="l"/>
+                            <dgm:param type="linDir" val="fromT"/>
+                            <dgm:param type="secChAlign" val="t"/>
+                            <dgm:param type="secLinDir" val="fromL"/>
+                          </dgm:alg>
+                        </dgm:if>
+                        <dgm:else name="Name153">
+                          <dgm:alg type="hierChild">
+                            <dgm:param type="chAlign" val="r"/>
+                            <dgm:param type="linDir" val="fromT"/>
+                            <dgm:param type="secChAlign" val="t"/>
+                            <dgm:param type="secLinDir" val="fromR"/>
+                          </dgm:alg>
+                        </dgm:else>
+                      </dgm:choose>
+                    </dgm:if>
+                    <dgm:else name="Name154">
+                      <dgm:choose name="Name155">
+                        <dgm:if name="Name156" func="var" arg="dir" op="equ" val="norm">
+                          <dgm:alg type="hierChild">
+                            <dgm:param type="linDir" val="fromT"/>
+                            <dgm:param type="chAlign" val="l"/>
+                          </dgm:alg>
+                        </dgm:if>
+                        <dgm:else name="Name157">
+                          <dgm:alg type="hierChild">
+                            <dgm:param type="linDir" val="fromT"/>
+                            <dgm:param type="chAlign" val="r"/>
+                          </dgm:alg>
+                        </dgm:else>
+                      </dgm:choose>
+                    </dgm:else>
+                  </dgm:choose>
+                  <dgm:shape xmlns:r="http://schemas.openxmlformats.org/officeDocument/2006/relationships" r:blip="">
+                    <dgm:adjLst/>
+                  </dgm:shape>
+                  <dgm:presOf/>
+                  <dgm:constrLst/>
+                  <dgm:ruleLst/>
+                  <dgm:forEach name="Name158" ref="rep2a"/>
+                </dgm:layoutNode>
+                <dgm:layoutNode name="hierChild7">
+                  <dgm:choose name="Name159">
+                    <dgm:if name="Name160" func="var" arg="dir" op="equ" val="norm">
+                      <dgm:alg type="hierChild">
+                        <dgm:param type="chAlign" val="l"/>
+                        <dgm:param type="linDir" val="fromT"/>
+                        <dgm:param type="secChAlign" val="t"/>
+                        <dgm:param type="secLinDir" val="fromL"/>
+                      </dgm:alg>
+                    </dgm:if>
+                    <dgm:else name="Name161">
+                      <dgm:alg type="hierChild">
+                        <dgm:param type="chAlign" val="r"/>
+                        <dgm:param type="linDir" val="fromT"/>
+                        <dgm:param type="secChAlign" val="t"/>
+                        <dgm:param type="secLinDir" val="fromR"/>
+                      </dgm:alg>
+                    </dgm:else>
+                  </dgm:choose>
+                  <dgm:shape xmlns:r="http://schemas.openxmlformats.org/officeDocument/2006/relationships" r:blip="">
+                    <dgm:adjLst/>
+                  </dgm:shape>
+                  <dgm:presOf/>
+                  <dgm:constrLst/>
+                  <dgm:ruleLst/>
+                  <dgm:forEach name="Name162" ref="rep2b"/>
+                </dgm:layoutNode>
+              </dgm:layoutNode>
+            </dgm:forEach>
+          </dgm:layoutNode>
+        </dgm:layoutNode>
+      </dgm:forEach>
+    </dgm:forEach>
+  </dgm:layoutNode>
+</dgm:layoutDef>
+</file>
+
+<file path=ppt/diagrams/quickStyle1.xml><?xml version="1.0" encoding="utf-8"?>
+<dgm:styleDef xmlns:dgm="http://schemas.openxmlformats.org/drawingml/2006/diagram" xmlns:a="http://schemas.openxmlformats.org/drawingml/2006/main" uniqueId="urn:microsoft.com/office/officeart/2005/8/quickstyle/simple1">
+  <dgm:title val=""/>
+  <dgm:desc val=""/>
+  <dgm:catLst>
+    <dgm:cat type="simple" pri="10100"/>
+  </dgm:catLst>
+  <dgm:scene3d>
+    <a:camera prst="orthographicFront"/>
+    <a:lightRig rig="threePt" dir="t"/>
+  </dgm:scene3d>
+  <dgm:styleLbl name="node0">
+    <dgm:scene3d>
+      <a:camera prst="orthographicFront"/>
+      <a:lightRig rig="threePt" dir="t"/>
+    </dgm:scene3d>
+    <dgm:sp3d/>
+    <dgm:txPr/>
+    <dgm:style>
+      <a:lnRef idx="2">
+        <a:scrgbClr r="0" g="0" b="0"/>
+      </a:lnRef>
+      <a:fillRef idx="1">
+        <a:scrgbClr r="0" g="0" b="0"/>
+      </a:fillRef>
+      <a:effectRef idx="0">
+        <a:scrgbClr r="0" g="0" b="0"/>
+      </a:effectRef>
+      <a:fontRef idx="minor">
+        <a:schemeClr val="lt1"/>
+      </a:fontRef>
+    </dgm:style>
+  </dgm:styleLbl>
+  <dgm:styleLbl name="lnNode1">
+    <dgm:scene3d>
+      <a:camera prst="orthographicFront"/>
+      <a:lightRig rig="threePt" dir="t"/>
+    </dgm:scene3d>
+    <dgm:sp3d/>
+    <dgm:txPr/>
+    <dgm:style>
+      <a:lnRef idx="2">
+        <a:scrgbClr r="0" g="0" b="0"/>
+      </a:lnRef>
+      <a:fillRef idx="1">
+        <a:scrgbClr r="0" g="0" b="0"/>
+      </a:fillRef>
+      <a:effectRef idx="0">
+        <a:scrgbClr r="0" g="0" b="0"/>
+      </a:effectRef>
+      <a:fontRef idx="minor">
+        <a:schemeClr val="lt1"/>
+      </a:fontRef>
+    </dgm:style>
+  </dgm:styleLbl>
+  <dgm:styleLbl name="vennNode1">
+    <dgm:scene3d>
+      <a:camera prst="orthographicFront"/>
+      <a:lightRig rig="threePt" dir="t"/>
+    </dgm:scene3d>
+    <dgm:sp3d/>
+    <dgm:txPr/>
+    <dgm:style>
+      <a:lnRef idx="2">
+        <a:scrgbClr r="0" g="0" b="0"/>
+      </a:lnRef>
+      <a:fillRef idx="1">
+        <a:scrgbClr r="0" g="0" b="0"/>
+      </a:fillRef>
+      <a:effectRef idx="0">
+        <a:scrgbClr r="0" g="0" b="0"/>
+      </a:effectRef>
+      <a:fontRef idx="minor">
+        <a:schemeClr val="tx1"/>
+      </a:fontRef>
+    </dgm:style>
+  </dgm:styleLbl>
+  <dgm:styleLbl name="alignNode1">
+    <dgm:scene3d>
+      <a:camera prst="orthographicFront"/>
+      <a:lightRig rig="threePt" dir="t"/>
+    </dgm:scene3d>
+    <dgm:sp3d/>
+    <dgm:txPr/>
+    <dgm:style>
+      <a:lnRef idx="2">
+        <a:scrgbClr r="0" g="0" b="0"/>
+      </a:lnRef>
+      <a:fillRef idx="1">
+        <a:scrgbClr r="0" g="0" b="0"/>
+      </a:fillRef>
+      <a:effectRef idx="0">
+        <a:scrgbClr r="0" g="0" b="0"/>
+      </a:effectRef>
+      <a:fontRef idx="minor">
+        <a:schemeClr val="lt1"/>
+      </a:fontRef>
+    </dgm:style>
+  </dgm:styleLbl>
+  <dgm:styleLbl name="node1">
+    <dgm:scene3d>
+      <a:camera prst="orthographicFront"/>
+      <a:lightRig rig="threePt" dir="t"/>
+    </dgm:scene3d>
+    <dgm:sp3d/>
+    <dgm:txPr/>
+    <dgm:style>
+      <a:lnRef idx="2">
+        <a:scrgbClr r="0" g="0" b="0"/>
+      </a:lnRef>
+      <a:fillRef idx="1">
+        <a:scrgbClr r="0" g="0" b="0"/>
+      </a:fillRef>
+      <a:effectRef idx="0">
+        <a:scrgbClr r="0" g="0" b="0"/>
+      </a:effectRef>
+      <a:fontRef idx="minor">
+        <a:schemeClr val="lt1"/>
+      </a:fontRef>
+    </dgm:style>
+  </dgm:styleLbl>
+  <dgm:styleLbl name="node2">
+    <dgm:scene3d>
+      <a:camera prst="orthographicFront"/>
+      <a:lightRig rig="threePt" dir="t"/>
+    </dgm:scene3d>
+    <dgm:sp3d/>
+    <dgm:txPr/>
+    <dgm:style>
+      <a:lnRef idx="2">
+        <a:scrgbClr r="0" g="0" b="0"/>
+      </a:lnRef>
+      <a:fillRef idx="1">
+        <a:scrgbClr r="0" g="0" b="0"/>
+      </a:fillRef>
+      <a:effectRef idx="0">
+        <a:scrgbClr r="0" g="0" b="0"/>
+      </a:effectRef>
+      <a:fontRef idx="minor">
+        <a:schemeClr val="lt1"/>
+      </a:fontRef>
+    </dgm:style>
+  </dgm:styleLbl>
+  <dgm:styleLbl name="node3">
+    <dgm:scene3d>
+      <a:camera prst="orthographicFront"/>
+      <a:lightRig rig="threePt" dir="t"/>
+    </dgm:scene3d>
+    <dgm:sp3d/>
+    <dgm:txPr/>
+    <dgm:style>
+      <a:lnRef idx="2">
+        <a:scrgbClr r="0" g="0" b="0"/>
+      </a:lnRef>
+      <a:fillRef idx="1">
+        <a:scrgbClr r="0" g="0" b="0"/>
+      </a:fillRef>
+      <a:effectRef idx="0">
+        <a:scrgbClr r="0" g="0" b="0"/>
+      </a:effectRef>
+      <a:fontRef idx="minor">
+        <a:schemeClr val="lt1"/>
+      </a:fontRef>
+    </dgm:style>
+  </dgm:styleLbl>
+  <dgm:styleLbl name="node4">
+    <dgm:scene3d>
+      <a:camera prst="orthographicFront"/>
+      <a:lightRig rig="threePt" dir="t"/>
+    </dgm:scene3d>
+    <dgm:sp3d/>
+    <dgm:txPr/>
+    <dgm:style>
+      <a:lnRef idx="2">
+        <a:scrgbClr r="0" g="0" b="0"/>
+      </a:lnRef>
+      <a:fillRef idx="1">
+        <a:scrgbClr r="0" g="0" b="0"/>
+      </a:fillRef>
+      <a:effectRef idx="0">
+        <a:scrgbClr r="0" g="0" b="0"/>
+      </a:effectRef>
+      <a:fontRef idx="minor">
+        <a:schemeClr val="lt1"/>
+      </a:fontRef>
+    </dgm:style>
+  </dgm:styleLbl>
+  <dgm:styleLbl name="fgImgPlace1">
+    <dgm:scene3d>
+      <a:camera prst="orthographicFront"/>
+      <a:lightRig rig="threePt" dir="t"/>
+    </dgm:scene3d>
+    <dgm:sp3d/>
+    <dgm:txPr/>
+    <dgm:style>
+      <a:lnRef idx="2">
+        <a:scrgbClr r="0" g="0" b="0"/>
+      </a:lnRef>
+      <a:fillRef idx="1">
+        <a:scrgbClr r="0" g="0" b="0"/>
+      </a:fillRef>
+      <a:effectRef idx="0">
+        <a:scrgbClr r="0" g="0" b="0"/>
+      </a:effectRef>
+      <a:fontRef idx="minor"/>
+    </dgm:style>
+  </dgm:styleLbl>
+  <dgm:styleLbl name="alignImgPlace1">
+    <dgm:scene3d>
+      <a:camera prst="orthographicFront"/>
+      <a:lightRig rig="threePt" dir="t"/>
+    </dgm:scene3d>
+    <dgm:sp3d/>
+    <dgm:txPr/>
+    <dgm:style>
+      <a:lnRef idx="2">
+        <a:scrgbClr r="0" g="0" b="0"/>
+      </a:lnRef>
+      <a:fillRef idx="1">
+        <a:scrgbClr r="0" g="0" b="0"/>
+      </a:fillRef>
+      <a:effectRef idx="0">
+        <a:scrgbClr r="0" g="0" b="0"/>
+      </a:effectRef>
+      <a:fontRef idx="minor"/>
+    </dgm:style>
+  </dgm:styleLbl>
+  <dgm:styleLbl name="bgImgPlace1">
+    <dgm:scene3d>
+      <a:camera prst="orthographicFront"/>
+      <a:lightRig rig="threePt" dir="t"/>
+    </dgm:scene3d>
+    <dgm:sp3d/>
+    <dgm:txPr/>
+    <dgm:style>
+      <a:lnRef idx="2">
+        <a:scrgbClr r="0" g="0" b="0"/>
+      </a:lnRef>
+      <a:fillRef idx="1">
+        <a:scrgbClr r="0" g="0" b="0"/>
+      </a:fillRef>
+      <a:effectRef idx="0">
+        <a:scrgbClr r="0" g="0" b="0"/>
+      </a:effectRef>
+      <a:fontRef idx="minor"/>
+    </dgm:style>
+  </dgm:styleLbl>
+  <dgm:styleLbl name="sibTrans2D1">
+    <dgm:scene3d>
+      <a:camera prst="orthographicFront"/>
+      <a:lightRig rig="threePt" dir="t"/>
+    </dgm:scene3d>
+    <dgm:sp3d/>
+    <dgm:txPr/>
+    <dgm:style>
+      <a:lnRef idx="0">
+        <a:scrgbClr r="0" g="0" b="0"/>
+      </a:lnRef>
+      <a:fillRef idx="1">
+        <a:scrgbClr r="0" g="0" b="0"/>
+      </a:fillRef>
+      <a:effectRef idx="0">
+        <a:scrgbClr r="0" g="0" b="0"/>
+      </a:effectRef>
+      <a:fontRef idx="minor">
+        <a:schemeClr val="lt1"/>
+      </a:fontRef>
+    </dgm:style>
+  </dgm:styleLbl>
+  <dgm:styleLbl name="fgSibTrans2D1">
+    <dgm:scene3d>
+      <a:camera prst="orthographicFront"/>
+      <a:lightRig rig="threePt" dir="t"/>
+    </dgm:scene3d>
+    <dgm:sp3d/>
+    <dgm:txPr/>
+    <dgm:style>
+      <a:lnRef idx="0">
+        <a:scrgbClr r="0" g="0" b="0"/>
+      </a:lnRef>
+      <a:fillRef idx="1">
+        <a:scrgbClr r="0" g="0" b="0"/>
+      </a:fillRef>
+      <a:effectRef idx="0">
+        <a:scrgbClr r="0" g="0" b="0"/>
+      </a:effectRef>
+      <a:fontRef idx="minor">
+        <a:schemeClr val="lt1"/>
+      </a:fontRef>
+    </dgm:style>
+  </dgm:styleLbl>
+  <dgm:styleLbl name="bgSibTrans2D1">
+    <dgm:scene3d>
+      <a:camera prst="orthographicFront"/>
+      <a:lightRig rig="threePt" dir="t"/>
+    </dgm:scene3d>
+    <dgm:sp3d/>
+    <dgm:txPr/>
+    <dgm:style>
+      <a:lnRef idx="0">
+        <a:scrgbClr r="0" g="0" b="0"/>
+      </a:lnRef>
+      <a:fillRef idx="1">
+        <a:scrgbClr r="0" g="0" b="0"/>
+      </a:fillRef>
+      <a:effectRef idx="0">
+        <a:scrgbClr r="0" g="0" b="0"/>
+      </a:effectRef>
+      <a:fontRef idx="minor">
+        <a:schemeClr val="lt1"/>
+      </a:fontRef>
+    </dgm:style>
+  </dgm:styleLbl>
+  <dgm:styleLbl name="sibTrans1D1">
+    <dgm:scene3d>
+      <a:camera prst="orthographicFront"/>
+      <a:lightRig rig="threePt" dir="t"/>
+    </dgm:scene3d>
+    <dgm:sp3d/>
+    <dgm:txPr/>
+    <dgm:style>
+      <a:lnRef idx="1">
+        <a:scrgbClr r="0" g="0" b="0"/>
+      </a:lnRef>
+      <a:fillRef idx="0">
+        <a:scrgbClr r="0" g="0" b="0"/>
+      </a:fillRef>
+      <a:effectRef idx="0">
+        <a:scrgbClr r="0" g="0" b="0"/>
+      </a:effectRef>
+      <a:fontRef idx="minor"/>
+    </dgm:style>
+  </dgm:styleLbl>
+  <dgm:styleLbl name="callout">
+    <dgm:scene3d>
+      <a:camera prst="orthographicFront"/>
+      <a:lightRig rig="threePt" dir="t"/>
+    </dgm:scene3d>
+    <dgm:sp3d/>
+    <dgm:txPr/>
+    <dgm:style>
+      <a:lnRef idx="2">
+        <a:scrgbClr r="0" g="0" b="0"/>
+      </a:lnRef>
+      <a:fillRef idx="1">
+        <a:scrgbClr r="0" g="0" b="0"/>
+      </a:fillRef>
+      <a:effectRef idx="0">
+        <a:scrgbClr r="0" g="0" b="0"/>
+      </a:effectRef>
+      <a:fontRef idx="minor"/>
+    </dgm:style>
+  </dgm:styleLbl>
+  <dgm:styleLbl name="asst0">
+    <dgm:scene3d>
+      <a:camera prst="orthographicFront"/>
+      <a:lightRig rig="threePt" dir="t"/>
+    </dgm:scene3d>
+    <dgm:sp3d/>
+    <dgm:txPr/>
+    <dgm:style>
+      <a:lnRef idx="2">
+        <a:scrgbClr r="0" g="0" b="0"/>
+      </a:lnRef>
+      <a:fillRef idx="1">
+        <a:scrgbClr r="0" g="0" b="0"/>
+      </a:fillRef>
+      <a:effectRef idx="0">
+        <a:scrgbClr r="0" g="0" b="0"/>
+      </a:effectRef>
+      <a:fontRef idx="minor">
+        <a:schemeClr val="lt1"/>
+      </a:fontRef>
+    </dgm:style>
+  </dgm:styleLbl>
+  <dgm:styleLbl name="asst1">
+    <dgm:scene3d>
+      <a:camera prst="orthographicFront"/>
+      <a:lightRig rig="threePt" dir="t"/>
+    </dgm:scene3d>
+    <dgm:sp3d/>
+    <dgm:txPr/>
+    <dgm:style>
+      <a:lnRef idx="2">
+        <a:scrgbClr r="0" g="0" b="0"/>
+      </a:lnRef>
+      <a:fillRef idx="1">
+        <a:scrgbClr r="0" g="0" b="0"/>
+      </a:fillRef>
+      <a:effectRef idx="0">
+        <a:scrgbClr r="0" g="0" b="0"/>
+      </a:effectRef>
+      <a:fontRef idx="minor">
+        <a:schemeClr val="lt1"/>
+      </a:fontRef>
+    </dgm:style>
+  </dgm:styleLbl>
+  <dgm:styleLbl name="asst2">
+    <dgm:scene3d>
+      <a:camera prst="orthographicFront"/>
+      <a:lightRig rig="threePt" dir="t"/>
+    </dgm:scene3d>
+    <dgm:sp3d/>
+    <dgm:txPr/>
+    <dgm:style>
+      <a:lnRef idx="2">
+        <a:scrgbClr r="0" g="0" b="0"/>
+      </a:lnRef>
+      <a:fillRef idx="1">
+        <a:scrgbClr r="0" g="0" b="0"/>
+      </a:fillRef>
+      <a:effectRef idx="0">
+        <a:scrgbClr r="0" g="0" b="0"/>
+      </a:effectRef>
+      <a:fontRef idx="minor">
+        <a:schemeClr val="lt1"/>
+      </a:fontRef>
+    </dgm:style>
+  </dgm:styleLbl>
+  <dgm:styleLbl name="asst3">
+    <dgm:scene3d>
+      <a:camera prst="orthographicFront"/>
+      <a:lightRig rig="threePt" dir="t"/>
+    </dgm:scene3d>
+    <dgm:sp3d/>
+    <dgm:txPr/>
+    <dgm:style>
+      <a:lnRef idx="2">
+        <a:scrgbClr r="0" g="0" b="0"/>
+      </a:lnRef>
+      <a:fillRef idx="1">
+        <a:scrgbClr r="0" g="0" b="0"/>
+      </a:fillRef>
+      <a:effectRef idx="0">
+        <a:scrgbClr r="0" g="0" b="0"/>
+      </a:effectRef>
+      <a:fontRef idx="minor">
+        <a:schemeClr val="lt1"/>
+      </a:fontRef>
+    </dgm:style>
+  </dgm:styleLbl>
+  <dgm:styleLbl name="asst4">
+    <dgm:scene3d>
+      <a:camera prst="orthographicFront"/>
+      <a:lightRig rig="threePt" dir="t"/>
+    </dgm:scene3d>
+    <dgm:sp3d/>
+    <dgm:txPr/>
+    <dgm:style>
+      <a:lnRef idx="2">
+        <a:scrgbClr r="0" g="0" b="0"/>
+      </a:lnRef>
+      <a:fillRef idx="1">
+        <a:scrgbClr r="0" g="0" b="0"/>
+      </a:fillRef>
+      <a:effectRef idx="0">
+        <a:scrgbClr r="0" g="0" b="0"/>
+      </a:effectRef>
+      <a:fontRef idx="minor">
+        <a:schemeClr val="lt1"/>
+      </a:fontRef>
+    </dgm:style>
+  </dgm:styleLbl>
+  <dgm:styleLbl name="parChTrans2D1">
+    <dgm:scene3d>
+      <a:camera prst="orthographicFront"/>
+      <a:lightRig rig="threePt" dir="t"/>
+    </dgm:scene3d>
+    <dgm:sp3d/>
+    <dgm:txPr/>
+    <dgm:style>
+      <a:lnRef idx="2">
+        <a:scrgbClr r="0" g="0" b="0"/>
+      </a:lnRef>
+      <a:fillRef idx="1">
+        <a:scrgbClr r="0" g="0" b="0"/>
+      </a:fillRef>
+      <a:effectRef idx="0">
+        <a:scrgbClr r="0" g="0" b="0"/>
+      </a:effectRef>
+      <a:fontRef idx="minor">
+        <a:schemeClr val="lt1"/>
+      </a:fontRef>
+    </dgm:style>
+  </dgm:styleLbl>
+  <dgm:styleLbl name="parChTrans2D2">
+    <dgm:scene3d>
+      <a:camera prst="orthographicFront"/>
+      <a:lightRig rig="threePt" dir="t"/>
+    </dgm:scene3d>
+    <dgm:sp3d/>
+    <dgm:txPr/>
+    <dgm:style>
+      <a:lnRef idx="2">
+        <a:scrgbClr r="0" g="0" b="0"/>
+      </a:lnRef>
+      <a:fillRef idx="1">
+        <a:scrgbClr r="0" g="0" b="0"/>
+      </a:fillRef>
+      <a:effectRef idx="0">
+        <a:scrgbClr r="0" g="0" b="0"/>
+      </a:effectRef>
+      <a:fontRef idx="minor">
+        <a:schemeClr val="lt1"/>
+      </a:fontRef>
+    </dgm:style>
+  </dgm:styleLbl>
+  <dgm:styleLbl name="parChTrans2D3">
+    <dgm:scene3d>
+      <a:camera prst="orthographicFront"/>
+      <a:lightRig rig="threePt" dir="t"/>
+    </dgm:scene3d>
+    <dgm:sp3d/>
+    <dgm:txPr/>
+    <dgm:style>
+      <a:lnRef idx="2">
+        <a:scrgbClr r="0" g="0" b="0"/>
+      </a:lnRef>
+      <a:fillRef idx="1">
+        <a:scrgbClr r="0" g="0" b="0"/>
+      </a:fillRef>
+      <a:effectRef idx="0">
+        <a:scrgbClr r="0" g="0" b="0"/>
+      </a:effectRef>
+      <a:fontRef idx="minor">
+        <a:schemeClr val="lt1"/>
+      </a:fontRef>
+    </dgm:style>
+  </dgm:styleLbl>
+  <dgm:styleLbl name="parChTrans2D4">
+    <dgm:scene3d>
+      <a:camera prst="orthographicFront"/>
+      <a:lightRig rig="threePt" dir="t"/>
+    </dgm:scene3d>
+    <dgm:sp3d/>
+    <dgm:txPr/>
+    <dgm:style>
+      <a:lnRef idx="2">
+        <a:scrgbClr r="0" g="0" b="0"/>
+      </a:lnRef>
+      <a:fillRef idx="1">
+        <a:scrgbClr r="0" g="0" b="0"/>
+      </a:fillRef>
+      <a:effectRef idx="0">
+        <a:scrgbClr r="0" g="0" b="0"/>
+      </a:effectRef>
+      <a:fontRef idx="minor">
+        <a:schemeClr val="lt1"/>
+      </a:fontRef>
+    </dgm:style>
+  </dgm:styleLbl>
+  <dgm:styleLbl name="parChTrans1D1">
+    <dgm:scene3d>
+      <a:camera prst="orthographicFront"/>
+      <a:lightRig rig="threePt" dir="t"/>
+    </dgm:scene3d>
+    <dgm:sp3d/>
+    <dgm:txPr/>
+    <dgm:style>
+      <a:lnRef idx="2">
+        <a:scrgbClr r="0" g="0" b="0"/>
+      </a:lnRef>
+      <a:fillRef idx="0">
+        <a:scrgbClr r="0" g="0" b="0"/>
+      </a:fillRef>
+      <a:effectRef idx="0">
+        <a:scrgbClr r="0" g="0" b="0"/>
+      </a:effectRef>
+      <a:fontRef idx="minor"/>
+    </dgm:style>
+  </dgm:styleLbl>
+  <dgm:styleLbl name="parChTrans1D2">
+    <dgm:scene3d>
+      <a:camera prst="orthographicFront"/>
+      <a:lightRig rig="threePt" dir="t"/>
+    </dgm:scene3d>
+    <dgm:sp3d/>
+    <dgm:txPr/>
+    <dgm:style>
+      <a:lnRef idx="2">
+        <a:scrgbClr r="0" g="0" b="0"/>
+      </a:lnRef>
+      <a:fillRef idx="0">
+        <a:scrgbClr r="0" g="0" b="0"/>
+      </a:fillRef>
+      <a:effectRef idx="0">
+        <a:scrgbClr r="0" g="0" b="0"/>
+      </a:effectRef>
+      <a:fontRef idx="minor"/>
+    </dgm:style>
+  </dgm:styleLbl>
+  <dgm:styleLbl name="parChTrans1D3">
+    <dgm:scene3d>
+      <a:camera prst="orthographicFront"/>
+      <a:lightRig rig="threePt" dir="t"/>
+    </dgm:scene3d>
+    <dgm:sp3d/>
+    <dgm:txPr/>
+    <dgm:style>
+      <a:lnRef idx="2">
+        <a:scrgbClr r="0" g="0" b="0"/>
+      </a:lnRef>
+      <a:fillRef idx="0">
+        <a:scrgbClr r="0" g="0" b="0"/>
+      </a:fillRef>
+      <a:effectRef idx="0">
+        <a:scrgbClr r="0" g="0" b="0"/>
+      </a:effectRef>
+      <a:fontRef idx="minor"/>
+    </dgm:style>
+  </dgm:styleLbl>
+  <dgm:styleLbl name="parChTrans1D4">
+    <dgm:scene3d>
+      <a:camera prst="orthographicFront"/>
+      <a:lightRig rig="threePt" dir="t"/>
+    </dgm:scene3d>
+    <dgm:sp3d/>
+    <dgm:txPr/>
+    <dgm:style>
+      <a:lnRef idx="2">
+        <a:scrgbClr r="0" g="0" b="0"/>
+      </a:lnRef>
+      <a:fillRef idx="0">
+        <a:scrgbClr r="0" g="0" b="0"/>
+      </a:fillRef>
+      <a:effectRef idx="0">
+        <a:scrgbClr r="0" g="0" b="0"/>
+      </a:effectRef>
+      <a:fontRef idx="minor"/>
+    </dgm:style>
+  </dgm:styleLbl>
+  <dgm:styleLbl name="fgAcc1">
+    <dgm:scene3d>
+      <a:camera prst="orthographicFront"/>
+      <a:lightRig rig="threePt" dir="t"/>
+    </dgm:scene3d>
+    <dgm:sp3d/>
+    <dgm:txPr/>
+    <dgm:style>
+      <a:lnRef idx="2">
+        <a:scrgbClr r="0" g="0" b="0"/>
+      </a:lnRef>
+      <a:fillRef idx="1">
+        <a:scrgbClr r="0" g="0" b="0"/>
+      </a:fillRef>
+      <a:effectRef idx="0">
+        <a:scrgbClr r="0" g="0" b="0"/>
+      </a:effectRef>
+      <a:fontRef idx="minor"/>
+    </dgm:style>
+  </dgm:styleLbl>
+  <dgm:styleLbl name="conFgAcc1">
+    <dgm:scene3d>
+      <a:camera prst="orthographicFront"/>
+      <a:lightRig rig="threePt" dir="t"/>
+    </dgm:scene3d>
+    <dgm:sp3d/>
+    <dgm:txPr/>
+    <dgm:style>
+      <a:lnRef idx="2">
+        <a:scrgbClr r="0" g="0" b="0"/>
+      </a:lnRef>
+      <a:fillRef idx="1">
+        <a:scrgbClr r="0" g="0" b="0"/>
+      </a:fillRef>
+      <a:effectRef idx="0">
+        <a:scrgbClr r="0" g="0" b="0"/>
+      </a:effectRef>
+      <a:fontRef idx="minor"/>
+    </dgm:style>
+  </dgm:styleLbl>
+  <dgm:styleLbl name="alignAcc1">
+    <dgm:scene3d>
+      <a:camera prst="orthographicFront"/>
+      <a:lightRig rig="threePt" dir="t"/>
+    </dgm:scene3d>
+    <dgm:sp3d/>
+    <dgm:txPr/>
+    <dgm:style>
+      <a:lnRef idx="2">
+        <a:scrgbClr r="0" g="0" b="0"/>
+      </a:lnRef>
+      <a:fillRef idx="1">
+        <a:scrgbClr r="0" g="0" b="0"/>
+      </a:fillRef>
+      <a:effectRef idx="0">
+        <a:scrgbClr r="0" g="0" b="0"/>
+      </a:effectRef>
+      <a:fontRef idx="minor"/>
+    </dgm:style>
+  </dgm:styleLbl>
+  <dgm:styleLbl name="trAlignAcc1">
+    <dgm:scene3d>
+      <a:camera prst="orthographicFront"/>
+      <a:lightRig rig="threePt" dir="t"/>
+    </dgm:scene3d>
+    <dgm:sp3d/>
+    <dgm:txPr/>
+    <dgm:style>
+      <a:lnRef idx="1">
+        <a:scrgbClr r="0" g="0" b="0"/>
+      </a:lnRef>
+      <a:fillRef idx="1">
+        <a:scrgbClr r="0" g="0" b="0"/>
+      </a:fillRef>
+      <a:effectRef idx="0">
+        <a:scrgbClr r="0" g="0" b="0"/>
+      </a:effectRef>
+      <a:fontRef idx="minor"/>
+    </dgm:style>
+  </dgm:styleLbl>
+  <dgm:styleLbl name="bgAcc1">
+    <dgm:scene3d>
+      <a:camera prst="orthographicFront"/>
+      <a:lightRig rig="threePt" dir="t"/>
+    </dgm:scene3d>
+    <dgm:sp3d/>
+    <dgm:txPr/>
+    <dgm:style>
+      <a:lnRef idx="2">
+        <a:scrgbClr r="0" g="0" b="0"/>
+      </a:lnRef>
+      <a:fillRef idx="1">
+        <a:scrgbClr r="0" g="0" b="0"/>
+      </a:fillRef>
+      <a:effectRef idx="0">
+        <a:scrgbClr r="0" g="0" b="0"/>
+      </a:effectRef>
+      <a:fontRef idx="minor"/>
+    </dgm:style>
+  </dgm:styleLbl>
+  <dgm:styleLbl name="solidFgAcc1">
+    <dgm:scene3d>
+      <a:camera prst="orthographicFront"/>
+      <a:lightRig rig="threePt" dir="t"/>
+    </dgm:scene3d>
+    <dgm:sp3d/>
+    <dgm:txPr/>
+    <dgm:style>
+      <a:lnRef idx="2">
+        <a:scrgbClr r="0" g="0" b="0"/>
+      </a:lnRef>
+      <a:fillRef idx="1">
+        <a:scrgbClr r="0" g="0" b="0"/>
+      </a:fillRef>
+      <a:effectRef idx="0">
+        <a:scrgbClr r="0" g="0" b="0"/>
+      </a:effectRef>
+      <a:fontRef idx="minor"/>
+    </dgm:style>
+  </dgm:styleLbl>
+  <dgm:styleLbl name="solidAlignAcc1">
+    <dgm:scene3d>
+      <a:camera prst="orthographicFront"/>
+      <a:lightRig rig="threePt" dir="t"/>
+    </dgm:scene3d>
+    <dgm:sp3d/>
+    <dgm:txPr/>
+    <dgm:style>
+      <a:lnRef idx="2">
+        <a:scrgbClr r="0" g="0" b="0"/>
+      </a:lnRef>
+      <a:fillRef idx="1">
+        <a:scrgbClr r="0" g="0" b="0"/>
+      </a:fillRef>
+      <a:effectRef idx="0">
+        <a:scrgbClr r="0" g="0" b="0"/>
+      </a:effectRef>
+      <a:fontRef idx="minor"/>
+    </dgm:style>
+  </dgm:styleLbl>
+  <dgm:styleLbl name="solidBgAcc1">
+    <dgm:scene3d>
+      <a:camera prst="orthographicFront"/>
+      <a:lightRig rig="threePt" dir="t"/>
+    </dgm:scene3d>
+    <dgm:sp3d/>
+    <dgm:txPr/>
+    <dgm:style>
+      <a:lnRef idx="2">
+        <a:scrgbClr r="0" g="0" b="0"/>
+      </a:lnRef>
+      <a:fillRef idx="1">
+        <a:scrgbClr r="0" g="0" b="0"/>
+      </a:fillRef>
+      <a:effectRef idx="0">
+        <a:scrgbClr r="0" g="0" b="0"/>
+      </a:effectRef>
+      <a:fontRef idx="minor"/>
+    </dgm:style>
+  </dgm:styleLbl>
+  <dgm:styleLbl name="fgAccFollowNode1">
+    <dgm:scene3d>
+      <a:camera prst="orthographicFront"/>
+      <a:lightRig rig="threePt" dir="t"/>
+    </dgm:scene3d>
+    <dgm:sp3d/>
+    <dgm:txPr/>
+    <dgm:style>
+      <a:lnRef idx="2">
+        <a:scrgbClr r="0" g="0" b="0"/>
+      </a:lnRef>
+      <a:fillRef idx="1">
+        <a:scrgbClr r="0" g="0" b="0"/>
+      </a:fillRef>
+      <a:effectRef idx="0">
+        <a:scrgbClr r="0" g="0" b="0"/>
+      </a:effectRef>
+      <a:fontRef idx="minor"/>
+    </dgm:style>
+  </dgm:styleLbl>
+  <dgm:styleLbl name="alignAccFollowNode1">
+    <dgm:scene3d>
+      <a:camera prst="orthographicFront"/>
+      <a:lightRig rig="threePt" dir="t"/>
+    </dgm:scene3d>
+    <dgm:sp3d/>
+    <dgm:txPr/>
+    <dgm:style>
+      <a:lnRef idx="2">
+        <a:scrgbClr r="0" g="0" b="0"/>
+      </a:lnRef>
+      <a:fillRef idx="1">
+        <a:scrgbClr r="0" g="0" b="0"/>
+      </a:fillRef>
+      <a:effectRef idx="0">
+        <a:scrgbClr r="0" g="0" b="0"/>
+      </a:effectRef>
+      <a:fontRef idx="minor"/>
+    </dgm:style>
+  </dgm:styleLbl>
+  <dgm:styleLbl name="bgAccFollowNode1">
+    <dgm:scene3d>
+      <a:camera prst="orthographicFront"/>
+      <a:lightRig rig="threePt" dir="t"/>
+    </dgm:scene3d>
+    <dgm:sp3d/>
+    <dgm:txPr/>
+    <dgm:style>
+      <a:lnRef idx="2">
+        <a:scrgbClr r="0" g="0" b="0"/>
+      </a:lnRef>
+      <a:fillRef idx="1">
+        <a:scrgbClr r="0" g="0" b="0"/>
+      </a:fillRef>
+      <a:effectRef idx="0">
+        <a:scrgbClr r="0" g="0" b="0"/>
+      </a:effectRef>
+      <a:fontRef idx="minor"/>
+    </dgm:style>
+  </dgm:styleLbl>
+  <dgm:styleLbl name="fgAcc0">
+    <dgm:scene3d>
+      <a:camera prst="orthographicFront"/>
+      <a:lightRig rig="threePt" dir="t"/>
+    </dgm:scene3d>
+    <dgm:sp3d/>
+    <dgm:txPr/>
+    <dgm:style>
+      <a:lnRef idx="2">
+        <a:scrgbClr r="0" g="0" b="0"/>
+      </a:lnRef>
+      <a:fillRef idx="1">
+        <a:scrgbClr r="0" g="0" b="0"/>
+      </a:fillRef>
+      <a:effectRef idx="0">
+        <a:scrgbClr r="0" g="0" b="0"/>
+      </a:effectRef>
+      <a:fontRef idx="minor"/>
+    </dgm:style>
+  </dgm:styleLbl>
+  <dgm:styleLbl name="fgAcc2">
+    <dgm:scene3d>
+      <a:camera prst="orthographicFront"/>
+      <a:lightRig rig="threePt" dir="t"/>
+    </dgm:scene3d>
+    <dgm:sp3d/>
+    <dgm:txPr/>
+    <dgm:style>
+      <a:lnRef idx="2">
+        <a:scrgbClr r="0" g="0" b="0"/>
+      </a:lnRef>
+      <a:fillRef idx="1">
+        <a:scrgbClr r="0" g="0" b="0"/>
+      </a:fillRef>
+      <a:effectRef idx="0">
+        <a:scrgbClr r="0" g="0" b="0"/>
+      </a:effectRef>
+      <a:fontRef idx="minor"/>
+    </dgm:style>
+  </dgm:styleLbl>
+  <dgm:styleLbl name="fgAcc3">
+    <dgm:scene3d>
+      <a:camera prst="orthographicFront"/>
+      <a:lightRig rig="threePt" dir="t"/>
+    </dgm:scene3d>
+    <dgm:sp3d/>
+    <dgm:txPr/>
+    <dgm:style>
+      <a:lnRef idx="2">
+        <a:scrgbClr r="0" g="0" b="0"/>
+      </a:lnRef>
+      <a:fillRef idx="1">
+        <a:scrgbClr r="0" g="0" b="0"/>
+      </a:fillRef>
+      <a:effectRef idx="0">
+        <a:scrgbClr r="0" g="0" b="0"/>
+      </a:effectRef>
+      <a:fontRef idx="minor"/>
+    </dgm:style>
+  </dgm:styleLbl>
+  <dgm:styleLbl name="fgAcc4">
+    <dgm:scene3d>
+      <a:camera prst="orthographicFront"/>
+      <a:lightRig rig="threePt" dir="t"/>
+    </dgm:scene3d>
+    <dgm:sp3d/>
+    <dgm:txPr/>
+    <dgm:style>
+      <a:lnRef idx="2">
+        <a:scrgbClr r="0" g="0" b="0"/>
+      </a:lnRef>
+      <a:fillRef idx="1">
+        <a:scrgbClr r="0" g="0" b="0"/>
+      </a:fillRef>
+      <a:effectRef idx="0">
+        <a:scrgbClr r="0" g="0" b="0"/>
+      </a:effectRef>
+      <a:fontRef idx="minor"/>
+    </dgm:style>
+  </dgm:styleLbl>
+  <dgm:styleLbl name="bgShp">
+    <dgm:scene3d>
+      <a:camera prst="orthographicFront"/>
+      <a:lightRig rig="threePt" dir="t"/>
+    </dgm:scene3d>
+    <dgm:sp3d/>
+    <dgm:txPr/>
+    <dgm:style>
+      <a:lnRef idx="0">
+        <a:scrgbClr r="0" g="0" b="0"/>
+      </a:lnRef>
+      <a:fillRef idx="1">
+        <a:scrgbClr r="0" g="0" b="0"/>
+      </a:fillRef>
+      <a:effectRef idx="0">
+        <a:scrgbClr r="0" g="0" b="0"/>
+      </a:effectRef>
+      <a:fontRef idx="minor"/>
+    </dgm:style>
+  </dgm:styleLbl>
+  <dgm:styleLbl name="dkBgShp">
+    <dgm:scene3d>
+      <a:camera prst="orthographicFront"/>
+      <a:lightRig rig="threePt" dir="t"/>
+    </dgm:scene3d>
+    <dgm:sp3d/>
+    <dgm:txPr/>
+    <dgm:style>
+      <a:lnRef idx="0">
+        <a:scrgbClr r="0" g="0" b="0"/>
+      </a:lnRef>
+      <a:fillRef idx="1">
+        <a:scrgbClr r="0" g="0" b="0"/>
+      </a:fillRef>
+      <a:effectRef idx="0">
+        <a:scrgbClr r="0" g="0" b="0"/>
+      </a:effectRef>
+      <a:fontRef idx="minor"/>
+    </dgm:style>
+  </dgm:styleLbl>
+  <dgm:styleLbl name="trBgShp">
+    <dgm:scene3d>
+      <a:camera prst="orthographicFront"/>
+      <a:lightRig rig="threePt" dir="t"/>
+    </dgm:scene3d>
+    <dgm:sp3d/>
+    <dgm:txPr/>
+    <dgm:style>
+      <a:lnRef idx="0">
+        <a:scrgbClr r="0" g="0" b="0"/>
+      </a:lnRef>
+      <a:fillRef idx="1">
+        <a:scrgbClr r="0" g="0" b="0"/>
+      </a:fillRef>
+      <a:effectRef idx="0">
+        <a:scrgbClr r="0" g="0" b="0"/>
+      </a:effectRef>
+      <a:fontRef idx="minor"/>
+    </dgm:style>
+  </dgm:styleLbl>
+  <dgm:styleLbl name="fgShp">
+    <dgm:scene3d>
+      <a:camera prst="orthographicFront"/>
+      <a:lightRig rig="threePt" dir="t"/>
+    </dgm:scene3d>
+    <dgm:sp3d/>
+    <dgm:txPr/>
+    <dgm:style>
+      <a:lnRef idx="2">
+        <a:scrgbClr r="0" g="0" b="0"/>
+      </a:lnRef>
+      <a:fillRef idx="1">
+        <a:scrgbClr r="0" g="0" b="0"/>
+      </a:fillRef>
+      <a:effectRef idx="0">
+        <a:scrgbClr r="0" g="0" b="0"/>
+      </a:effectRef>
+      <a:fontRef idx="minor"/>
+    </dgm:style>
+  </dgm:styleLbl>
+  <dgm:styleLbl name="revTx">
+    <dgm:scene3d>
+      <a:camera prst="orthographicFront"/>
+      <a:lightRig rig="threePt" dir="t"/>
+    </dgm:scene3d>
+    <dgm:sp3d/>
+    <dgm:txPr/>
+    <dgm:style>
+      <a:lnRef idx="0">
+        <a:scrgbClr r="0" g="0" b="0"/>
+      </a:lnRef>
+      <a:fillRef idx="0">
+        <a:scrgbClr r="0" g="0" b="0"/>
+      </a:fillRef>
+      <a:effectRef idx="0">
+        <a:scrgbClr r="0" g="0" b="0"/>
+      </a:effectRef>
+      <a:fontRef idx="minor"/>
+    </dgm:style>
+  </dgm:styleLbl>
+</dgm:styleDef>
+</file>
+
 <file path=ppt/slideLayouts/slideLayout1.xml><?xml version="1.0" encoding="utf-8"?>
 <p:sldLayout xmlns:a="http://schemas.openxmlformats.org/drawingml/2006/main" xmlns:r="http://schemas.openxmlformats.org/officeDocument/2006/relationships" xmlns:p="http://schemas.openxmlformats.org/presentationml/2006/main" type="title" preserve="1">
   <p:cSld name="Title Slide">
@@ -166,10 +5595,9 @@
           </a:lstStyle>
           <a:p>
             <a:r>
-              <a:rPr lang="en-US" smtClean="0"/>
+              <a:rPr lang="en-US"/>
               <a:t>Click to edit Master title style</a:t>
             </a:r>
-            <a:endParaRPr lang="en-US"/>
           </a:p>
         </p:txBody>
       </p:sp>
@@ -231,10 +5659,9 @@
           </a:lstStyle>
           <a:p>
             <a:r>
-              <a:rPr lang="en-US" smtClean="0"/>
+              <a:rPr lang="en-US"/>
               <a:t>Click to edit Master subtitle style</a:t>
             </a:r>
-            <a:endParaRPr lang="en-US"/>
           </a:p>
         </p:txBody>
       </p:sp>
@@ -255,7 +5682,7 @@
           <a:p>
             <a:fld id="{53E33EA2-7A44-4EE3-B2C7-B5E0371F59E7}" type="datetimeFigureOut">
               <a:rPr lang="en-US" smtClean="0"/>
-              <a:t>3/4/2015</a:t>
+              <a:t>9/24/2018</a:t>
             </a:fld>
             <a:endParaRPr lang="en-US"/>
           </a:p>
@@ -349,10 +5776,9 @@
           <a:lstStyle/>
           <a:p>
             <a:r>
-              <a:rPr lang="en-US" smtClean="0"/>
+              <a:rPr lang="en-US"/>
               <a:t>Click to edit Master title style</a:t>
             </a:r>
-            <a:endParaRPr lang="en-US"/>
           </a:p>
         </p:txBody>
       </p:sp>
@@ -373,38 +5799,37 @@
           <a:p>
             <a:pPr lvl="0"/>
             <a:r>
-              <a:rPr lang="en-US" smtClean="0"/>
+              <a:rPr lang="en-US"/>
               <a:t>Click to edit Master text styles</a:t>
             </a:r>
           </a:p>
           <a:p>
             <a:pPr lvl="1"/>
             <a:r>
-              <a:rPr lang="en-US" smtClean="0"/>
+              <a:rPr lang="en-US"/>
               <a:t>Second level</a:t>
             </a:r>
           </a:p>
           <a:p>
             <a:pPr lvl="2"/>
             <a:r>
-              <a:rPr lang="en-US" smtClean="0"/>
+              <a:rPr lang="en-US"/>
               <a:t>Third level</a:t>
             </a:r>
           </a:p>
           <a:p>
             <a:pPr lvl="3"/>
             <a:r>
-              <a:rPr lang="en-US" smtClean="0"/>
+              <a:rPr lang="en-US"/>
               <a:t>Fourth level</a:t>
             </a:r>
           </a:p>
           <a:p>
             <a:pPr lvl="4"/>
             <a:r>
-              <a:rPr lang="en-US" smtClean="0"/>
+              <a:rPr lang="en-US"/>
               <a:t>Fifth level</a:t>
             </a:r>
-            <a:endParaRPr lang="en-US"/>
           </a:p>
         </p:txBody>
       </p:sp>
@@ -425,7 +5850,7 @@
           <a:p>
             <a:fld id="{53E33EA2-7A44-4EE3-B2C7-B5E0371F59E7}" type="datetimeFigureOut">
               <a:rPr lang="en-US" smtClean="0"/>
-              <a:t>3/4/2015</a:t>
+              <a:t>9/24/2018</a:t>
             </a:fld>
             <a:endParaRPr lang="en-US"/>
           </a:p>
@@ -524,10 +5949,9 @@
           <a:lstStyle/>
           <a:p>
             <a:r>
-              <a:rPr lang="en-US" smtClean="0"/>
+              <a:rPr lang="en-US"/>
               <a:t>Click to edit Master title style</a:t>
             </a:r>
-            <a:endParaRPr lang="en-US"/>
           </a:p>
         </p:txBody>
       </p:sp>
@@ -553,38 +5977,37 @@
           <a:p>
             <a:pPr lvl="0"/>
             <a:r>
-              <a:rPr lang="en-US" smtClean="0"/>
+              <a:rPr lang="en-US"/>
               <a:t>Click to edit Master text styles</a:t>
             </a:r>
           </a:p>
           <a:p>
             <a:pPr lvl="1"/>
             <a:r>
-              <a:rPr lang="en-US" smtClean="0"/>
+              <a:rPr lang="en-US"/>
               <a:t>Second level</a:t>
             </a:r>
           </a:p>
           <a:p>
             <a:pPr lvl="2"/>
             <a:r>
-              <a:rPr lang="en-US" smtClean="0"/>
+              <a:rPr lang="en-US"/>
               <a:t>Third level</a:t>
             </a:r>
           </a:p>
           <a:p>
             <a:pPr lvl="3"/>
             <a:r>
-              <a:rPr lang="en-US" smtClean="0"/>
+              <a:rPr lang="en-US"/>
               <a:t>Fourth level</a:t>
             </a:r>
           </a:p>
           <a:p>
             <a:pPr lvl="4"/>
             <a:r>
-              <a:rPr lang="en-US" smtClean="0"/>
+              <a:rPr lang="en-US"/>
               <a:t>Fifth level</a:t>
             </a:r>
-            <a:endParaRPr lang="en-US"/>
           </a:p>
         </p:txBody>
       </p:sp>
@@ -605,7 +6028,7 @@
           <a:p>
             <a:fld id="{53E33EA2-7A44-4EE3-B2C7-B5E0371F59E7}" type="datetimeFigureOut">
               <a:rPr lang="en-US" smtClean="0"/>
-              <a:t>3/4/2015</a:t>
+              <a:t>9/24/2018</a:t>
             </a:fld>
             <a:endParaRPr lang="en-US"/>
           </a:p>
@@ -699,10 +6122,9 @@
           <a:lstStyle/>
           <a:p>
             <a:r>
-              <a:rPr lang="en-US" smtClean="0"/>
+              <a:rPr lang="en-US"/>
               <a:t>Click to edit Master title style</a:t>
             </a:r>
-            <a:endParaRPr lang="en-US"/>
           </a:p>
         </p:txBody>
       </p:sp>
@@ -723,38 +6145,37 @@
           <a:p>
             <a:pPr lvl="0"/>
             <a:r>
-              <a:rPr lang="en-US" smtClean="0"/>
+              <a:rPr lang="en-US"/>
               <a:t>Click to edit Master text styles</a:t>
             </a:r>
           </a:p>
           <a:p>
             <a:pPr lvl="1"/>
             <a:r>
-              <a:rPr lang="en-US" smtClean="0"/>
+              <a:rPr lang="en-US"/>
               <a:t>Second level</a:t>
             </a:r>
           </a:p>
           <a:p>
             <a:pPr lvl="2"/>
             <a:r>
-              <a:rPr lang="en-US" smtClean="0"/>
+              <a:rPr lang="en-US"/>
               <a:t>Third level</a:t>
             </a:r>
           </a:p>
           <a:p>
             <a:pPr lvl="3"/>
             <a:r>
-              <a:rPr lang="en-US" smtClean="0"/>
+              <a:rPr lang="en-US"/>
               <a:t>Fourth level</a:t>
             </a:r>
           </a:p>
           <a:p>
             <a:pPr lvl="4"/>
             <a:r>
-              <a:rPr lang="en-US" smtClean="0"/>
+              <a:rPr lang="en-US"/>
               <a:t>Fifth level</a:t>
             </a:r>
-            <a:endParaRPr lang="en-US"/>
           </a:p>
         </p:txBody>
       </p:sp>
@@ -775,7 +6196,7 @@
           <a:p>
             <a:fld id="{53E33EA2-7A44-4EE3-B2C7-B5E0371F59E7}" type="datetimeFigureOut">
               <a:rPr lang="en-US" smtClean="0"/>
-              <a:t>3/4/2015</a:t>
+              <a:t>9/24/2018</a:t>
             </a:fld>
             <a:endParaRPr lang="en-US"/>
           </a:p>
@@ -878,10 +6299,9 @@
           </a:lstStyle>
           <a:p>
             <a:r>
-              <a:rPr lang="en-US" smtClean="0"/>
+              <a:rPr lang="en-US"/>
               <a:t>Click to edit Master title style</a:t>
             </a:r>
-            <a:endParaRPr lang="en-US"/>
           </a:p>
         </p:txBody>
       </p:sp>
@@ -998,7 +6418,7 @@
           <a:p>
             <a:pPr lvl="0"/>
             <a:r>
-              <a:rPr lang="en-US" smtClean="0"/>
+              <a:rPr lang="en-US"/>
               <a:t>Click to edit Master text styles</a:t>
             </a:r>
           </a:p>
@@ -1021,7 +6441,7 @@
           <a:p>
             <a:fld id="{53E33EA2-7A44-4EE3-B2C7-B5E0371F59E7}" type="datetimeFigureOut">
               <a:rPr lang="en-US" smtClean="0"/>
-              <a:t>3/4/2015</a:t>
+              <a:t>9/24/2018</a:t>
             </a:fld>
             <a:endParaRPr lang="en-US"/>
           </a:p>
@@ -1115,10 +6535,9 @@
           <a:lstStyle/>
           <a:p>
             <a:r>
-              <a:rPr lang="en-US" smtClean="0"/>
+              <a:rPr lang="en-US"/>
               <a:t>Click to edit Master title style</a:t>
             </a:r>
-            <a:endParaRPr lang="en-US"/>
           </a:p>
         </p:txBody>
       </p:sp>
@@ -1144,38 +6563,37 @@
           <a:p>
             <a:pPr lvl="0"/>
             <a:r>
-              <a:rPr lang="en-US" smtClean="0"/>
+              <a:rPr lang="en-US"/>
               <a:t>Click to edit Master text styles</a:t>
             </a:r>
           </a:p>
           <a:p>
             <a:pPr lvl="1"/>
             <a:r>
-              <a:rPr lang="en-US" smtClean="0"/>
+              <a:rPr lang="en-US"/>
               <a:t>Second level</a:t>
             </a:r>
           </a:p>
           <a:p>
             <a:pPr lvl="2"/>
             <a:r>
-              <a:rPr lang="en-US" smtClean="0"/>
+              <a:rPr lang="en-US"/>
               <a:t>Third level</a:t>
             </a:r>
           </a:p>
           <a:p>
             <a:pPr lvl="3"/>
             <a:r>
-              <a:rPr lang="en-US" smtClean="0"/>
+              <a:rPr lang="en-US"/>
               <a:t>Fourth level</a:t>
             </a:r>
           </a:p>
           <a:p>
             <a:pPr lvl="4"/>
             <a:r>
-              <a:rPr lang="en-US" smtClean="0"/>
+              <a:rPr lang="en-US"/>
               <a:t>Fifth level</a:t>
             </a:r>
-            <a:endParaRPr lang="en-US"/>
           </a:p>
         </p:txBody>
       </p:sp>
@@ -1201,38 +6619,37 @@
           <a:p>
             <a:pPr lvl="0"/>
             <a:r>
-              <a:rPr lang="en-US" smtClean="0"/>
+              <a:rPr lang="en-US"/>
               <a:t>Click to edit Master text styles</a:t>
             </a:r>
           </a:p>
           <a:p>
             <a:pPr lvl="1"/>
             <a:r>
-              <a:rPr lang="en-US" smtClean="0"/>
+              <a:rPr lang="en-US"/>
               <a:t>Second level</a:t>
             </a:r>
           </a:p>
           <a:p>
             <a:pPr lvl="2"/>
             <a:r>
-              <a:rPr lang="en-US" smtClean="0"/>
+              <a:rPr lang="en-US"/>
               <a:t>Third level</a:t>
             </a:r>
           </a:p>
           <a:p>
             <a:pPr lvl="3"/>
             <a:r>
-              <a:rPr lang="en-US" smtClean="0"/>
+              <a:rPr lang="en-US"/>
               <a:t>Fourth level</a:t>
             </a:r>
           </a:p>
           <a:p>
             <a:pPr lvl="4"/>
             <a:r>
-              <a:rPr lang="en-US" smtClean="0"/>
+              <a:rPr lang="en-US"/>
               <a:t>Fifth level</a:t>
             </a:r>
-            <a:endParaRPr lang="en-US"/>
           </a:p>
         </p:txBody>
       </p:sp>
@@ -1253,7 +6670,7 @@
           <a:p>
             <a:fld id="{53E33EA2-7A44-4EE3-B2C7-B5E0371F59E7}" type="datetimeFigureOut">
               <a:rPr lang="en-US" smtClean="0"/>
-              <a:t>3/4/2015</a:t>
+              <a:t>9/24/2018</a:t>
             </a:fld>
             <a:endParaRPr lang="en-US"/>
           </a:p>
@@ -1352,10 +6769,9 @@
           <a:lstStyle/>
           <a:p>
             <a:r>
-              <a:rPr lang="en-US" smtClean="0"/>
+              <a:rPr lang="en-US"/>
               <a:t>Click to edit Master title style</a:t>
             </a:r>
-            <a:endParaRPr lang="en-US"/>
           </a:p>
         </p:txBody>
       </p:sp>
@@ -1418,7 +6834,7 @@
           <a:p>
             <a:pPr lvl="0"/>
             <a:r>
-              <a:rPr lang="en-US" smtClean="0"/>
+              <a:rPr lang="en-US"/>
               <a:t>Click to edit Master text styles</a:t>
             </a:r>
           </a:p>
@@ -1446,38 +6862,37 @@
           <a:p>
             <a:pPr lvl="0"/>
             <a:r>
-              <a:rPr lang="en-US" smtClean="0"/>
+              <a:rPr lang="en-US"/>
               <a:t>Click to edit Master text styles</a:t>
             </a:r>
           </a:p>
           <a:p>
             <a:pPr lvl="1"/>
             <a:r>
-              <a:rPr lang="en-US" smtClean="0"/>
+              <a:rPr lang="en-US"/>
               <a:t>Second level</a:t>
             </a:r>
           </a:p>
           <a:p>
             <a:pPr lvl="2"/>
             <a:r>
-              <a:rPr lang="en-US" smtClean="0"/>
+              <a:rPr lang="en-US"/>
               <a:t>Third level</a:t>
             </a:r>
           </a:p>
           <a:p>
             <a:pPr lvl="3"/>
             <a:r>
-              <a:rPr lang="en-US" smtClean="0"/>
+              <a:rPr lang="en-US"/>
               <a:t>Fourth level</a:t>
             </a:r>
           </a:p>
           <a:p>
             <a:pPr lvl="4"/>
             <a:r>
-              <a:rPr lang="en-US" smtClean="0"/>
+              <a:rPr lang="en-US"/>
               <a:t>Fifth level</a:t>
             </a:r>
-            <a:endParaRPr lang="en-US"/>
           </a:p>
         </p:txBody>
       </p:sp>
@@ -1540,7 +6955,7 @@
           <a:p>
             <a:pPr lvl="0"/>
             <a:r>
-              <a:rPr lang="en-US" smtClean="0"/>
+              <a:rPr lang="en-US"/>
               <a:t>Click to edit Master text styles</a:t>
             </a:r>
           </a:p>
@@ -1568,38 +6983,37 @@
           <a:p>
             <a:pPr lvl="0"/>
             <a:r>
-              <a:rPr lang="en-US" smtClean="0"/>
+              <a:rPr lang="en-US"/>
               <a:t>Click to edit Master text styles</a:t>
             </a:r>
           </a:p>
           <a:p>
             <a:pPr lvl="1"/>
             <a:r>
-              <a:rPr lang="en-US" smtClean="0"/>
+              <a:rPr lang="en-US"/>
               <a:t>Second level</a:t>
             </a:r>
           </a:p>
           <a:p>
             <a:pPr lvl="2"/>
             <a:r>
-              <a:rPr lang="en-US" smtClean="0"/>
+              <a:rPr lang="en-US"/>
               <a:t>Third level</a:t>
             </a:r>
           </a:p>
           <a:p>
             <a:pPr lvl="3"/>
             <a:r>
-              <a:rPr lang="en-US" smtClean="0"/>
+              <a:rPr lang="en-US"/>
               <a:t>Fourth level</a:t>
             </a:r>
           </a:p>
           <a:p>
             <a:pPr lvl="4"/>
             <a:r>
-              <a:rPr lang="en-US" smtClean="0"/>
+              <a:rPr lang="en-US"/>
               <a:t>Fifth level</a:t>
             </a:r>
-            <a:endParaRPr lang="en-US"/>
           </a:p>
         </p:txBody>
       </p:sp>
@@ -1620,7 +7034,7 @@
           <a:p>
             <a:fld id="{53E33EA2-7A44-4EE3-B2C7-B5E0371F59E7}" type="datetimeFigureOut">
               <a:rPr lang="en-US" smtClean="0"/>
-              <a:t>3/4/2015</a:t>
+              <a:t>9/24/2018</a:t>
             </a:fld>
             <a:endParaRPr lang="en-US"/>
           </a:p>
@@ -1714,10 +7128,9 @@
           <a:lstStyle/>
           <a:p>
             <a:r>
-              <a:rPr lang="en-US" smtClean="0"/>
+              <a:rPr lang="en-US"/>
               <a:t>Click to edit Master title style</a:t>
             </a:r>
-            <a:endParaRPr lang="en-US"/>
           </a:p>
         </p:txBody>
       </p:sp>
@@ -1738,7 +7151,7 @@
           <a:p>
             <a:fld id="{53E33EA2-7A44-4EE3-B2C7-B5E0371F59E7}" type="datetimeFigureOut">
               <a:rPr lang="en-US" smtClean="0"/>
-              <a:t>3/4/2015</a:t>
+              <a:t>9/24/2018</a:t>
             </a:fld>
             <a:endParaRPr lang="en-US"/>
           </a:p>
@@ -1833,7 +7246,7 @@
           <a:p>
             <a:fld id="{53E33EA2-7A44-4EE3-B2C7-B5E0371F59E7}" type="datetimeFigureOut">
               <a:rPr lang="en-US" smtClean="0"/>
-              <a:t>3/4/2015</a:t>
+              <a:t>9/24/2018</a:t>
             </a:fld>
             <a:endParaRPr lang="en-US"/>
           </a:p>
@@ -1936,10 +7349,9 @@
           </a:lstStyle>
           <a:p>
             <a:r>
-              <a:rPr lang="en-US" smtClean="0"/>
+              <a:rPr lang="en-US"/>
               <a:t>Click to edit Master title style</a:t>
             </a:r>
-            <a:endParaRPr lang="en-US"/>
           </a:p>
         </p:txBody>
       </p:sp>
@@ -1993,38 +7405,37 @@
           <a:p>
             <a:pPr lvl="0"/>
             <a:r>
-              <a:rPr lang="en-US" smtClean="0"/>
+              <a:rPr lang="en-US"/>
               <a:t>Click to edit Master text styles</a:t>
             </a:r>
           </a:p>
           <a:p>
             <a:pPr lvl="1"/>
             <a:r>
-              <a:rPr lang="en-US" smtClean="0"/>
+              <a:rPr lang="en-US"/>
               <a:t>Second level</a:t>
             </a:r>
           </a:p>
           <a:p>
             <a:pPr lvl="2"/>
             <a:r>
-              <a:rPr lang="en-US" smtClean="0"/>
+              <a:rPr lang="en-US"/>
               <a:t>Third level</a:t>
             </a:r>
           </a:p>
           <a:p>
             <a:pPr lvl="3"/>
             <a:r>
-              <a:rPr lang="en-US" smtClean="0"/>
+              <a:rPr lang="en-US"/>
               <a:t>Fourth level</a:t>
             </a:r>
           </a:p>
           <a:p>
             <a:pPr lvl="4"/>
             <a:r>
-              <a:rPr lang="en-US" smtClean="0"/>
+              <a:rPr lang="en-US"/>
               <a:t>Fifth level</a:t>
             </a:r>
-            <a:endParaRPr lang="en-US"/>
           </a:p>
         </p:txBody>
       </p:sp>
@@ -2087,7 +7498,7 @@
           <a:p>
             <a:pPr lvl="0"/>
             <a:r>
-              <a:rPr lang="en-US" smtClean="0"/>
+              <a:rPr lang="en-US"/>
               <a:t>Click to edit Master text styles</a:t>
             </a:r>
           </a:p>
@@ -2110,7 +7521,7 @@
           <a:p>
             <a:fld id="{53E33EA2-7A44-4EE3-B2C7-B5E0371F59E7}" type="datetimeFigureOut">
               <a:rPr lang="en-US" smtClean="0"/>
-              <a:t>3/4/2015</a:t>
+              <a:t>9/24/2018</a:t>
             </a:fld>
             <a:endParaRPr lang="en-US"/>
           </a:p>
@@ -2213,10 +7624,9 @@
           </a:lstStyle>
           <a:p>
             <a:r>
-              <a:rPr lang="en-US" smtClean="0"/>
+              <a:rPr lang="en-US"/>
               <a:t>Click to edit Master title style</a:t>
             </a:r>
-            <a:endParaRPr lang="en-US"/>
           </a:p>
         </p:txBody>
       </p:sp>
@@ -2340,7 +7750,7 @@
           <a:p>
             <a:pPr lvl="0"/>
             <a:r>
-              <a:rPr lang="en-US" smtClean="0"/>
+              <a:rPr lang="en-US"/>
               <a:t>Click to edit Master text styles</a:t>
             </a:r>
           </a:p>
@@ -2363,7 +7773,7 @@
           <a:p>
             <a:fld id="{53E33EA2-7A44-4EE3-B2C7-B5E0371F59E7}" type="datetimeFigureOut">
               <a:rPr lang="en-US" smtClean="0"/>
-              <a:t>3/4/2015</a:t>
+              <a:t>9/24/2018</a:t>
             </a:fld>
             <a:endParaRPr lang="en-US"/>
           </a:p>
@@ -2472,10 +7882,9 @@
           <a:lstStyle/>
           <a:p>
             <a:r>
-              <a:rPr lang="en-US" smtClean="0"/>
+              <a:rPr lang="en-US"/>
               <a:t>Click to edit Master title style</a:t>
             </a:r>
-            <a:endParaRPr lang="en-US"/>
           </a:p>
         </p:txBody>
       </p:sp>
@@ -2506,38 +7915,37 @@
           <a:p>
             <a:pPr lvl="0"/>
             <a:r>
-              <a:rPr lang="en-US" smtClean="0"/>
+              <a:rPr lang="en-US"/>
               <a:t>Click to edit Master text styles</a:t>
             </a:r>
           </a:p>
           <a:p>
             <a:pPr lvl="1"/>
             <a:r>
-              <a:rPr lang="en-US" smtClean="0"/>
+              <a:rPr lang="en-US"/>
               <a:t>Second level</a:t>
             </a:r>
           </a:p>
           <a:p>
             <a:pPr lvl="2"/>
             <a:r>
-              <a:rPr lang="en-US" smtClean="0"/>
+              <a:rPr lang="en-US"/>
               <a:t>Third level</a:t>
             </a:r>
           </a:p>
           <a:p>
             <a:pPr lvl="3"/>
             <a:r>
-              <a:rPr lang="en-US" smtClean="0"/>
+              <a:rPr lang="en-US"/>
               <a:t>Fourth level</a:t>
             </a:r>
           </a:p>
           <a:p>
             <a:pPr lvl="4"/>
             <a:r>
-              <a:rPr lang="en-US" smtClean="0"/>
+              <a:rPr lang="en-US"/>
               <a:t>Fifth level</a:t>
             </a:r>
-            <a:endParaRPr lang="en-US"/>
           </a:p>
         </p:txBody>
       </p:sp>
@@ -2576,7 +7984,7 @@
           <a:p>
             <a:fld id="{53E33EA2-7A44-4EE3-B2C7-B5E0371F59E7}" type="datetimeFigureOut">
               <a:rPr lang="en-US" smtClean="0"/>
-              <a:t>3/4/2015</a:t>
+              <a:t>9/24/2018</a:t>
             </a:fld>
             <a:endParaRPr lang="en-US"/>
           </a:p>
@@ -3097,10 +8505,9 @@
             <a:lstStyle/>
             <a:p>
               <a:r>
-                <a:rPr lang="en-US" sz="1400" dirty="0" smtClean="0"/>
+                <a:rPr lang="en-US" sz="1400" dirty="0"/>
                 <a:t>Run Session (or restart session)</a:t>
               </a:r>
-              <a:endParaRPr lang="en-US" sz="1400" dirty="0"/>
             </a:p>
           </p:txBody>
         </p:sp>
@@ -3145,10 +8552,9 @@
             </a:p>
             <a:p>
               <a:r>
-                <a:rPr lang="en-US" sz="1050" dirty="0" smtClean="0"/>
+                <a:rPr lang="en-US" sz="1050" dirty="0"/>
                 <a:t>- Creates the trial sequence and the data structures</a:t>
               </a:r>
-              <a:endParaRPr lang="en-US" sz="1050" dirty="0"/>
             </a:p>
           </p:txBody>
         </p:sp>
@@ -3186,7 +8592,7 @@
             <a:lstStyle/>
             <a:p>
               <a:r>
-                <a:rPr lang="en-US" sz="1050" dirty="0" err="1" smtClean="0"/>
+                <a:rPr lang="en-US" sz="1050" dirty="0" err="1"/>
                 <a:t>ExperimentDesign.Run</a:t>
               </a:r>
               <a:endParaRPr lang="en-US" sz="1050" dirty="0"/>
@@ -3227,7 +8633,7 @@
             <a:lstStyle/>
             <a:p>
               <a:r>
-                <a:rPr lang="en-US" sz="1050" b="1" dirty="0" err="1" smtClean="0">
+                <a:rPr lang="en-US" sz="1050" b="1" dirty="0" err="1">
                   <a:solidFill>
                     <a:srgbClr val="FF0000"/>
                   </a:solidFill>
@@ -3235,30 +8641,22 @@
                 <a:t>ExperimentDesign</a:t>
               </a:r>
               <a:r>
-                <a:rPr lang="en-US" sz="1050" b="1" dirty="0" smtClean="0">
-                  <a:solidFill>
-                    <a:srgbClr val="FF0000"/>
-                  </a:solidFill>
-                </a:rPr>
-                <a:t>.</a:t>
-              </a:r>
-              <a:r>
                 <a:rPr lang="en-US" sz="1050" b="1" dirty="0">
                   <a:solidFill>
                     <a:srgbClr val="FF0000"/>
                   </a:solidFill>
                 </a:rPr>
-                <a:t> </a:t>
+                <a:t>. </a:t>
               </a:r>
               <a:r>
-                <a:rPr lang="en-US" sz="1050" b="1" dirty="0" err="1" smtClean="0">
+                <a:rPr lang="en-US" sz="1050" b="1" dirty="0" err="1">
                   <a:solidFill>
                     <a:srgbClr val="FF0000"/>
                   </a:solidFill>
                 </a:rPr>
                 <a:t>initBeforeRunning</a:t>
               </a:r>
-              <a:endParaRPr lang="en-US" sz="1050" b="1" dirty="0" smtClean="0">
+              <a:endParaRPr lang="en-US" sz="1050" b="1" dirty="0">
                 <a:solidFill>
                   <a:srgbClr val="FF0000"/>
                 </a:solidFill>
@@ -3266,10 +8664,9 @@
             </a:p>
             <a:p>
               <a:r>
-                <a:rPr lang="en-US" sz="1050" dirty="0" smtClean="0"/>
+                <a:rPr lang="en-US" sz="1050" dirty="0"/>
                 <a:t>- Initializations that need to happen before every run but not before every trial</a:t>
               </a:r>
-              <a:endParaRPr lang="en-US" sz="1050" dirty="0"/>
             </a:p>
           </p:txBody>
         </p:sp>
@@ -3307,16 +8704,15 @@
             <a:lstStyle/>
             <a:p>
               <a:r>
-                <a:rPr lang="en-US" sz="1050" dirty="0" smtClean="0"/>
+                <a:rPr lang="en-US" sz="1050" dirty="0"/>
                 <a:t>TRIAL LOOP</a:t>
               </a:r>
             </a:p>
             <a:p>
               <a:r>
-                <a:rPr lang="en-US" sz="1050" dirty="0" smtClean="0"/>
+                <a:rPr lang="en-US" sz="1050" dirty="0"/>
                 <a:t>- While there are more trials to run repeat</a:t>
               </a:r>
-              <a:endParaRPr lang="en-US" sz="1050" dirty="0"/>
             </a:p>
           </p:txBody>
         </p:sp>
@@ -3354,7 +8750,7 @@
             <a:lstStyle/>
             <a:p>
               <a:r>
-                <a:rPr lang="en-US" sz="1050" b="1" dirty="0" err="1" smtClean="0">
+                <a:rPr lang="en-US" sz="1050" b="1" dirty="0" err="1">
                   <a:solidFill>
                     <a:srgbClr val="FF0000"/>
                   </a:solidFill>
@@ -3362,30 +8758,22 @@
                 <a:t>ExperimentDesign</a:t>
               </a:r>
               <a:r>
-                <a:rPr lang="en-US" sz="1050" b="1" dirty="0" smtClean="0">
-                  <a:solidFill>
-                    <a:srgbClr val="FF0000"/>
-                  </a:solidFill>
-                </a:rPr>
-                <a:t>.</a:t>
-              </a:r>
-              <a:r>
                 <a:rPr lang="en-US" sz="1050" b="1" dirty="0">
                   <a:solidFill>
                     <a:srgbClr val="FF0000"/>
                   </a:solidFill>
                 </a:rPr>
-                <a:t> </a:t>
+                <a:t>. </a:t>
               </a:r>
               <a:r>
-                <a:rPr lang="en-US" sz="1050" b="1" dirty="0" err="1" smtClean="0">
+                <a:rPr lang="en-US" sz="1050" b="1" dirty="0" err="1">
                   <a:solidFill>
                     <a:srgbClr val="FF0000"/>
                   </a:solidFill>
                 </a:rPr>
                 <a:t>runPreTrial</a:t>
               </a:r>
-              <a:endParaRPr lang="en-US" sz="1050" b="1" dirty="0" smtClean="0">
+              <a:endParaRPr lang="en-US" sz="1050" b="1" dirty="0">
                 <a:solidFill>
                   <a:srgbClr val="FF0000"/>
                 </a:solidFill>
@@ -3393,10 +8781,9 @@
             </a:p>
             <a:p>
               <a:r>
-                <a:rPr lang="en-US" sz="1050" dirty="0" smtClean="0"/>
+                <a:rPr lang="en-US" sz="1050" dirty="0"/>
                 <a:t>- Initializations that need to happen before every trial</a:t>
               </a:r>
-              <a:endParaRPr lang="en-US" sz="1050" dirty="0"/>
             </a:p>
           </p:txBody>
         </p:sp>
@@ -3434,7 +8821,7 @@
             <a:lstStyle/>
             <a:p>
               <a:r>
-                <a:rPr lang="en-US" sz="1050" b="1" dirty="0" err="1" smtClean="0">
+                <a:rPr lang="en-US" sz="1050" b="1" dirty="0" err="1">
                   <a:solidFill>
                     <a:srgbClr val="FF0000"/>
                   </a:solidFill>
@@ -3442,30 +8829,22 @@
                 <a:t>ExperimentDesign</a:t>
               </a:r>
               <a:r>
-                <a:rPr lang="en-US" sz="1050" b="1" dirty="0" smtClean="0">
-                  <a:solidFill>
-                    <a:srgbClr val="FF0000"/>
-                  </a:solidFill>
-                </a:rPr>
-                <a:t>.</a:t>
-              </a:r>
-              <a:r>
                 <a:rPr lang="en-US" sz="1050" b="1" dirty="0">
                   <a:solidFill>
                     <a:srgbClr val="FF0000"/>
                   </a:solidFill>
                 </a:rPr>
-                <a:t> </a:t>
+                <a:t>. </a:t>
               </a:r>
               <a:r>
-                <a:rPr lang="en-US" sz="1050" b="1" dirty="0" err="1" smtClean="0">
+                <a:rPr lang="en-US" sz="1050" b="1" dirty="0" err="1">
                   <a:solidFill>
                     <a:srgbClr val="FF0000"/>
                   </a:solidFill>
                 </a:rPr>
                 <a:t>runTrial</a:t>
               </a:r>
-              <a:endParaRPr lang="en-US" sz="1050" b="1" dirty="0" smtClean="0">
+              <a:endParaRPr lang="en-US" sz="1050" b="1" dirty="0">
                 <a:solidFill>
                   <a:srgbClr val="FF0000"/>
                 </a:solidFill>
@@ -3473,10 +8852,9 @@
             </a:p>
             <a:p>
               <a:r>
-                <a:rPr lang="en-US" sz="1050" dirty="0" smtClean="0"/>
+                <a:rPr lang="en-US" sz="1050" dirty="0"/>
                 <a:t>- Actual trial implementation</a:t>
               </a:r>
-              <a:endParaRPr lang="en-US" sz="1050" dirty="0"/>
             </a:p>
           </p:txBody>
         </p:sp>
@@ -3514,7 +8892,7 @@
             <a:lstStyle/>
             <a:p>
               <a:r>
-                <a:rPr lang="en-US" sz="1050" b="1" dirty="0" err="1" smtClean="0">
+                <a:rPr lang="en-US" sz="1050" b="1" dirty="0" err="1">
                   <a:solidFill>
                     <a:srgbClr val="FF0000"/>
                   </a:solidFill>
@@ -3522,30 +8900,22 @@
                 <a:t>ExperimentDesign</a:t>
               </a:r>
               <a:r>
-                <a:rPr lang="en-US" sz="1050" b="1" dirty="0" smtClean="0">
-                  <a:solidFill>
-                    <a:srgbClr val="FF0000"/>
-                  </a:solidFill>
-                </a:rPr>
-                <a:t>.</a:t>
-              </a:r>
-              <a:r>
                 <a:rPr lang="en-US" sz="1050" b="1" dirty="0">
                   <a:solidFill>
                     <a:srgbClr val="FF0000"/>
                   </a:solidFill>
                 </a:rPr>
-                <a:t> </a:t>
+                <a:t>. </a:t>
               </a:r>
               <a:r>
-                <a:rPr lang="en-US" sz="1050" b="1" dirty="0" err="1" smtClean="0">
+                <a:rPr lang="en-US" sz="1050" b="1" dirty="0" err="1">
                   <a:solidFill>
                     <a:srgbClr val="FF0000"/>
                   </a:solidFill>
                 </a:rPr>
                 <a:t>runPostTrial</a:t>
               </a:r>
-              <a:endParaRPr lang="en-US" sz="1050" b="1" dirty="0" smtClean="0">
+              <a:endParaRPr lang="en-US" sz="1050" b="1" dirty="0">
                 <a:solidFill>
                   <a:srgbClr val="FF0000"/>
                 </a:solidFill>
@@ -3553,10 +8923,9 @@
             </a:p>
             <a:p>
               <a:r>
-                <a:rPr lang="en-US" sz="1050" dirty="0" smtClean="0"/>
+                <a:rPr lang="en-US" sz="1050" dirty="0"/>
                 <a:t>- Save data and clear resources after every trial</a:t>
               </a:r>
-              <a:endParaRPr lang="en-US" sz="1050" dirty="0"/>
             </a:p>
           </p:txBody>
         </p:sp>
@@ -3623,10 +8992,9 @@
               <a:lstStyle/>
               <a:p>
                 <a:r>
-                  <a:rPr lang="en-US" sz="1400" dirty="0" smtClean="0"/>
+                  <a:rPr lang="en-US" sz="1400" dirty="0"/>
                   <a:t>Create session</a:t>
                 </a:r>
-                <a:endParaRPr lang="en-US" sz="1400" dirty="0"/>
               </a:p>
             </p:txBody>
           </p:sp>
@@ -3664,17 +9032,16 @@
               <a:lstStyle/>
               <a:p>
                 <a:r>
-                  <a:rPr lang="en-US" sz="1050" dirty="0" err="1" smtClean="0"/>
+                  <a:rPr lang="en-US" sz="1050" dirty="0" err="1"/>
                   <a:t>ExperimentDesign.initVariables</a:t>
                 </a:r>
-                <a:endParaRPr lang="en-US" sz="1050" dirty="0" smtClean="0"/>
+                <a:endParaRPr lang="en-US" sz="1050" dirty="0"/>
               </a:p>
               <a:p>
                 <a:r>
-                  <a:rPr lang="en-US" sz="1050" dirty="0" smtClean="0"/>
+                  <a:rPr lang="en-US" sz="1050" dirty="0"/>
                   <a:t>- Initializes condition and random variables</a:t>
                 </a:r>
-                <a:endParaRPr lang="en-US" sz="1050" dirty="0"/>
               </a:p>
             </p:txBody>
           </p:sp>
@@ -3712,14 +9079,14 @@
               <a:lstStyle/>
               <a:p>
                 <a:r>
-                  <a:rPr lang="en-US" sz="1050" b="1" dirty="0" err="1" smtClean="0">
+                  <a:rPr lang="en-US" sz="1050" b="1" dirty="0" err="1">
                     <a:solidFill>
                       <a:srgbClr val="FF0000"/>
                     </a:solidFill>
                   </a:rPr>
                   <a:t>ExperimentDesign.GetOptionsStructDlg</a:t>
                 </a:r>
-                <a:endParaRPr lang="en-US" sz="1050" b="1" dirty="0" smtClean="0">
+                <a:endParaRPr lang="en-US" sz="1050" b="1" dirty="0">
                   <a:solidFill>
                     <a:srgbClr val="FF0000"/>
                   </a:solidFill>
@@ -3727,10 +9094,9 @@
               </a:p>
               <a:p>
                 <a:r>
-                  <a:rPr lang="en-US" sz="1050" dirty="0" smtClean="0"/>
+                  <a:rPr lang="en-US" sz="1050" dirty="0"/>
                   <a:t>- Shows option dialog to the user</a:t>
                 </a:r>
-                <a:endParaRPr lang="en-US" sz="1050" dirty="0"/>
               </a:p>
             </p:txBody>
           </p:sp>
@@ -3768,17 +9134,16 @@
               <a:lstStyle/>
               <a:p>
                 <a:r>
-                  <a:rPr lang="en-US" sz="1050" dirty="0" err="1" smtClean="0"/>
+                  <a:rPr lang="en-US" sz="1050" dirty="0" err="1"/>
                   <a:t>ExperimentDesign.initParameters</a:t>
                 </a:r>
-                <a:endParaRPr lang="en-US" sz="1050" dirty="0" smtClean="0"/>
+                <a:endParaRPr lang="en-US" sz="1050" dirty="0"/>
               </a:p>
               <a:p>
                 <a:r>
-                  <a:rPr lang="en-US" sz="1050" dirty="0" smtClean="0"/>
+                  <a:rPr lang="en-US" sz="1050" dirty="0"/>
                   <a:t>- Initializes common experiment design parameters</a:t>
                 </a:r>
-                <a:endParaRPr lang="en-US" sz="1050" dirty="0"/>
               </a:p>
             </p:txBody>
           </p:sp>
@@ -3816,7 +9181,7 @@
               <a:lstStyle/>
               <a:p>
                 <a:r>
-                  <a:rPr lang="en-US" sz="1050" b="1" dirty="0" err="1" smtClean="0">
+                  <a:rPr lang="en-US" sz="1050" b="1" dirty="0" err="1">
                     <a:solidFill>
                       <a:srgbClr val="FF0000"/>
                     </a:solidFill>
@@ -3824,7 +9189,7 @@
                   <a:t>ExperimentDesign</a:t>
                 </a:r>
                 <a:r>
-                  <a:rPr lang="en-US" sz="1050" b="1" dirty="0" smtClean="0">
+                  <a:rPr lang="en-US" sz="1050" b="1" dirty="0">
                     <a:solidFill>
                       <a:srgbClr val="FF0000"/>
                     </a:solidFill>
@@ -3832,14 +9197,14 @@
                   <a:t>. </a:t>
                 </a:r>
                 <a:r>
-                  <a:rPr lang="en-US" sz="1050" b="1" dirty="0" err="1" smtClean="0">
+                  <a:rPr lang="en-US" sz="1050" b="1" dirty="0" err="1">
                     <a:solidFill>
                       <a:srgbClr val="FF0000"/>
                     </a:solidFill>
                   </a:rPr>
                   <a:t>initExperimentDesign</a:t>
                 </a:r>
-                <a:endParaRPr lang="en-US" sz="1050" b="1" dirty="0" smtClean="0">
+                <a:endParaRPr lang="en-US" sz="1050" b="1" dirty="0">
                   <a:solidFill>
                     <a:srgbClr val="FF0000"/>
                   </a:solidFill>
@@ -3847,10 +9212,9 @@
               </a:p>
               <a:p>
                 <a:r>
-                  <a:rPr lang="en-US" sz="1050" dirty="0" smtClean="0"/>
+                  <a:rPr lang="en-US" sz="1050" dirty="0"/>
                   <a:t>- Initializes parameters specific to the experiment, or changes the values of the common ones.</a:t>
                 </a:r>
-                <a:endParaRPr lang="en-US" sz="1050" dirty="0"/>
               </a:p>
             </p:txBody>
           </p:sp>
@@ -3889,7 +9253,7 @@
             <a:lstStyle/>
             <a:p>
               <a:r>
-                <a:rPr lang="en-US" sz="1050" b="1" dirty="0" err="1" smtClean="0">
+                <a:rPr lang="en-US" sz="1050" b="1" dirty="0" err="1">
                   <a:solidFill>
                     <a:srgbClr val="FF0000"/>
                   </a:solidFill>
@@ -3897,7 +9261,7 @@
                 <a:t>ExperimentDesign</a:t>
               </a:r>
               <a:r>
-                <a:rPr lang="en-US" sz="1050" b="1" dirty="0" smtClean="0">
+                <a:rPr lang="en-US" sz="1050" b="1" dirty="0">
                   <a:solidFill>
                     <a:srgbClr val="FF0000"/>
                   </a:solidFill>
@@ -3905,14 +9269,14 @@
                 <a:t>. </a:t>
               </a:r>
               <a:r>
-                <a:rPr lang="en-US" sz="1050" b="1" dirty="0" err="1" smtClean="0">
+                <a:rPr lang="en-US" sz="1050" b="1" dirty="0" err="1">
                   <a:solidFill>
                     <a:srgbClr val="FF0000"/>
                   </a:solidFill>
                 </a:rPr>
                 <a:t>getConditionVariables</a:t>
               </a:r>
-              <a:endParaRPr lang="en-US" sz="1050" b="1" dirty="0" smtClean="0">
+              <a:endParaRPr lang="en-US" sz="1050" b="1" dirty="0">
                 <a:solidFill>
                   <a:srgbClr val="FF0000"/>
                 </a:solidFill>
@@ -3920,10 +9284,9 @@
             </a:p>
             <a:p>
               <a:r>
-                <a:rPr lang="en-US" sz="1050" dirty="0" smtClean="0"/>
+                <a:rPr lang="en-US" sz="1050" dirty="0"/>
                 <a:t>- Sets up the variables that will be combined to create the trial matrix. All possible trials in the matrix will be all the combinations of the condition variables</a:t>
               </a:r>
-              <a:endParaRPr lang="en-US" sz="1050" dirty="0"/>
             </a:p>
           </p:txBody>
         </p:sp>
@@ -3961,7 +9324,7 @@
             <a:lstStyle/>
             <a:p>
               <a:r>
-                <a:rPr lang="en-US" sz="1050" b="1" dirty="0" err="1" smtClean="0">
+                <a:rPr lang="en-US" sz="1050" b="1" dirty="0" err="1">
                   <a:solidFill>
                     <a:srgbClr val="FF0000"/>
                   </a:solidFill>
@@ -3969,7 +9332,7 @@
                 <a:t>ExperimentDesign</a:t>
               </a:r>
               <a:r>
-                <a:rPr lang="en-US" sz="1050" b="1" dirty="0" smtClean="0">
+                <a:rPr lang="en-US" sz="1050" b="1" dirty="0">
                   <a:solidFill>
                     <a:srgbClr val="FF0000"/>
                   </a:solidFill>
@@ -3977,14 +9340,14 @@
                 <a:t>. </a:t>
               </a:r>
               <a:r>
-                <a:rPr lang="en-US" sz="1050" b="1" dirty="0" err="1" smtClean="0">
+                <a:rPr lang="en-US" sz="1050" b="1" dirty="0" err="1">
                   <a:solidFill>
                     <a:srgbClr val="FF0000"/>
                   </a:solidFill>
                 </a:rPr>
                 <a:t>getRandomVariables</a:t>
               </a:r>
-              <a:endParaRPr lang="en-US" sz="1050" b="1" dirty="0" smtClean="0">
+              <a:endParaRPr lang="en-US" sz="1050" b="1" dirty="0">
                 <a:solidFill>
                   <a:srgbClr val="FF0000"/>
                 </a:solidFill>
@@ -3992,10 +9355,9 @@
             </a:p>
             <a:p>
               <a:r>
-                <a:rPr lang="en-US" sz="1050" dirty="0" smtClean="0"/>
+                <a:rPr lang="en-US" sz="1050" dirty="0"/>
                 <a:t>- Sets up the random variables. This variables will not affect the possible trials. They will be assigned a value for every trial</a:t>
               </a:r>
-              <a:endParaRPr lang="en-US" sz="1050" dirty="0"/>
             </a:p>
           </p:txBody>
         </p:sp>
@@ -4010,13 +9372,64 @@
   <p:clrMapOvr>
     <a:masterClrMapping/>
   </p:clrMapOvr>
-  <p:timing>
-    <p:tnLst>
-      <p:par>
-        <p:cTn id="1" dur="indefinite" restart="never" nodeType="tmRoot"/>
-      </p:par>
-    </p:tnLst>
-  </p:timing>
+</p:sld>
+</file>
+
+<file path=ppt/slides/slide3.xml><?xml version="1.0" encoding="utf-8"?>
+<p:sld xmlns:a="http://schemas.openxmlformats.org/drawingml/2006/main" xmlns:r="http://schemas.openxmlformats.org/officeDocument/2006/relationships" xmlns:p="http://schemas.openxmlformats.org/presentationml/2006/main">
+  <p:cSld>
+    <p:spTree>
+      <p:nvGrpSpPr>
+        <p:cNvPr id="1" name=""/>
+        <p:cNvGrpSpPr/>
+        <p:nvPr/>
+      </p:nvGrpSpPr>
+      <p:grpSpPr>
+        <a:xfrm>
+          <a:off x="0" y="0"/>
+          <a:ext cx="0" cy="0"/>
+          <a:chOff x="0" y="0"/>
+          <a:chExt cx="0" cy="0"/>
+        </a:xfrm>
+      </p:grpSpPr>
+      <p:graphicFrame>
+        <p:nvGraphicFramePr>
+          <p:cNvPr id="4" name="Diagram 3">
+            <a:extLst>
+              <a:ext uri="{FF2B5EF4-FFF2-40B4-BE49-F238E27FC236}">
+                <a16:creationId xmlns:a16="http://schemas.microsoft.com/office/drawing/2014/main" id="{973EB9D6-34D1-4BD5-825D-9B7FEE72F0A4}"/>
+              </a:ext>
+            </a:extLst>
+          </p:cNvPr>
+          <p:cNvGraphicFramePr/>
+          <p:nvPr>
+            <p:extLst>
+              <p:ext uri="{D42A27DB-BD31-4B8C-83A1-F6EECF244321}">
+                <p14:modId xmlns:p14="http://schemas.microsoft.com/office/powerpoint/2010/main" val="2023616034"/>
+              </p:ext>
+            </p:extLst>
+          </p:nvPr>
+        </p:nvGraphicFramePr>
+        <p:xfrm>
+          <a:off x="2032000" y="719666"/>
+          <a:ext cx="8128000" cy="5418667"/>
+        </p:xfrm>
+        <a:graphic>
+          <a:graphicData uri="http://schemas.openxmlformats.org/drawingml/2006/diagram">
+            <dgm:relIds xmlns:dgm="http://schemas.openxmlformats.org/drawingml/2006/diagram" xmlns:r="http://schemas.openxmlformats.org/officeDocument/2006/relationships" r:dm="rId2" r:lo="rId3" r:qs="rId4" r:cs="rId5"/>
+          </a:graphicData>
+        </a:graphic>
+      </p:graphicFrame>
+    </p:spTree>
+    <p:extLst>
+      <p:ext uri="{BB962C8B-B14F-4D97-AF65-F5344CB8AC3E}">
+        <p14:creationId xmlns:p14="http://schemas.microsoft.com/office/powerpoint/2010/main" val="1769506240"/>
+      </p:ext>
+    </p:extLst>
+  </p:cSld>
+  <p:clrMapOvr>
+    <a:masterClrMapping/>
+  </p:clrMapOvr>
 </p:sld>
 </file>
 
